--- a/bootstrap/slides/Intro to Bootstrap.pptx
+++ b/bootstrap/slides/Intro to Bootstrap.pptx
@@ -24,13 +24,30 @@
     <p:sldId id="278" r:id="rId21"/>
     <p:sldId id="277" r:id="rId22"/>
     <p:sldId id="280" r:id="rId23"/>
-    <p:sldId id="279" r:id="rId24"/>
-    <p:sldId id="281" r:id="rId25"/>
-    <p:sldId id="284" r:id="rId26"/>
-    <p:sldId id="282" r:id="rId27"/>
-    <p:sldId id="283" r:id="rId28"/>
-    <p:sldId id="286" r:id="rId29"/>
-    <p:sldId id="285" r:id="rId30"/>
+    <p:sldId id="296" r:id="rId24"/>
+    <p:sldId id="297" r:id="rId25"/>
+    <p:sldId id="295" r:id="rId26"/>
+    <p:sldId id="279" r:id="rId27"/>
+    <p:sldId id="281" r:id="rId28"/>
+    <p:sldId id="284" r:id="rId29"/>
+    <p:sldId id="298" r:id="rId30"/>
+    <p:sldId id="299" r:id="rId31"/>
+    <p:sldId id="300" r:id="rId32"/>
+    <p:sldId id="301" r:id="rId33"/>
+    <p:sldId id="282" r:id="rId34"/>
+    <p:sldId id="283" r:id="rId35"/>
+    <p:sldId id="286" r:id="rId36"/>
+    <p:sldId id="285" r:id="rId37"/>
+    <p:sldId id="287" r:id="rId38"/>
+    <p:sldId id="288" r:id="rId39"/>
+    <p:sldId id="289" r:id="rId40"/>
+    <p:sldId id="290" r:id="rId41"/>
+    <p:sldId id="291" r:id="rId42"/>
+    <p:sldId id="293" r:id="rId43"/>
+    <p:sldId id="292" r:id="rId44"/>
+    <p:sldId id="294" r:id="rId45"/>
+    <p:sldId id="302" r:id="rId46"/>
+    <p:sldId id="303" r:id="rId47"/>
   </p:sldIdLst>
   <p:sldSz cx="12192000" cy="6858000"/>
   <p:notesSz cx="6858000" cy="9144000"/>
@@ -10424,7 +10441,7 @@
           <a:p>
             <a:r>
               <a:rPr lang="en-US"/>
-              <a:t>Colors</a:t>
+              <a:t>Sizing</a:t>
             </a:r>
           </a:p>
         </p:txBody>
@@ -10452,7 +10469,7 @@
           <a:p>
             <a:r>
               <a:rPr lang="en-US"/>
-              <a:t>for a consistent look</a:t>
+              <a:t>for fluid layouts</a:t>
             </a:r>
           </a:p>
         </p:txBody>
@@ -10648,6 +10665,528 @@
 </file>
 
 <file path=ppt/slides/slide20.xml><?xml version="1.0" encoding="utf-8"?>
+<p:sld xmlns:a="http://schemas.openxmlformats.org/drawingml/2006/main" xmlns:r="http://schemas.openxmlformats.org/officeDocument/2006/relationships" xmlns:p="http://schemas.openxmlformats.org/presentationml/2006/main">
+  <p:cSld>
+    <p:spTree>
+      <p:nvGrpSpPr>
+        <p:cNvPr id="1" name=""/>
+        <p:cNvGrpSpPr/>
+        <p:nvPr/>
+      </p:nvGrpSpPr>
+      <p:grpSpPr>
+        <a:xfrm>
+          <a:off x="0" y="0"/>
+          <a:ext cx="0" cy="0"/>
+          <a:chOff x="0" y="0"/>
+          <a:chExt cx="0" cy="0"/>
+        </a:xfrm>
+      </p:grpSpPr>
+      <p:sp>
+        <p:nvSpPr>
+          <p:cNvPr id="2" name="Title 1">
+            <a:extLst>
+              <a:ext uri="{FF2B5EF4-FFF2-40B4-BE49-F238E27FC236}">
+                <a16:creationId xmlns:a16="http://schemas.microsoft.com/office/drawing/2014/main" id="{408FE2A1-E146-4873-B428-191D3B09654D}"/>
+              </a:ext>
+            </a:extLst>
+          </p:cNvPr>
+          <p:cNvSpPr>
+            <a:spLocks noGrp="1"/>
+          </p:cNvSpPr>
+          <p:nvPr>
+            <p:ph type="title"/>
+          </p:nvPr>
+        </p:nvSpPr>
+        <p:spPr>
+          <a:xfrm>
+            <a:off x="1066800" y="499981"/>
+            <a:ext cx="10058400" cy="1371600"/>
+          </a:xfrm>
+        </p:spPr>
+        <p:txBody>
+          <a:bodyPr/>
+          <a:lstStyle/>
+          <a:p>
+            <a:r>
+              <a:rPr lang="en-US"/>
+              <a:t>Sizing: Relative to Parent</a:t>
+            </a:r>
+          </a:p>
+        </p:txBody>
+      </p:sp>
+      <p:sp>
+        <p:nvSpPr>
+          <p:cNvPr id="3" name="Content Placeholder 2">
+            <a:extLst>
+              <a:ext uri="{FF2B5EF4-FFF2-40B4-BE49-F238E27FC236}">
+                <a16:creationId xmlns:a16="http://schemas.microsoft.com/office/drawing/2014/main" id="{51E5F178-99E4-44C3-BB4A-01DAC6A79FA1}"/>
+              </a:ext>
+            </a:extLst>
+          </p:cNvPr>
+          <p:cNvSpPr>
+            <a:spLocks noGrp="1"/>
+          </p:cNvSpPr>
+          <p:nvPr>
+            <p:ph idx="1"/>
+          </p:nvPr>
+        </p:nvSpPr>
+        <p:spPr>
+          <a:xfrm>
+            <a:off x="1066800" y="1692059"/>
+            <a:ext cx="10058400" cy="3849624"/>
+          </a:xfrm>
+        </p:spPr>
+        <p:txBody>
+          <a:bodyPr>
+            <a:normAutofit/>
+          </a:bodyPr>
+          <a:lstStyle/>
+          <a:p>
+            <a:pPr marL="0" indent="0">
+              <a:buNone/>
+            </a:pPr>
+            <a:r>
+              <a:rPr lang="en-US" sz="1800" b="1"/>
+              <a:t>Use the following classes to set the </a:t>
+            </a:r>
+            <a:r>
+              <a:rPr lang="en-US" sz="1800" b="1">
+                <a:highlight>
+                  <a:srgbClr val="FCF7F1"/>
+                </a:highlight>
+              </a:rPr>
+              <a:t>width</a:t>
+            </a:r>
+            <a:r>
+              <a:rPr lang="en-US" sz="1800" b="1"/>
+              <a:t> property.</a:t>
+            </a:r>
+          </a:p>
+          <a:p>
+            <a:pPr marL="0" indent="0">
+              <a:buNone/>
+            </a:pPr>
+            <a:endParaRPr lang="en-US" sz="1800">
+              <a:latin typeface="Consolas" panose="020B0609020204030204" pitchFamily="49" charset="0"/>
+            </a:endParaRPr>
+          </a:p>
+          <a:p>
+            <a:pPr marL="274320" lvl="1" indent="0">
+              <a:buNone/>
+            </a:pPr>
+            <a:r>
+              <a:rPr lang="en-US" sz="1800">
+                <a:latin typeface="Consolas" panose="020B0609020204030204" pitchFamily="49" charset="0"/>
+              </a:rPr>
+              <a:t>.w-25 { width: 25%; }</a:t>
+            </a:r>
+          </a:p>
+          <a:p>
+            <a:pPr marL="274320" lvl="1" indent="0">
+              <a:buNone/>
+            </a:pPr>
+            <a:r>
+              <a:rPr lang="en-US" sz="1800">
+                <a:latin typeface="Consolas" panose="020B0609020204030204" pitchFamily="49" charset="0"/>
+              </a:rPr>
+              <a:t>.w-50 { width: 50%; }</a:t>
+            </a:r>
+          </a:p>
+          <a:p>
+            <a:pPr marL="274320" lvl="1" indent="0">
+              <a:buNone/>
+            </a:pPr>
+            <a:r>
+              <a:rPr lang="en-US" sz="1800">
+                <a:latin typeface="Consolas" panose="020B0609020204030204" pitchFamily="49" charset="0"/>
+              </a:rPr>
+              <a:t>.w-75 { width: 75%; }</a:t>
+            </a:r>
+          </a:p>
+          <a:p>
+            <a:pPr marL="274320" lvl="1" indent="0">
+              <a:buNone/>
+            </a:pPr>
+            <a:r>
+              <a:rPr lang="en-US" sz="1800">
+                <a:latin typeface="Consolas" panose="020B0609020204030204" pitchFamily="49" charset="0"/>
+              </a:rPr>
+              <a:t>.w-100 { width: 100%; }</a:t>
+            </a:r>
+          </a:p>
+          <a:p>
+            <a:pPr marL="274320" lvl="1" indent="0">
+              <a:buNone/>
+            </a:pPr>
+            <a:endParaRPr lang="en-US" sz="1800">
+              <a:latin typeface="Consolas" panose="020B0609020204030204" pitchFamily="49" charset="0"/>
+            </a:endParaRPr>
+          </a:p>
+          <a:p>
+            <a:pPr marL="274320" lvl="1" indent="0">
+              <a:buNone/>
+            </a:pPr>
+            <a:r>
+              <a:rPr lang="en-US" sz="1800">
+                <a:latin typeface="Consolas" panose="020B0609020204030204" pitchFamily="49" charset="0"/>
+              </a:rPr>
+              <a:t>.mw-100 { max-width: 100%; }</a:t>
+            </a:r>
+          </a:p>
+          <a:p>
+            <a:pPr marL="274320" lvl="1" indent="0">
+              <a:buNone/>
+            </a:pPr>
+            <a:r>
+              <a:rPr lang="en-US" sz="1800">
+                <a:latin typeface="Consolas" panose="020B0609020204030204" pitchFamily="49" charset="0"/>
+              </a:rPr>
+              <a:t>.mh-100 { max-height: 100%; }</a:t>
+            </a:r>
+          </a:p>
+          <a:p>
+            <a:pPr marL="274320" lvl="1" indent="0">
+              <a:buNone/>
+            </a:pPr>
+            <a:endParaRPr lang="en-US" sz="1800">
+              <a:latin typeface="Consolas" panose="020B0609020204030204" pitchFamily="49" charset="0"/>
+            </a:endParaRPr>
+          </a:p>
+        </p:txBody>
+      </p:sp>
+      <p:sp>
+        <p:nvSpPr>
+          <p:cNvPr id="4" name="Rectangle 3">
+            <a:extLst>
+              <a:ext uri="{FF2B5EF4-FFF2-40B4-BE49-F238E27FC236}">
+                <a16:creationId xmlns:a16="http://schemas.microsoft.com/office/drawing/2014/main" id="{E75B4369-FDCF-4679-B655-8685367E3326}"/>
+              </a:ext>
+            </a:extLst>
+          </p:cNvPr>
+          <p:cNvSpPr/>
+          <p:nvPr/>
+        </p:nvSpPr>
+        <p:spPr>
+          <a:xfrm>
+            <a:off x="1066800" y="5852160"/>
+            <a:ext cx="10058400" cy="584775"/>
+          </a:xfrm>
+          <a:prstGeom prst="rect">
+            <a:avLst/>
+          </a:prstGeom>
+        </p:spPr>
+        <p:txBody>
+          <a:bodyPr wrap="square">
+            <a:spAutoFit/>
+          </a:bodyPr>
+          <a:lstStyle/>
+          <a:p>
+            <a:r>
+              <a:rPr lang="en-US" sz="1600" b="1"/>
+              <a:t>Source</a:t>
+            </a:r>
+          </a:p>
+          <a:p>
+            <a:r>
+              <a:rPr lang="en-US" sz="1600">
+                <a:hlinkClick r:id="rId2"/>
+              </a:rPr>
+              <a:t>https://getbootstrap.com/docs/4.5/utilities/sizing/</a:t>
+            </a:r>
+            <a:endParaRPr lang="en-US" sz="1600">
+              <a:solidFill>
+                <a:srgbClr val="00B0F0"/>
+              </a:solidFill>
+            </a:endParaRPr>
+          </a:p>
+        </p:txBody>
+      </p:sp>
+    </p:spTree>
+    <p:extLst>
+      <p:ext uri="{BB962C8B-B14F-4D97-AF65-F5344CB8AC3E}">
+        <p14:creationId xmlns:p14="http://schemas.microsoft.com/office/powerpoint/2010/main" val="574136049"/>
+      </p:ext>
+    </p:extLst>
+  </p:cSld>
+  <p:clrMapOvr>
+    <a:masterClrMapping/>
+  </p:clrMapOvr>
+</p:sld>
+</file>
+
+<file path=ppt/slides/slide21.xml><?xml version="1.0" encoding="utf-8"?>
+<p:sld xmlns:a="http://schemas.openxmlformats.org/drawingml/2006/main" xmlns:r="http://schemas.openxmlformats.org/officeDocument/2006/relationships" xmlns:p="http://schemas.openxmlformats.org/presentationml/2006/main">
+  <p:cSld>
+    <p:spTree>
+      <p:nvGrpSpPr>
+        <p:cNvPr id="1" name=""/>
+        <p:cNvGrpSpPr/>
+        <p:nvPr/>
+      </p:nvGrpSpPr>
+      <p:grpSpPr>
+        <a:xfrm>
+          <a:off x="0" y="0"/>
+          <a:ext cx="0" cy="0"/>
+          <a:chOff x="0" y="0"/>
+          <a:chExt cx="0" cy="0"/>
+        </a:xfrm>
+      </p:grpSpPr>
+      <p:sp>
+        <p:nvSpPr>
+          <p:cNvPr id="2" name="Title 1">
+            <a:extLst>
+              <a:ext uri="{FF2B5EF4-FFF2-40B4-BE49-F238E27FC236}">
+                <a16:creationId xmlns:a16="http://schemas.microsoft.com/office/drawing/2014/main" id="{408FE2A1-E146-4873-B428-191D3B09654D}"/>
+              </a:ext>
+            </a:extLst>
+          </p:cNvPr>
+          <p:cNvSpPr>
+            <a:spLocks noGrp="1"/>
+          </p:cNvSpPr>
+          <p:nvPr>
+            <p:ph type="title"/>
+          </p:nvPr>
+        </p:nvSpPr>
+        <p:spPr>
+          <a:xfrm>
+            <a:off x="1066800" y="499981"/>
+            <a:ext cx="10058400" cy="1371600"/>
+          </a:xfrm>
+        </p:spPr>
+        <p:txBody>
+          <a:bodyPr/>
+          <a:lstStyle/>
+          <a:p>
+            <a:r>
+              <a:rPr lang="en-US"/>
+              <a:t>Sizing: Relative to Viewport</a:t>
+            </a:r>
+          </a:p>
+        </p:txBody>
+      </p:sp>
+      <p:sp>
+        <p:nvSpPr>
+          <p:cNvPr id="3" name="Content Placeholder 2">
+            <a:extLst>
+              <a:ext uri="{FF2B5EF4-FFF2-40B4-BE49-F238E27FC236}">
+                <a16:creationId xmlns:a16="http://schemas.microsoft.com/office/drawing/2014/main" id="{51E5F178-99E4-44C3-BB4A-01DAC6A79FA1}"/>
+              </a:ext>
+            </a:extLst>
+          </p:cNvPr>
+          <p:cNvSpPr>
+            <a:spLocks noGrp="1"/>
+          </p:cNvSpPr>
+          <p:nvPr>
+            <p:ph idx="1"/>
+          </p:nvPr>
+        </p:nvSpPr>
+        <p:spPr>
+          <a:xfrm>
+            <a:off x="1066800" y="1692059"/>
+            <a:ext cx="10058400" cy="3849624"/>
+          </a:xfrm>
+        </p:spPr>
+        <p:txBody>
+          <a:bodyPr>
+            <a:normAutofit/>
+          </a:bodyPr>
+          <a:lstStyle/>
+          <a:p>
+            <a:pPr marL="0" indent="0">
+              <a:buNone/>
+            </a:pPr>
+            <a:r>
+              <a:rPr lang="en-US" sz="1800" b="1"/>
+              <a:t>Use the following classes to set the size of an element relative to the viewport.</a:t>
+            </a:r>
+          </a:p>
+          <a:p>
+            <a:pPr marL="0" indent="0">
+              <a:buNone/>
+            </a:pPr>
+            <a:endParaRPr lang="en-US" sz="1800">
+              <a:latin typeface="Consolas" panose="020B0609020204030204" pitchFamily="49" charset="0"/>
+            </a:endParaRPr>
+          </a:p>
+          <a:p>
+            <a:pPr marL="274320" lvl="1" indent="0">
+              <a:buNone/>
+            </a:pPr>
+            <a:r>
+              <a:rPr lang="en-US" sz="1800">
+                <a:latin typeface="Consolas" panose="020B0609020204030204" pitchFamily="49" charset="0"/>
+              </a:rPr>
+              <a:t>.min-vw-100 { min-width: 100vw; }</a:t>
+            </a:r>
+          </a:p>
+          <a:p>
+            <a:pPr marL="274320" lvl="1" indent="0">
+              <a:buNone/>
+            </a:pPr>
+            <a:r>
+              <a:rPr lang="en-US" sz="1800">
+                <a:latin typeface="Consolas" panose="020B0609020204030204" pitchFamily="49" charset="0"/>
+              </a:rPr>
+              <a:t>.min-vh-100 { min-height: 100vh; }</a:t>
+            </a:r>
+          </a:p>
+          <a:p>
+            <a:pPr marL="274320" lvl="1" indent="0">
+              <a:buNone/>
+            </a:pPr>
+            <a:endParaRPr lang="en-US" sz="1800">
+              <a:latin typeface="Consolas" panose="020B0609020204030204" pitchFamily="49" charset="0"/>
+            </a:endParaRPr>
+          </a:p>
+        </p:txBody>
+      </p:sp>
+      <p:sp>
+        <p:nvSpPr>
+          <p:cNvPr id="4" name="Rectangle 3">
+            <a:extLst>
+              <a:ext uri="{FF2B5EF4-FFF2-40B4-BE49-F238E27FC236}">
+                <a16:creationId xmlns:a16="http://schemas.microsoft.com/office/drawing/2014/main" id="{E75B4369-FDCF-4679-B655-8685367E3326}"/>
+              </a:ext>
+            </a:extLst>
+          </p:cNvPr>
+          <p:cNvSpPr/>
+          <p:nvPr/>
+        </p:nvSpPr>
+        <p:spPr>
+          <a:xfrm>
+            <a:off x="1066800" y="5852160"/>
+            <a:ext cx="10058400" cy="584775"/>
+          </a:xfrm>
+          <a:prstGeom prst="rect">
+            <a:avLst/>
+          </a:prstGeom>
+        </p:spPr>
+        <p:txBody>
+          <a:bodyPr wrap="square">
+            <a:spAutoFit/>
+          </a:bodyPr>
+          <a:lstStyle/>
+          <a:p>
+            <a:r>
+              <a:rPr lang="en-US" sz="1600" b="1"/>
+              <a:t>Source</a:t>
+            </a:r>
+          </a:p>
+          <a:p>
+            <a:r>
+              <a:rPr lang="en-US" sz="1600">
+                <a:hlinkClick r:id="rId2"/>
+              </a:rPr>
+              <a:t>https://getbootstrap.com/docs/4.5/utilities/sizing/</a:t>
+            </a:r>
+            <a:endParaRPr lang="en-US" sz="1600">
+              <a:solidFill>
+                <a:srgbClr val="00B0F0"/>
+              </a:solidFill>
+            </a:endParaRPr>
+          </a:p>
+        </p:txBody>
+      </p:sp>
+    </p:spTree>
+    <p:extLst>
+      <p:ext uri="{BB962C8B-B14F-4D97-AF65-F5344CB8AC3E}">
+        <p14:creationId xmlns:p14="http://schemas.microsoft.com/office/powerpoint/2010/main" val="2485611428"/>
+      </p:ext>
+    </p:extLst>
+  </p:cSld>
+  <p:clrMapOvr>
+    <a:masterClrMapping/>
+  </p:clrMapOvr>
+</p:sld>
+</file>
+
+<file path=ppt/slides/slide22.xml><?xml version="1.0" encoding="utf-8"?>
+<p:sld xmlns:a="http://schemas.openxmlformats.org/drawingml/2006/main" xmlns:r="http://schemas.openxmlformats.org/officeDocument/2006/relationships" xmlns:p="http://schemas.openxmlformats.org/presentationml/2006/main">
+  <p:cSld>
+    <p:spTree>
+      <p:nvGrpSpPr>
+        <p:cNvPr id="1" name=""/>
+        <p:cNvGrpSpPr/>
+        <p:nvPr/>
+      </p:nvGrpSpPr>
+      <p:grpSpPr>
+        <a:xfrm>
+          <a:off x="0" y="0"/>
+          <a:ext cx="0" cy="0"/>
+          <a:chOff x="0" y="0"/>
+          <a:chExt cx="0" cy="0"/>
+        </a:xfrm>
+      </p:grpSpPr>
+      <p:sp>
+        <p:nvSpPr>
+          <p:cNvPr id="4" name="Title 3">
+            <a:extLst>
+              <a:ext uri="{FF2B5EF4-FFF2-40B4-BE49-F238E27FC236}">
+                <a16:creationId xmlns:a16="http://schemas.microsoft.com/office/drawing/2014/main" id="{AD085469-4410-4040-903D-0C93E6168EC5}"/>
+              </a:ext>
+            </a:extLst>
+          </p:cNvPr>
+          <p:cNvSpPr>
+            <a:spLocks noGrp="1"/>
+          </p:cNvSpPr>
+          <p:nvPr>
+            <p:ph type="title"/>
+          </p:nvPr>
+        </p:nvSpPr>
+        <p:spPr/>
+        <p:txBody>
+          <a:bodyPr/>
+          <a:lstStyle/>
+          <a:p>
+            <a:r>
+              <a:rPr lang="en-US"/>
+              <a:t>Colors</a:t>
+            </a:r>
+          </a:p>
+        </p:txBody>
+      </p:sp>
+      <p:sp>
+        <p:nvSpPr>
+          <p:cNvPr id="3" name="Text Placeholder 2">
+            <a:extLst>
+              <a:ext uri="{FF2B5EF4-FFF2-40B4-BE49-F238E27FC236}">
+                <a16:creationId xmlns:a16="http://schemas.microsoft.com/office/drawing/2014/main" id="{716C5477-2D75-493A-B30B-19F43C9DA5C9}"/>
+              </a:ext>
+            </a:extLst>
+          </p:cNvPr>
+          <p:cNvSpPr>
+            <a:spLocks noGrp="1"/>
+          </p:cNvSpPr>
+          <p:nvPr>
+            <p:ph type="body" idx="1"/>
+          </p:nvPr>
+        </p:nvSpPr>
+        <p:spPr/>
+        <p:txBody>
+          <a:bodyPr/>
+          <a:lstStyle/>
+          <a:p>
+            <a:r>
+              <a:rPr lang="en-US"/>
+              <a:t>for a consistent look</a:t>
+            </a:r>
+          </a:p>
+        </p:txBody>
+      </p:sp>
+    </p:spTree>
+    <p:extLst>
+      <p:ext uri="{BB962C8B-B14F-4D97-AF65-F5344CB8AC3E}">
+        <p14:creationId xmlns:p14="http://schemas.microsoft.com/office/powerpoint/2010/main" val="363655945"/>
+      </p:ext>
+    </p:extLst>
+  </p:cSld>
+  <p:clrMapOvr>
+    <a:masterClrMapping/>
+  </p:clrMapOvr>
+</p:sld>
+</file>
+
+<file path=ppt/slides/slide23.xml><?xml version="1.0" encoding="utf-8"?>
 <p:sld xmlns:a="http://schemas.openxmlformats.org/drawingml/2006/main" xmlns:r="http://schemas.openxmlformats.org/officeDocument/2006/relationships" xmlns:p="http://schemas.openxmlformats.org/presentationml/2006/main">
   <p:cSld>
     <p:spTree>
@@ -11514,7 +12053,7 @@
 </p:sld>
 </file>
 
-<file path=ppt/slides/slide21.xml><?xml version="1.0" encoding="utf-8"?>
+<file path=ppt/slides/slide24.xml><?xml version="1.0" encoding="utf-8"?>
 <p:sld xmlns:a="http://schemas.openxmlformats.org/drawingml/2006/main" xmlns:r="http://schemas.openxmlformats.org/officeDocument/2006/relationships" xmlns:p="http://schemas.openxmlformats.org/presentationml/2006/main">
   <p:cSld>
     <p:spTree>
@@ -11716,7 +12255,7 @@
 </p:sld>
 </file>
 
-<file path=ppt/slides/slide22.xml><?xml version="1.0" encoding="utf-8"?>
+<file path=ppt/slides/slide25.xml><?xml version="1.0" encoding="utf-8"?>
 <p:sld xmlns:a="http://schemas.openxmlformats.org/drawingml/2006/main" xmlns:r="http://schemas.openxmlformats.org/officeDocument/2006/relationships" xmlns:p="http://schemas.openxmlformats.org/presentationml/2006/main">
   <p:cSld>
     <p:spTree>
@@ -11917,7 +12456,7 @@
 </p:sld>
 </file>
 
-<file path=ppt/slides/slide23.xml><?xml version="1.0" encoding="utf-8"?>
+<file path=ppt/slides/slide26.xml><?xml version="1.0" encoding="utf-8"?>
 <p:sld xmlns:a="http://schemas.openxmlformats.org/drawingml/2006/main" xmlns:r="http://schemas.openxmlformats.org/officeDocument/2006/relationships" xmlns:p="http://schemas.openxmlformats.org/presentationml/2006/main">
   <p:cSld>
     <p:spTree>
@@ -11936,10 +12475,10 @@
       </p:grpSpPr>
       <p:sp>
         <p:nvSpPr>
-          <p:cNvPr id="4" name="Title 3">
+          <p:cNvPr id="2" name="Title 1">
             <a:extLst>
               <a:ext uri="{FF2B5EF4-FFF2-40B4-BE49-F238E27FC236}">
-                <a16:creationId xmlns:a16="http://schemas.microsoft.com/office/drawing/2014/main" id="{D03AF81E-EDE7-4D9B-B3BD-9C697CE07C46}"/>
+                <a16:creationId xmlns:a16="http://schemas.microsoft.com/office/drawing/2014/main" id="{4F356D7C-B844-45DE-A160-457EF6A59C6F}"/>
               </a:ext>
             </a:extLst>
           </p:cNvPr>
@@ -11957,17 +12496,17 @@
           <a:p>
             <a:r>
               <a:rPr lang="en-US"/>
-              <a:t>Flexbox</a:t>
+              <a:t>Text</a:t>
             </a:r>
           </a:p>
         </p:txBody>
       </p:sp>
       <p:sp>
         <p:nvSpPr>
-          <p:cNvPr id="5" name="Text Placeholder 4">
+          <p:cNvPr id="3" name="Text Placeholder 2">
             <a:extLst>
               <a:ext uri="{FF2B5EF4-FFF2-40B4-BE49-F238E27FC236}">
-                <a16:creationId xmlns:a16="http://schemas.microsoft.com/office/drawing/2014/main" id="{C841678A-8B1A-4C33-845A-6572A9FECDE8}"/>
+                <a16:creationId xmlns:a16="http://schemas.microsoft.com/office/drawing/2014/main" id="{A4AE144D-F90E-40BC-8B3E-8E94F65CF9A7}"/>
               </a:ext>
             </a:extLst>
           </p:cNvPr>
@@ -11985,7 +12524,7 @@
           <a:p>
             <a:r>
               <a:rPr lang="en-US"/>
-              <a:t>Responsive Layouts with FlexBox</a:t>
+              <a:t>quick classes for styling text</a:t>
             </a:r>
           </a:p>
         </p:txBody>
@@ -11993,7 +12532,7 @@
     </p:spTree>
     <p:extLst>
       <p:ext uri="{BB962C8B-B14F-4D97-AF65-F5344CB8AC3E}">
-        <p14:creationId xmlns:p14="http://schemas.microsoft.com/office/powerpoint/2010/main" val="232514682"/>
+        <p14:creationId xmlns:p14="http://schemas.microsoft.com/office/powerpoint/2010/main" val="3338502859"/>
       </p:ext>
     </p:extLst>
   </p:cSld>
@@ -12003,7 +12542,7 @@
 </p:sld>
 </file>
 
-<file path=ppt/slides/slide24.xml><?xml version="1.0" encoding="utf-8"?>
+<file path=ppt/slides/slide27.xml><?xml version="1.0" encoding="utf-8"?>
 <p:sld xmlns:a="http://schemas.openxmlformats.org/drawingml/2006/main" xmlns:r="http://schemas.openxmlformats.org/officeDocument/2006/relationships" xmlns:p="http://schemas.openxmlformats.org/presentationml/2006/main">
   <p:cSld>
     <p:spTree>
@@ -12048,7 +12587,7 @@
           <a:p>
             <a:r>
               <a:rPr lang="en-US"/>
-              <a:t>Display Property</a:t>
+              <a:t>Text Alignment</a:t>
             </a:r>
           </a:p>
         </p:txBody>
@@ -12072,7 +12611,7 @@
         <p:spPr>
           <a:xfrm>
             <a:off x="1066800" y="1692059"/>
-            <a:ext cx="10058400" cy="3849624"/>
+            <a:ext cx="6110377" cy="3849624"/>
           </a:xfrm>
         </p:spPr>
         <p:txBody>
@@ -12084,85 +12623,93 @@
             <a:pPr marL="0" indent="0">
               <a:buNone/>
             </a:pPr>
-            <a:r>
-              <a:rPr lang="en-US" sz="1800" b="1"/>
-              <a:t>Use the following classes to change the </a:t>
-            </a:r>
-            <a:r>
-              <a:rPr lang="en-US" sz="1800" b="1">
+            <a:endParaRPr lang="en-US" sz="1800">
+              <a:latin typeface="Consolas" panose="020B0609020204030204" pitchFamily="49" charset="0"/>
+            </a:endParaRPr>
+          </a:p>
+          <a:p>
+            <a:pPr marL="274320" lvl="1" indent="0">
+              <a:buNone/>
+            </a:pPr>
+            <a:r>
+              <a:rPr lang="en-US" sz="1800">
+                <a:latin typeface="Consolas" panose="020B0609020204030204" pitchFamily="49" charset="0"/>
+              </a:rPr>
+              <a:t>.text-left { text-align: left; }</a:t>
+            </a:r>
+          </a:p>
+          <a:p>
+            <a:pPr marL="274320" lvl="1" indent="0">
+              <a:buNone/>
+            </a:pPr>
+            <a:r>
+              <a:rPr lang="en-US" sz="1800">
+                <a:latin typeface="Consolas" panose="020B0609020204030204" pitchFamily="49" charset="0"/>
+              </a:rPr>
+              <a:t>.text-center { text-align: center; }</a:t>
+            </a:r>
+          </a:p>
+          <a:p>
+            <a:pPr marL="274320" lvl="1" indent="0">
+              <a:buNone/>
+            </a:pPr>
+            <a:r>
+              <a:rPr lang="en-US" sz="1800">
+                <a:latin typeface="Consolas" panose="020B0609020204030204" pitchFamily="49" charset="0"/>
+              </a:rPr>
+              <a:t>.text-right { text-align: right; }</a:t>
+            </a:r>
+          </a:p>
+          <a:p>
+            <a:pPr marL="274320" lvl="1" indent="0">
+              <a:buNone/>
+            </a:pPr>
+            <a:endParaRPr lang="en-US" sz="1800">
+              <a:latin typeface="Consolas" panose="020B0609020204030204" pitchFamily="49" charset="0"/>
+            </a:endParaRPr>
+          </a:p>
+          <a:p>
+            <a:pPr marL="274320" lvl="1" indent="0">
+              <a:buNone/>
+            </a:pPr>
+            <a:r>
+              <a:rPr lang="en-US" sz="1800">
+                <a:latin typeface="Consolas" panose="020B0609020204030204" pitchFamily="49" charset="0"/>
+              </a:rPr>
+              <a:t>.text-</a:t>
+            </a:r>
+            <a:r>
+              <a:rPr lang="en-US" sz="1800">
                 <a:highlight>
                   <a:srgbClr val="FCF7F1"/>
                 </a:highlight>
-              </a:rPr>
-              <a:t>display</a:t>
-            </a:r>
-            <a:r>
-              <a:rPr lang="en-US" sz="1800" b="1"/>
-              <a:t> property.</a:t>
-            </a:r>
-          </a:p>
-          <a:p>
-            <a:pPr marL="0" indent="0">
+                <a:latin typeface="Consolas" panose="020B0609020204030204" pitchFamily="49" charset="0"/>
+              </a:rPr>
+              <a:t>{breakpoint}</a:t>
+            </a:r>
+            <a:r>
+              <a:rPr lang="en-US" sz="1800">
+                <a:latin typeface="Consolas" panose="020B0609020204030204" pitchFamily="49" charset="0"/>
+              </a:rPr>
+              <a:t>-</a:t>
+            </a:r>
+            <a:r>
+              <a:rPr lang="en-US" sz="1800">
+                <a:highlight>
+                  <a:srgbClr val="FCF7F1"/>
+                </a:highlight>
+                <a:latin typeface="Consolas" panose="020B0609020204030204" pitchFamily="49" charset="0"/>
+              </a:rPr>
+              <a:t>{align}</a:t>
+            </a:r>
+          </a:p>
+          <a:p>
+            <a:pPr marL="274320" lvl="1" indent="0">
               <a:buNone/>
             </a:pPr>
             <a:endParaRPr lang="en-US" sz="1800">
               <a:latin typeface="Consolas" panose="020B0609020204030204" pitchFamily="49" charset="0"/>
             </a:endParaRPr>
-          </a:p>
-          <a:p>
-            <a:pPr marL="274320" lvl="1" indent="0">
-              <a:buNone/>
-            </a:pPr>
-            <a:r>
-              <a:rPr lang="en-US" sz="1800">
-                <a:latin typeface="Consolas" panose="020B0609020204030204" pitchFamily="49" charset="0"/>
-              </a:rPr>
-              <a:t>.d-none { display: none; }</a:t>
-            </a:r>
-          </a:p>
-          <a:p>
-            <a:pPr marL="274320" lvl="1" indent="0">
-              <a:buNone/>
-            </a:pPr>
-            <a:r>
-              <a:rPr lang="en-US" sz="1800">
-                <a:latin typeface="Consolas" panose="020B0609020204030204" pitchFamily="49" charset="0"/>
-              </a:rPr>
-              <a:t>.d-inline { display: inline; }</a:t>
-            </a:r>
-          </a:p>
-          <a:p>
-            <a:pPr marL="274320" lvl="1" indent="0">
-              <a:buNone/>
-            </a:pPr>
-            <a:r>
-              <a:rPr lang="en-US" sz="1800">
-                <a:latin typeface="Consolas" panose="020B0609020204030204" pitchFamily="49" charset="0"/>
-              </a:rPr>
-              <a:t>.d-inline-block { display: inline-block; }</a:t>
-            </a:r>
-          </a:p>
-          <a:p>
-            <a:pPr marL="274320" lvl="1" indent="0">
-              <a:buNone/>
-            </a:pPr>
-            <a:r>
-              <a:rPr lang="en-US" sz="1800">
-                <a:latin typeface="Consolas" panose="020B0609020204030204" pitchFamily="49" charset="0"/>
-              </a:rPr>
-              <a:t>.d-block { display: block; }</a:t>
-            </a:r>
-          </a:p>
-          <a:p>
-            <a:pPr marL="274320" lvl="1" indent="0">
-              <a:buNone/>
-            </a:pPr>
-            <a:r>
-              <a:rPr lang="en-US" sz="1800">
-                <a:latin typeface="Consolas" panose="020B0609020204030204" pitchFamily="49" charset="0"/>
-              </a:rPr>
-              <a:t>.d-flex { display: flex; }</a:t>
-            </a:r>
           </a:p>
         </p:txBody>
       </p:sp>
@@ -12201,18 +12748,9 @@
           <a:p>
             <a:r>
               <a:rPr lang="en-US" sz="1600">
-                <a:solidFill>
-                  <a:srgbClr val="00B0F0"/>
-                </a:solidFill>
-                <a:hlinkClick r:id="rId2">
-                  <a:extLst>
-                    <a:ext uri="{A12FA001-AC4F-418D-AE19-62706E023703}">
-                      <ahyp:hlinkClr xmlns:ahyp="http://schemas.microsoft.com/office/drawing/2018/hyperlinkcolor" val="tx"/>
-                    </a:ext>
-                  </a:extLst>
-                </a:hlinkClick>
-              </a:rPr>
-              <a:t>https://getbootstrap.com/docs/4.5/utilities/display/</a:t>
+                <a:hlinkClick r:id="rId2"/>
+              </a:rPr>
+              <a:t>https://getbootstrap.com/docs/4.5/utilities/text/#text-alignment</a:t>
             </a:r>
             <a:endParaRPr lang="en-US" sz="1600">
               <a:solidFill>
@@ -12222,10 +12760,40 @@
           </a:p>
         </p:txBody>
       </p:sp>
+      <p:pic>
+        <p:nvPicPr>
+          <p:cNvPr id="5" name="Picture 4">
+            <a:extLst>
+              <a:ext uri="{FF2B5EF4-FFF2-40B4-BE49-F238E27FC236}">
+                <a16:creationId xmlns:a16="http://schemas.microsoft.com/office/drawing/2014/main" id="{9E149E15-F775-4D13-977F-38C9F045441D}"/>
+              </a:ext>
+            </a:extLst>
+          </p:cNvPr>
+          <p:cNvPicPr>
+            <a:picLocks noChangeAspect="1"/>
+          </p:cNvPicPr>
+          <p:nvPr/>
+        </p:nvPicPr>
+        <p:blipFill>
+          <a:blip r:embed="rId3"/>
+          <a:stretch>
+            <a:fillRect/>
+          </a:stretch>
+        </p:blipFill>
+        <p:spPr>
+          <a:xfrm>
+            <a:off x="7375585" y="2237384"/>
+            <a:ext cx="4097187" cy="3614776"/>
+          </a:xfrm>
+          <a:prstGeom prst="rect">
+            <a:avLst/>
+          </a:prstGeom>
+        </p:spPr>
+      </p:pic>
     </p:spTree>
     <p:extLst>
       <p:ext uri="{BB962C8B-B14F-4D97-AF65-F5344CB8AC3E}">
-        <p14:creationId xmlns:p14="http://schemas.microsoft.com/office/powerpoint/2010/main" val="2864691513"/>
+        <p14:creationId xmlns:p14="http://schemas.microsoft.com/office/powerpoint/2010/main" val="685648831"/>
       </p:ext>
     </p:extLst>
   </p:cSld>
@@ -12235,7 +12803,7 @@
 </p:sld>
 </file>
 
-<file path=ppt/slides/slide25.xml><?xml version="1.0" encoding="utf-8"?>
+<file path=ppt/slides/slide28.xml><?xml version="1.0" encoding="utf-8"?>
 <p:sld xmlns:a="http://schemas.openxmlformats.org/drawingml/2006/main" xmlns:r="http://schemas.openxmlformats.org/officeDocument/2006/relationships" xmlns:p="http://schemas.openxmlformats.org/presentationml/2006/main">
   <p:cSld>
     <p:spTree>
@@ -12280,15 +12848,997 @@
           <a:p>
             <a:r>
               <a:rPr lang="en-US"/>
-              <a:t>Display Property </a:t>
-            </a:r>
-            <a:r>
-              <a:rPr lang="en-US">
-                <a:highlight>
-                  <a:srgbClr val="FCF7F1"/>
-                </a:highlight>
-              </a:rPr>
-              <a:t>with Breakpoints</a:t>
+              <a:t>Text Transform</a:t>
+            </a:r>
+          </a:p>
+        </p:txBody>
+      </p:sp>
+      <p:sp>
+        <p:nvSpPr>
+          <p:cNvPr id="3" name="Content Placeholder 2">
+            <a:extLst>
+              <a:ext uri="{FF2B5EF4-FFF2-40B4-BE49-F238E27FC236}">
+                <a16:creationId xmlns:a16="http://schemas.microsoft.com/office/drawing/2014/main" id="{51E5F178-99E4-44C3-BB4A-01DAC6A79FA1}"/>
+              </a:ext>
+            </a:extLst>
+          </p:cNvPr>
+          <p:cNvSpPr>
+            <a:spLocks noGrp="1"/>
+          </p:cNvSpPr>
+          <p:nvPr>
+            <p:ph idx="1"/>
+          </p:nvPr>
+        </p:nvSpPr>
+        <p:spPr>
+          <a:xfrm>
+            <a:off x="1066800" y="1692059"/>
+            <a:ext cx="6895381" cy="3849624"/>
+          </a:xfrm>
+        </p:spPr>
+        <p:txBody>
+          <a:bodyPr>
+            <a:normAutofit/>
+          </a:bodyPr>
+          <a:lstStyle/>
+          <a:p>
+            <a:pPr marL="0" indent="0">
+              <a:buNone/>
+            </a:pPr>
+            <a:endParaRPr lang="en-US" sz="1800">
+              <a:latin typeface="Consolas" panose="020B0609020204030204" pitchFamily="49" charset="0"/>
+            </a:endParaRPr>
+          </a:p>
+          <a:p>
+            <a:pPr marL="274320" lvl="1" indent="0">
+              <a:buNone/>
+            </a:pPr>
+            <a:r>
+              <a:rPr lang="en-US" sz="1800">
+                <a:latin typeface="Consolas" panose="020B0609020204030204" pitchFamily="49" charset="0"/>
+              </a:rPr>
+              <a:t>.text-lowercase { text-transform: lowercase; }</a:t>
+            </a:r>
+          </a:p>
+          <a:p>
+            <a:pPr marL="274320" lvl="1" indent="0">
+              <a:buNone/>
+            </a:pPr>
+            <a:r>
+              <a:rPr lang="en-US" sz="1800">
+                <a:latin typeface="Consolas" panose="020B0609020204030204" pitchFamily="49" charset="0"/>
+              </a:rPr>
+              <a:t>.text-uppercase { text-transform: uppercase; }</a:t>
+            </a:r>
+          </a:p>
+          <a:p>
+            <a:pPr marL="274320" lvl="1" indent="0">
+              <a:buNone/>
+            </a:pPr>
+            <a:r>
+              <a:rPr lang="en-US" sz="1800">
+                <a:latin typeface="Consolas" panose="020B0609020204030204" pitchFamily="49" charset="0"/>
+              </a:rPr>
+              <a:t>.text-capitalize { text-transform: capitalize; }</a:t>
+            </a:r>
+          </a:p>
+          <a:p>
+            <a:pPr marL="274320" lvl="1" indent="0">
+              <a:buNone/>
+            </a:pPr>
+            <a:endParaRPr lang="en-US" sz="1800">
+              <a:latin typeface="Consolas" panose="020B0609020204030204" pitchFamily="49" charset="0"/>
+            </a:endParaRPr>
+          </a:p>
+        </p:txBody>
+      </p:sp>
+      <p:sp>
+        <p:nvSpPr>
+          <p:cNvPr id="4" name="Rectangle 3">
+            <a:extLst>
+              <a:ext uri="{FF2B5EF4-FFF2-40B4-BE49-F238E27FC236}">
+                <a16:creationId xmlns:a16="http://schemas.microsoft.com/office/drawing/2014/main" id="{E75B4369-FDCF-4679-B655-8685367E3326}"/>
+              </a:ext>
+            </a:extLst>
+          </p:cNvPr>
+          <p:cNvSpPr/>
+          <p:nvPr/>
+        </p:nvSpPr>
+        <p:spPr>
+          <a:xfrm>
+            <a:off x="1066800" y="5852160"/>
+            <a:ext cx="10058400" cy="584775"/>
+          </a:xfrm>
+          <a:prstGeom prst="rect">
+            <a:avLst/>
+          </a:prstGeom>
+        </p:spPr>
+        <p:txBody>
+          <a:bodyPr wrap="square">
+            <a:spAutoFit/>
+          </a:bodyPr>
+          <a:lstStyle/>
+          <a:p>
+            <a:r>
+              <a:rPr lang="en-US" sz="1600" b="1"/>
+              <a:t>Source</a:t>
+            </a:r>
+          </a:p>
+          <a:p>
+            <a:r>
+              <a:rPr lang="en-US" sz="1600">
+                <a:hlinkClick r:id="rId2"/>
+              </a:rPr>
+              <a:t>https://getbootstrap.com/docs/4.5/utilities/text/#text-transform</a:t>
+            </a:r>
+            <a:endParaRPr lang="en-US" sz="1600">
+              <a:solidFill>
+                <a:srgbClr val="00B0F0"/>
+              </a:solidFill>
+            </a:endParaRPr>
+          </a:p>
+        </p:txBody>
+      </p:sp>
+      <p:pic>
+        <p:nvPicPr>
+          <p:cNvPr id="7" name="Picture 6">
+            <a:extLst>
+              <a:ext uri="{FF2B5EF4-FFF2-40B4-BE49-F238E27FC236}">
+                <a16:creationId xmlns:a16="http://schemas.microsoft.com/office/drawing/2014/main" id="{677EB8E7-CC49-45FB-9090-8DAE6378EADC}"/>
+              </a:ext>
+            </a:extLst>
+          </p:cNvPr>
+          <p:cNvPicPr>
+            <a:picLocks noChangeAspect="1"/>
+          </p:cNvPicPr>
+          <p:nvPr/>
+        </p:nvPicPr>
+        <p:blipFill>
+          <a:blip r:embed="rId3"/>
+          <a:stretch>
+            <a:fillRect/>
+          </a:stretch>
+        </p:blipFill>
+        <p:spPr>
+          <a:xfrm>
+            <a:off x="7067940" y="3489879"/>
+            <a:ext cx="4378773" cy="2442264"/>
+          </a:xfrm>
+          <a:prstGeom prst="rect">
+            <a:avLst/>
+          </a:prstGeom>
+        </p:spPr>
+      </p:pic>
+    </p:spTree>
+    <p:extLst>
+      <p:ext uri="{BB962C8B-B14F-4D97-AF65-F5344CB8AC3E}">
+        <p14:creationId xmlns:p14="http://schemas.microsoft.com/office/powerpoint/2010/main" val="1451509211"/>
+      </p:ext>
+    </p:extLst>
+  </p:cSld>
+  <p:clrMapOvr>
+    <a:masterClrMapping/>
+  </p:clrMapOvr>
+</p:sld>
+</file>
+
+<file path=ppt/slides/slide29.xml><?xml version="1.0" encoding="utf-8"?>
+<p:sld xmlns:a="http://schemas.openxmlformats.org/drawingml/2006/main" xmlns:r="http://schemas.openxmlformats.org/officeDocument/2006/relationships" xmlns:p="http://schemas.openxmlformats.org/presentationml/2006/main">
+  <p:cSld>
+    <p:spTree>
+      <p:nvGrpSpPr>
+        <p:cNvPr id="1" name=""/>
+        <p:cNvGrpSpPr/>
+        <p:nvPr/>
+      </p:nvGrpSpPr>
+      <p:grpSpPr>
+        <a:xfrm>
+          <a:off x="0" y="0"/>
+          <a:ext cx="0" cy="0"/>
+          <a:chOff x="0" y="0"/>
+          <a:chExt cx="0" cy="0"/>
+        </a:xfrm>
+      </p:grpSpPr>
+      <p:sp>
+        <p:nvSpPr>
+          <p:cNvPr id="2" name="Title 1">
+            <a:extLst>
+              <a:ext uri="{FF2B5EF4-FFF2-40B4-BE49-F238E27FC236}">
+                <a16:creationId xmlns:a16="http://schemas.microsoft.com/office/drawing/2014/main" id="{408FE2A1-E146-4873-B428-191D3B09654D}"/>
+              </a:ext>
+            </a:extLst>
+          </p:cNvPr>
+          <p:cNvSpPr>
+            <a:spLocks noGrp="1"/>
+          </p:cNvSpPr>
+          <p:nvPr>
+            <p:ph type="title"/>
+          </p:nvPr>
+        </p:nvSpPr>
+        <p:spPr>
+          <a:xfrm>
+            <a:off x="1066800" y="499981"/>
+            <a:ext cx="10058400" cy="1371600"/>
+          </a:xfrm>
+        </p:spPr>
+        <p:txBody>
+          <a:bodyPr/>
+          <a:lstStyle/>
+          <a:p>
+            <a:r>
+              <a:rPr lang="en-US"/>
+              <a:t>Font Weight and Italics</a:t>
+            </a:r>
+          </a:p>
+        </p:txBody>
+      </p:sp>
+      <p:sp>
+        <p:nvSpPr>
+          <p:cNvPr id="3" name="Content Placeholder 2">
+            <a:extLst>
+              <a:ext uri="{FF2B5EF4-FFF2-40B4-BE49-F238E27FC236}">
+                <a16:creationId xmlns:a16="http://schemas.microsoft.com/office/drawing/2014/main" id="{51E5F178-99E4-44C3-BB4A-01DAC6A79FA1}"/>
+              </a:ext>
+            </a:extLst>
+          </p:cNvPr>
+          <p:cNvSpPr>
+            <a:spLocks noGrp="1"/>
+          </p:cNvSpPr>
+          <p:nvPr>
+            <p:ph idx="1"/>
+          </p:nvPr>
+        </p:nvSpPr>
+        <p:spPr>
+          <a:xfrm>
+            <a:off x="1066800" y="1692059"/>
+            <a:ext cx="6895381" cy="3108541"/>
+          </a:xfrm>
+        </p:spPr>
+        <p:txBody>
+          <a:bodyPr>
+            <a:normAutofit/>
+          </a:bodyPr>
+          <a:lstStyle/>
+          <a:p>
+            <a:pPr marL="0" indent="0">
+              <a:buNone/>
+            </a:pPr>
+            <a:endParaRPr lang="en-US" sz="1800">
+              <a:latin typeface="Consolas" panose="020B0609020204030204" pitchFamily="49" charset="0"/>
+            </a:endParaRPr>
+          </a:p>
+          <a:p>
+            <a:pPr marL="274320" lvl="1" indent="0">
+              <a:buNone/>
+            </a:pPr>
+            <a:r>
+              <a:rPr lang="en-US" sz="1800">
+                <a:latin typeface="Consolas" panose="020B0609020204030204" pitchFamily="49" charset="0"/>
+              </a:rPr>
+              <a:t>.font-weight-bold { font-weight: bold; }</a:t>
+            </a:r>
+          </a:p>
+          <a:p>
+            <a:pPr marL="274320" lvl="1" indent="0">
+              <a:buNone/>
+            </a:pPr>
+            <a:r>
+              <a:rPr lang="en-US" sz="1800">
+                <a:latin typeface="Consolas" panose="020B0609020204030204" pitchFamily="49" charset="0"/>
+              </a:rPr>
+              <a:t>.font-weight-bolder { font-weight: bolder; }</a:t>
+            </a:r>
+          </a:p>
+          <a:p>
+            <a:pPr marL="274320" lvl="1" indent="0">
+              <a:buNone/>
+            </a:pPr>
+            <a:r>
+              <a:rPr lang="en-US" sz="1800">
+                <a:latin typeface="Consolas" panose="020B0609020204030204" pitchFamily="49" charset="0"/>
+              </a:rPr>
+              <a:t>.font-weight-normal { font-weight: normal; }</a:t>
+            </a:r>
+          </a:p>
+          <a:p>
+            <a:pPr marL="274320" lvl="1" indent="0">
+              <a:buNone/>
+            </a:pPr>
+            <a:r>
+              <a:rPr lang="en-US" sz="1800">
+                <a:latin typeface="Consolas" panose="020B0609020204030204" pitchFamily="49" charset="0"/>
+              </a:rPr>
+              <a:t>.font-weight-light { font-weight: light; }</a:t>
+            </a:r>
+          </a:p>
+          <a:p>
+            <a:pPr marL="274320" lvl="1" indent="0">
+              <a:buNone/>
+            </a:pPr>
+            <a:r>
+              <a:rPr lang="en-US" sz="1800">
+                <a:latin typeface="Consolas" panose="020B0609020204030204" pitchFamily="49" charset="0"/>
+              </a:rPr>
+              <a:t>.font-weight-lighter { font-weight: lighter; }</a:t>
+            </a:r>
+          </a:p>
+          <a:p>
+            <a:pPr marL="274320" lvl="1" indent="0">
+              <a:buNone/>
+            </a:pPr>
+            <a:r>
+              <a:rPr lang="en-US" sz="1800">
+                <a:latin typeface="Consolas" panose="020B0609020204030204" pitchFamily="49" charset="0"/>
+              </a:rPr>
+              <a:t>.font-italic { font-style: italic; }</a:t>
+            </a:r>
+          </a:p>
+        </p:txBody>
+      </p:sp>
+      <p:sp>
+        <p:nvSpPr>
+          <p:cNvPr id="4" name="Rectangle 3">
+            <a:extLst>
+              <a:ext uri="{FF2B5EF4-FFF2-40B4-BE49-F238E27FC236}">
+                <a16:creationId xmlns:a16="http://schemas.microsoft.com/office/drawing/2014/main" id="{E75B4369-FDCF-4679-B655-8685367E3326}"/>
+              </a:ext>
+            </a:extLst>
+          </p:cNvPr>
+          <p:cNvSpPr/>
+          <p:nvPr/>
+        </p:nvSpPr>
+        <p:spPr>
+          <a:xfrm>
+            <a:off x="1066800" y="5852160"/>
+            <a:ext cx="10058400" cy="584775"/>
+          </a:xfrm>
+          <a:prstGeom prst="rect">
+            <a:avLst/>
+          </a:prstGeom>
+        </p:spPr>
+        <p:txBody>
+          <a:bodyPr wrap="square">
+            <a:spAutoFit/>
+          </a:bodyPr>
+          <a:lstStyle/>
+          <a:p>
+            <a:r>
+              <a:rPr lang="en-US" sz="1600" b="1"/>
+              <a:t>Source</a:t>
+            </a:r>
+          </a:p>
+          <a:p>
+            <a:r>
+              <a:rPr lang="en-US" sz="1600">
+                <a:hlinkClick r:id="rId2"/>
+              </a:rPr>
+              <a:t>https://getbootstrap.com/docs/4.5/utilities/text/#font-weight-and-italics</a:t>
+            </a:r>
+            <a:endParaRPr lang="en-US" sz="1600">
+              <a:solidFill>
+                <a:srgbClr val="00B0F0"/>
+              </a:solidFill>
+            </a:endParaRPr>
+          </a:p>
+        </p:txBody>
+      </p:sp>
+      <p:pic>
+        <p:nvPicPr>
+          <p:cNvPr id="6" name="Picture 5">
+            <a:extLst>
+              <a:ext uri="{FF2B5EF4-FFF2-40B4-BE49-F238E27FC236}">
+                <a16:creationId xmlns:a16="http://schemas.microsoft.com/office/drawing/2014/main" id="{6081DD2A-BF73-49C0-95E9-B5545E5E1EAA}"/>
+              </a:ext>
+            </a:extLst>
+          </p:cNvPr>
+          <p:cNvPicPr>
+            <a:picLocks noChangeAspect="1"/>
+          </p:cNvPicPr>
+          <p:nvPr/>
+        </p:nvPicPr>
+        <p:blipFill>
+          <a:blip r:embed="rId3"/>
+          <a:stretch>
+            <a:fillRect/>
+          </a:stretch>
+        </p:blipFill>
+        <p:spPr>
+          <a:xfrm>
+            <a:off x="7739416" y="2923141"/>
+            <a:ext cx="3855924" cy="2929019"/>
+          </a:xfrm>
+          <a:prstGeom prst="rect">
+            <a:avLst/>
+          </a:prstGeom>
+        </p:spPr>
+      </p:pic>
+    </p:spTree>
+    <p:extLst>
+      <p:ext uri="{BB962C8B-B14F-4D97-AF65-F5344CB8AC3E}">
+        <p14:creationId xmlns:p14="http://schemas.microsoft.com/office/powerpoint/2010/main" val="703882031"/>
+      </p:ext>
+    </p:extLst>
+  </p:cSld>
+  <p:clrMapOvr>
+    <a:masterClrMapping/>
+  </p:clrMapOvr>
+</p:sld>
+</file>
+
+<file path=ppt/slides/slide3.xml><?xml version="1.0" encoding="utf-8"?>
+<p:sld xmlns:a="http://schemas.openxmlformats.org/drawingml/2006/main" xmlns:r="http://schemas.openxmlformats.org/officeDocument/2006/relationships" xmlns:p="http://schemas.openxmlformats.org/presentationml/2006/main">
+  <p:cSld>
+    <p:spTree>
+      <p:nvGrpSpPr>
+        <p:cNvPr id="1" name=""/>
+        <p:cNvGrpSpPr/>
+        <p:nvPr/>
+      </p:nvGrpSpPr>
+      <p:grpSpPr>
+        <a:xfrm>
+          <a:off x="0" y="0"/>
+          <a:ext cx="0" cy="0"/>
+          <a:chOff x="0" y="0"/>
+          <a:chExt cx="0" cy="0"/>
+        </a:xfrm>
+      </p:grpSpPr>
+      <p:sp>
+        <p:nvSpPr>
+          <p:cNvPr id="2" name="Title 1">
+            <a:extLst>
+              <a:ext uri="{FF2B5EF4-FFF2-40B4-BE49-F238E27FC236}">
+                <a16:creationId xmlns:a16="http://schemas.microsoft.com/office/drawing/2014/main" id="{BDFAC13C-59B1-436E-B58F-C304E1C705CF}"/>
+              </a:ext>
+            </a:extLst>
+          </p:cNvPr>
+          <p:cNvSpPr>
+            <a:spLocks noGrp="1"/>
+          </p:cNvSpPr>
+          <p:nvPr>
+            <p:ph type="title"/>
+          </p:nvPr>
+        </p:nvSpPr>
+        <p:spPr>
+          <a:xfrm>
+            <a:off x="664234" y="733579"/>
+            <a:ext cx="5077520" cy="1371600"/>
+          </a:xfrm>
+        </p:spPr>
+        <p:txBody>
+          <a:bodyPr>
+            <a:normAutofit/>
+          </a:bodyPr>
+          <a:lstStyle/>
+          <a:p>
+            <a:r>
+              <a:rPr lang="en-US" u="sng"/>
+              <a:t>History of Bootstrap</a:t>
+            </a:r>
+          </a:p>
+        </p:txBody>
+      </p:sp>
+      <p:sp>
+        <p:nvSpPr>
+          <p:cNvPr id="3" name="Content Placeholder 2">
+            <a:extLst>
+              <a:ext uri="{FF2B5EF4-FFF2-40B4-BE49-F238E27FC236}">
+                <a16:creationId xmlns:a16="http://schemas.microsoft.com/office/drawing/2014/main" id="{844A3DC5-46BF-4BFF-8008-98FD467C4904}"/>
+              </a:ext>
+            </a:extLst>
+          </p:cNvPr>
+          <p:cNvSpPr>
+            <a:spLocks noGrp="1"/>
+          </p:cNvSpPr>
+          <p:nvPr>
+            <p:ph idx="1"/>
+          </p:nvPr>
+        </p:nvSpPr>
+        <p:spPr>
+          <a:xfrm>
+            <a:off x="1066800" y="2733472"/>
+            <a:ext cx="10058400" cy="1919267"/>
+          </a:xfrm>
+        </p:spPr>
+        <p:txBody>
+          <a:bodyPr>
+            <a:normAutofit/>
+          </a:bodyPr>
+          <a:lstStyle/>
+          <a:p>
+            <a:r>
+              <a:rPr lang="en-US" sz="1800"/>
+              <a:t>Bootstrap was created at </a:t>
+            </a:r>
+            <a:r>
+              <a:rPr lang="en-US" sz="1800" b="1"/>
+              <a:t>Twitter</a:t>
+            </a:r>
+            <a:r>
+              <a:rPr lang="en-US" sz="1800"/>
+              <a:t> in </a:t>
+            </a:r>
+            <a:r>
+              <a:rPr lang="en-US" sz="1800" b="1"/>
+              <a:t>2010</a:t>
+            </a:r>
+            <a:r>
+              <a:rPr lang="en-US" sz="1800"/>
+              <a:t> by </a:t>
+            </a:r>
+            <a:r>
+              <a:rPr lang="en-US" sz="1800" b="1">
+                <a:solidFill>
+                  <a:srgbClr val="00B0F0"/>
+                </a:solidFill>
+                <a:hlinkClick r:id="rId2">
+                  <a:extLst>
+                    <a:ext uri="{A12FA001-AC4F-418D-AE19-62706E023703}">
+                      <ahyp:hlinkClr xmlns:ahyp="http://schemas.microsoft.com/office/drawing/2018/hyperlinkcolor" val="tx"/>
+                    </a:ext>
+                  </a:extLst>
+                </a:hlinkClick>
+              </a:rPr>
+              <a:t>@mdo</a:t>
+            </a:r>
+            <a:r>
+              <a:rPr lang="en-US" sz="1800"/>
+              <a:t> (designer) and </a:t>
+            </a:r>
+            <a:r>
+              <a:rPr lang="en-US" sz="1800" b="1">
+                <a:solidFill>
+                  <a:srgbClr val="00B0F0"/>
+                </a:solidFill>
+                <a:hlinkClick r:id="rId3">
+                  <a:extLst>
+                    <a:ext uri="{A12FA001-AC4F-418D-AE19-62706E023703}">
+                      <ahyp:hlinkClr xmlns:ahyp="http://schemas.microsoft.com/office/drawing/2018/hyperlinkcolor" val="tx"/>
+                    </a:ext>
+                  </a:extLst>
+                </a:hlinkClick>
+              </a:rPr>
+              <a:t>@fat</a:t>
+            </a:r>
+            <a:r>
+              <a:rPr lang="en-US" sz="1800">
+                <a:solidFill>
+                  <a:schemeClr val="accent3"/>
+                </a:solidFill>
+              </a:rPr>
+              <a:t> </a:t>
+            </a:r>
+            <a:r>
+              <a:rPr lang="en-US" sz="1800"/>
+              <a:t>(developer).</a:t>
+            </a:r>
+          </a:p>
+          <a:p>
+            <a:r>
+              <a:rPr lang="en-US" sz="1800"/>
+              <a:t>Bootstrap has become one of the </a:t>
+            </a:r>
+            <a:r>
+              <a:rPr lang="en-US" sz="1800" b="1"/>
+              <a:t>most popular front-end frameworks </a:t>
+            </a:r>
+            <a:r>
+              <a:rPr lang="en-US" sz="1800"/>
+              <a:t>in the world.</a:t>
+            </a:r>
+          </a:p>
+          <a:p>
+            <a:r>
+              <a:rPr lang="en-US" sz="1800"/>
+              <a:t>Bootstrap has had over 20 releases, include major rewrites for </a:t>
+            </a:r>
+            <a:r>
+              <a:rPr lang="en-US" sz="1800" b="1"/>
+              <a:t>v2,</a:t>
+            </a:r>
+            <a:r>
+              <a:rPr lang="en-US" sz="1800"/>
+              <a:t> </a:t>
+            </a:r>
+            <a:r>
+              <a:rPr lang="en-US" sz="1800" b="1"/>
+              <a:t>v3,</a:t>
+            </a:r>
+            <a:r>
+              <a:rPr lang="en-US" sz="1800"/>
+              <a:t> and </a:t>
+            </a:r>
+            <a:r>
+              <a:rPr lang="en-US" sz="1800" b="1"/>
+              <a:t>v4.</a:t>
+            </a:r>
+          </a:p>
+          <a:p>
+            <a:r>
+              <a:rPr lang="en-US" sz="1800"/>
+              <a:t>Bootstrap has made it much easier to build </a:t>
+            </a:r>
+            <a:r>
+              <a:rPr lang="en-US" sz="1800" b="1"/>
+              <a:t>responsive</a:t>
+            </a:r>
+            <a:r>
+              <a:rPr lang="en-US" sz="1800"/>
+              <a:t> websites.</a:t>
+            </a:r>
+          </a:p>
+        </p:txBody>
+      </p:sp>
+      <p:sp>
+        <p:nvSpPr>
+          <p:cNvPr id="4" name="Rectangle 3">
+            <a:extLst>
+              <a:ext uri="{FF2B5EF4-FFF2-40B4-BE49-F238E27FC236}">
+                <a16:creationId xmlns:a16="http://schemas.microsoft.com/office/drawing/2014/main" id="{0C71533A-4A29-47E2-A4D4-85E44356516A}"/>
+              </a:ext>
+            </a:extLst>
+          </p:cNvPr>
+          <p:cNvSpPr/>
+          <p:nvPr/>
+        </p:nvSpPr>
+        <p:spPr>
+          <a:xfrm>
+            <a:off x="1066800" y="5818971"/>
+            <a:ext cx="10058400" cy="584775"/>
+          </a:xfrm>
+          <a:prstGeom prst="rect">
+            <a:avLst/>
+          </a:prstGeom>
+        </p:spPr>
+        <p:txBody>
+          <a:bodyPr wrap="square">
+            <a:spAutoFit/>
+          </a:bodyPr>
+          <a:lstStyle/>
+          <a:p>
+            <a:r>
+              <a:rPr lang="en-US" sz="1600" b="1"/>
+              <a:t>Source</a:t>
+            </a:r>
+          </a:p>
+          <a:p>
+            <a:r>
+              <a:rPr lang="en-US" sz="1600">
+                <a:solidFill>
+                  <a:srgbClr val="00B0F0"/>
+                </a:solidFill>
+                <a:hlinkClick r:id="rId4">
+                  <a:extLst>
+                    <a:ext uri="{A12FA001-AC4F-418D-AE19-62706E023703}">
+                      <ahyp:hlinkClr xmlns:ahyp="http://schemas.microsoft.com/office/drawing/2018/hyperlinkcolor" val="tx"/>
+                    </a:ext>
+                  </a:extLst>
+                </a:hlinkClick>
+              </a:rPr>
+              <a:t>https://getbootstrap.com/docs/4.5/about/overview</a:t>
+            </a:r>
+            <a:r>
+              <a:rPr lang="en-US" sz="1600">
+                <a:solidFill>
+                  <a:srgbClr val="00B0F0"/>
+                </a:solidFill>
+                <a:hlinkClick r:id="rId4">
+                  <a:extLst>
+                    <a:ext uri="{A12FA001-AC4F-418D-AE19-62706E023703}">
+                      <ahyp:hlinkClr xmlns:ahyp="http://schemas.microsoft.com/office/drawing/2018/hyperlinkcolor" val="tx"/>
+                    </a:ext>
+                  </a:extLst>
+                </a:hlinkClick>
+              </a:rPr>
+              <a:t>/#history</a:t>
+            </a:r>
+            <a:endParaRPr lang="en-US" sz="1600">
+              <a:solidFill>
+                <a:srgbClr val="00B0F0"/>
+              </a:solidFill>
+            </a:endParaRPr>
+          </a:p>
+        </p:txBody>
+      </p:sp>
+      <p:pic>
+        <p:nvPicPr>
+          <p:cNvPr id="6" name="Picture 5" descr="A person looking at the camera&#10;&#10;Description automatically generated">
+            <a:extLst>
+              <a:ext uri="{FF2B5EF4-FFF2-40B4-BE49-F238E27FC236}">
+                <a16:creationId xmlns:a16="http://schemas.microsoft.com/office/drawing/2014/main" id="{AE46038C-B695-4142-8D22-9E2882BBFE04}"/>
+              </a:ext>
+            </a:extLst>
+          </p:cNvPr>
+          <p:cNvPicPr>
+            <a:picLocks noChangeAspect="1"/>
+          </p:cNvPicPr>
+          <p:nvPr/>
+        </p:nvPicPr>
+        <p:blipFill>
+          <a:blip r:embed="rId5"/>
+          <a:stretch>
+            <a:fillRect/>
+          </a:stretch>
+        </p:blipFill>
+        <p:spPr>
+          <a:xfrm>
+            <a:off x="7837989" y="4652740"/>
+            <a:ext cx="1371601" cy="1371601"/>
+          </a:xfrm>
+          <a:prstGeom prst="ellipse">
+            <a:avLst/>
+          </a:prstGeom>
+          <a:ln w="63500" cap="rnd">
+            <a:solidFill>
+              <a:srgbClr val="333333"/>
+            </a:solidFill>
+          </a:ln>
+          <a:effectLst/>
+          <a:scene3d>
+            <a:camera prst="orthographicFront"/>
+            <a:lightRig rig="contrasting" dir="t">
+              <a:rot lat="0" lon="0" rev="3000000"/>
+            </a:lightRig>
+          </a:scene3d>
+          <a:sp3d contourW="7620">
+            <a:bevelT w="95250" h="31750"/>
+            <a:contourClr>
+              <a:srgbClr val="333333"/>
+            </a:contourClr>
+          </a:sp3d>
+        </p:spPr>
+      </p:pic>
+      <p:pic>
+        <p:nvPicPr>
+          <p:cNvPr id="8" name="Picture 7" descr="A picture containing person, man, indoor, holding&#10;&#10;Description automatically generated">
+            <a:extLst>
+              <a:ext uri="{FF2B5EF4-FFF2-40B4-BE49-F238E27FC236}">
+                <a16:creationId xmlns:a16="http://schemas.microsoft.com/office/drawing/2014/main" id="{277906E1-D9AC-4E84-A053-57E8A5B00001}"/>
+              </a:ext>
+            </a:extLst>
+          </p:cNvPr>
+          <p:cNvPicPr>
+            <a:picLocks noChangeAspect="1"/>
+          </p:cNvPicPr>
+          <p:nvPr/>
+        </p:nvPicPr>
+        <p:blipFill>
+          <a:blip r:embed="rId6"/>
+          <a:stretch>
+            <a:fillRect/>
+          </a:stretch>
+        </p:blipFill>
+        <p:spPr>
+          <a:xfrm>
+            <a:off x="9481594" y="4652739"/>
+            <a:ext cx="1371602" cy="1371602"/>
+          </a:xfrm>
+          <a:prstGeom prst="ellipse">
+            <a:avLst/>
+          </a:prstGeom>
+          <a:ln w="63500" cap="rnd">
+            <a:solidFill>
+              <a:srgbClr val="333333"/>
+            </a:solidFill>
+          </a:ln>
+          <a:effectLst/>
+          <a:scene3d>
+            <a:camera prst="orthographicFront"/>
+            <a:lightRig rig="contrasting" dir="t">
+              <a:rot lat="0" lon="0" rev="3000000"/>
+            </a:lightRig>
+          </a:scene3d>
+          <a:sp3d contourW="7620">
+            <a:bevelT w="95250" h="31750"/>
+            <a:contourClr>
+              <a:srgbClr val="333333"/>
+            </a:contourClr>
+          </a:sp3d>
+        </p:spPr>
+      </p:pic>
+      <p:pic>
+        <p:nvPicPr>
+          <p:cNvPr id="16" name="Picture 15" descr="A picture containing tree&#10;&#10;Description automatically generated">
+            <a:extLst>
+              <a:ext uri="{FF2B5EF4-FFF2-40B4-BE49-F238E27FC236}">
+                <a16:creationId xmlns:a16="http://schemas.microsoft.com/office/drawing/2014/main" id="{5C5D6381-79C3-4E3C-B4BA-0E50C1B4CECA}"/>
+              </a:ext>
+            </a:extLst>
+          </p:cNvPr>
+          <p:cNvPicPr>
+            <a:picLocks noChangeAspect="1"/>
+          </p:cNvPicPr>
+          <p:nvPr/>
+        </p:nvPicPr>
+        <p:blipFill>
+          <a:blip r:embed="rId7"/>
+          <a:stretch>
+            <a:fillRect/>
+          </a:stretch>
+        </p:blipFill>
+        <p:spPr>
+          <a:xfrm>
+            <a:off x="7278552" y="749144"/>
+            <a:ext cx="1670181" cy="1670181"/>
+          </a:xfrm>
+          <a:prstGeom prst="rect">
+            <a:avLst/>
+          </a:prstGeom>
+        </p:spPr>
+      </p:pic>
+      <p:pic>
+        <p:nvPicPr>
+          <p:cNvPr id="22" name="Picture 21" descr="A close up of a sign&#10;&#10;Description automatically generated">
+            <a:extLst>
+              <a:ext uri="{FF2B5EF4-FFF2-40B4-BE49-F238E27FC236}">
+                <a16:creationId xmlns:a16="http://schemas.microsoft.com/office/drawing/2014/main" id="{9A71BED0-55EE-404E-9615-D1747441A6BA}"/>
+              </a:ext>
+            </a:extLst>
+          </p:cNvPr>
+          <p:cNvPicPr>
+            <a:picLocks noChangeAspect="1"/>
+          </p:cNvPicPr>
+          <p:nvPr/>
+        </p:nvPicPr>
+        <p:blipFill>
+          <a:blip r:embed="rId8"/>
+          <a:stretch>
+            <a:fillRect/>
+          </a:stretch>
+        </p:blipFill>
+        <p:spPr>
+          <a:xfrm>
+            <a:off x="9060877" y="479523"/>
+            <a:ext cx="2213035" cy="2213035"/>
+          </a:xfrm>
+          <a:prstGeom prst="rect">
+            <a:avLst/>
+          </a:prstGeom>
+        </p:spPr>
+      </p:pic>
+    </p:spTree>
+    <p:extLst>
+      <p:ext uri="{BB962C8B-B14F-4D97-AF65-F5344CB8AC3E}">
+        <p14:creationId xmlns:p14="http://schemas.microsoft.com/office/powerpoint/2010/main" val="3773845170"/>
+      </p:ext>
+    </p:extLst>
+  </p:cSld>
+  <p:clrMapOvr>
+    <a:masterClrMapping/>
+  </p:clrMapOvr>
+</p:sld>
+</file>
+
+<file path=ppt/slides/slide30.xml><?xml version="1.0" encoding="utf-8"?>
+<p:sld xmlns:a="http://schemas.openxmlformats.org/drawingml/2006/main" xmlns:r="http://schemas.openxmlformats.org/officeDocument/2006/relationships" xmlns:p="http://schemas.openxmlformats.org/presentationml/2006/main">
+  <p:cSld>
+    <p:spTree>
+      <p:nvGrpSpPr>
+        <p:cNvPr id="1" name=""/>
+        <p:cNvGrpSpPr/>
+        <p:nvPr/>
+      </p:nvGrpSpPr>
+      <p:grpSpPr>
+        <a:xfrm>
+          <a:off x="0" y="0"/>
+          <a:ext cx="0" cy="0"/>
+          <a:chOff x="0" y="0"/>
+          <a:chExt cx="0" cy="0"/>
+        </a:xfrm>
+      </p:grpSpPr>
+      <p:sp>
+        <p:nvSpPr>
+          <p:cNvPr id="4" name="Title 3">
+            <a:extLst>
+              <a:ext uri="{FF2B5EF4-FFF2-40B4-BE49-F238E27FC236}">
+                <a16:creationId xmlns:a16="http://schemas.microsoft.com/office/drawing/2014/main" id="{D03AF81E-EDE7-4D9B-B3BD-9C697CE07C46}"/>
+              </a:ext>
+            </a:extLst>
+          </p:cNvPr>
+          <p:cNvSpPr>
+            <a:spLocks noGrp="1"/>
+          </p:cNvSpPr>
+          <p:nvPr>
+            <p:ph type="title"/>
+          </p:nvPr>
+        </p:nvSpPr>
+        <p:spPr/>
+        <p:txBody>
+          <a:bodyPr/>
+          <a:lstStyle/>
+          <a:p>
+            <a:r>
+              <a:rPr lang="en-US"/>
+              <a:t>Flexbox</a:t>
+            </a:r>
+          </a:p>
+        </p:txBody>
+      </p:sp>
+      <p:sp>
+        <p:nvSpPr>
+          <p:cNvPr id="5" name="Text Placeholder 4">
+            <a:extLst>
+              <a:ext uri="{FF2B5EF4-FFF2-40B4-BE49-F238E27FC236}">
+                <a16:creationId xmlns:a16="http://schemas.microsoft.com/office/drawing/2014/main" id="{C841678A-8B1A-4C33-845A-6572A9FECDE8}"/>
+              </a:ext>
+            </a:extLst>
+          </p:cNvPr>
+          <p:cNvSpPr>
+            <a:spLocks noGrp="1"/>
+          </p:cNvSpPr>
+          <p:nvPr>
+            <p:ph type="body" idx="1"/>
+          </p:nvPr>
+        </p:nvSpPr>
+        <p:spPr/>
+        <p:txBody>
+          <a:bodyPr/>
+          <a:lstStyle/>
+          <a:p>
+            <a:r>
+              <a:rPr lang="en-US"/>
+              <a:t>Responsive Layouts with FlexBox</a:t>
+            </a:r>
+          </a:p>
+        </p:txBody>
+      </p:sp>
+    </p:spTree>
+    <p:extLst>
+      <p:ext uri="{BB962C8B-B14F-4D97-AF65-F5344CB8AC3E}">
+        <p14:creationId xmlns:p14="http://schemas.microsoft.com/office/powerpoint/2010/main" val="232514682"/>
+      </p:ext>
+    </p:extLst>
+  </p:cSld>
+  <p:clrMapOvr>
+    <a:masterClrMapping/>
+  </p:clrMapOvr>
+</p:sld>
+</file>
+
+<file path=ppt/slides/slide31.xml><?xml version="1.0" encoding="utf-8"?>
+<p:sld xmlns:a="http://schemas.openxmlformats.org/drawingml/2006/main" xmlns:r="http://schemas.openxmlformats.org/officeDocument/2006/relationships" xmlns:p="http://schemas.openxmlformats.org/presentationml/2006/main">
+  <p:cSld>
+    <p:spTree>
+      <p:nvGrpSpPr>
+        <p:cNvPr id="1" name=""/>
+        <p:cNvGrpSpPr/>
+        <p:nvPr/>
+      </p:nvGrpSpPr>
+      <p:grpSpPr>
+        <a:xfrm>
+          <a:off x="0" y="0"/>
+          <a:ext cx="0" cy="0"/>
+          <a:chOff x="0" y="0"/>
+          <a:chExt cx="0" cy="0"/>
+        </a:xfrm>
+      </p:grpSpPr>
+      <p:sp>
+        <p:nvSpPr>
+          <p:cNvPr id="2" name="Title 1">
+            <a:extLst>
+              <a:ext uri="{FF2B5EF4-FFF2-40B4-BE49-F238E27FC236}">
+                <a16:creationId xmlns:a16="http://schemas.microsoft.com/office/drawing/2014/main" id="{408FE2A1-E146-4873-B428-191D3B09654D}"/>
+              </a:ext>
+            </a:extLst>
+          </p:cNvPr>
+          <p:cNvSpPr>
+            <a:spLocks noGrp="1"/>
+          </p:cNvSpPr>
+          <p:nvPr>
+            <p:ph type="title"/>
+          </p:nvPr>
+        </p:nvSpPr>
+        <p:spPr>
+          <a:xfrm>
+            <a:off x="1066800" y="499981"/>
+            <a:ext cx="10058400" cy="1371600"/>
+          </a:xfrm>
+        </p:spPr>
+        <p:txBody>
+          <a:bodyPr/>
+          <a:lstStyle/>
+          <a:p>
+            <a:r>
+              <a:rPr lang="en-US"/>
+              <a:t>Display Property</a:t>
             </a:r>
           </a:p>
         </p:txBody>
@@ -12322,6 +13872,246 @@
           <a:lstStyle/>
           <a:p>
             <a:pPr marL="0" indent="0">
+              <a:buNone/>
+            </a:pPr>
+            <a:r>
+              <a:rPr lang="en-US" sz="1800" b="1"/>
+              <a:t>Use the following classes to change the </a:t>
+            </a:r>
+            <a:r>
+              <a:rPr lang="en-US" sz="1800" b="1">
+                <a:highlight>
+                  <a:srgbClr val="FCF7F1"/>
+                </a:highlight>
+              </a:rPr>
+              <a:t>display</a:t>
+            </a:r>
+            <a:r>
+              <a:rPr lang="en-US" sz="1800" b="1"/>
+              <a:t> property.</a:t>
+            </a:r>
+          </a:p>
+          <a:p>
+            <a:pPr marL="0" indent="0">
+              <a:buNone/>
+            </a:pPr>
+            <a:endParaRPr lang="en-US" sz="1800">
+              <a:latin typeface="Consolas" panose="020B0609020204030204" pitchFamily="49" charset="0"/>
+            </a:endParaRPr>
+          </a:p>
+          <a:p>
+            <a:pPr marL="274320" lvl="1" indent="0">
+              <a:buNone/>
+            </a:pPr>
+            <a:r>
+              <a:rPr lang="en-US" sz="1800">
+                <a:latin typeface="Consolas" panose="020B0609020204030204" pitchFamily="49" charset="0"/>
+              </a:rPr>
+              <a:t>.d-none { display: none; }</a:t>
+            </a:r>
+          </a:p>
+          <a:p>
+            <a:pPr marL="274320" lvl="1" indent="0">
+              <a:buNone/>
+            </a:pPr>
+            <a:r>
+              <a:rPr lang="en-US" sz="1800">
+                <a:latin typeface="Consolas" panose="020B0609020204030204" pitchFamily="49" charset="0"/>
+              </a:rPr>
+              <a:t>.d-inline { display: inline; }</a:t>
+            </a:r>
+          </a:p>
+          <a:p>
+            <a:pPr marL="274320" lvl="1" indent="0">
+              <a:buNone/>
+            </a:pPr>
+            <a:r>
+              <a:rPr lang="en-US" sz="1800">
+                <a:latin typeface="Consolas" panose="020B0609020204030204" pitchFamily="49" charset="0"/>
+              </a:rPr>
+              <a:t>.d-inline-block { display: inline-block; }</a:t>
+            </a:r>
+          </a:p>
+          <a:p>
+            <a:pPr marL="274320" lvl="1" indent="0">
+              <a:buNone/>
+            </a:pPr>
+            <a:r>
+              <a:rPr lang="en-US" sz="1800">
+                <a:latin typeface="Consolas" panose="020B0609020204030204" pitchFamily="49" charset="0"/>
+              </a:rPr>
+              <a:t>.d-block { display: block; }</a:t>
+            </a:r>
+          </a:p>
+          <a:p>
+            <a:pPr marL="274320" lvl="1" indent="0">
+              <a:buNone/>
+            </a:pPr>
+            <a:r>
+              <a:rPr lang="en-US" sz="1800">
+                <a:latin typeface="Consolas" panose="020B0609020204030204" pitchFamily="49" charset="0"/>
+              </a:rPr>
+              <a:t>.d-flex { display: flex; }</a:t>
+            </a:r>
+          </a:p>
+        </p:txBody>
+      </p:sp>
+      <p:sp>
+        <p:nvSpPr>
+          <p:cNvPr id="4" name="Rectangle 3">
+            <a:extLst>
+              <a:ext uri="{FF2B5EF4-FFF2-40B4-BE49-F238E27FC236}">
+                <a16:creationId xmlns:a16="http://schemas.microsoft.com/office/drawing/2014/main" id="{E75B4369-FDCF-4679-B655-8685367E3326}"/>
+              </a:ext>
+            </a:extLst>
+          </p:cNvPr>
+          <p:cNvSpPr/>
+          <p:nvPr/>
+        </p:nvSpPr>
+        <p:spPr>
+          <a:xfrm>
+            <a:off x="1066800" y="5852160"/>
+            <a:ext cx="10058400" cy="584775"/>
+          </a:xfrm>
+          <a:prstGeom prst="rect">
+            <a:avLst/>
+          </a:prstGeom>
+        </p:spPr>
+        <p:txBody>
+          <a:bodyPr wrap="square">
+            <a:spAutoFit/>
+          </a:bodyPr>
+          <a:lstStyle/>
+          <a:p>
+            <a:r>
+              <a:rPr lang="en-US" sz="1600" b="1"/>
+              <a:t>Source</a:t>
+            </a:r>
+          </a:p>
+          <a:p>
+            <a:r>
+              <a:rPr lang="en-US" sz="1600">
+                <a:solidFill>
+                  <a:srgbClr val="00B0F0"/>
+                </a:solidFill>
+                <a:hlinkClick r:id="rId2">
+                  <a:extLst>
+                    <a:ext uri="{A12FA001-AC4F-418D-AE19-62706E023703}">
+                      <ahyp:hlinkClr xmlns:ahyp="http://schemas.microsoft.com/office/drawing/2018/hyperlinkcolor" val="tx"/>
+                    </a:ext>
+                  </a:extLst>
+                </a:hlinkClick>
+              </a:rPr>
+              <a:t>https://getbootstrap.com/docs/4.5/utilities/display/</a:t>
+            </a:r>
+            <a:endParaRPr lang="en-US" sz="1600">
+              <a:solidFill>
+                <a:srgbClr val="00B0F0"/>
+              </a:solidFill>
+            </a:endParaRPr>
+          </a:p>
+        </p:txBody>
+      </p:sp>
+    </p:spTree>
+    <p:extLst>
+      <p:ext uri="{BB962C8B-B14F-4D97-AF65-F5344CB8AC3E}">
+        <p14:creationId xmlns:p14="http://schemas.microsoft.com/office/powerpoint/2010/main" val="2864691513"/>
+      </p:ext>
+    </p:extLst>
+  </p:cSld>
+  <p:clrMapOvr>
+    <a:masterClrMapping/>
+  </p:clrMapOvr>
+</p:sld>
+</file>
+
+<file path=ppt/slides/slide32.xml><?xml version="1.0" encoding="utf-8"?>
+<p:sld xmlns:a="http://schemas.openxmlformats.org/drawingml/2006/main" xmlns:r="http://schemas.openxmlformats.org/officeDocument/2006/relationships" xmlns:p="http://schemas.openxmlformats.org/presentationml/2006/main">
+  <p:cSld>
+    <p:spTree>
+      <p:nvGrpSpPr>
+        <p:cNvPr id="1" name=""/>
+        <p:cNvGrpSpPr/>
+        <p:nvPr/>
+      </p:nvGrpSpPr>
+      <p:grpSpPr>
+        <a:xfrm>
+          <a:off x="0" y="0"/>
+          <a:ext cx="0" cy="0"/>
+          <a:chOff x="0" y="0"/>
+          <a:chExt cx="0" cy="0"/>
+        </a:xfrm>
+      </p:grpSpPr>
+      <p:sp>
+        <p:nvSpPr>
+          <p:cNvPr id="2" name="Title 1">
+            <a:extLst>
+              <a:ext uri="{FF2B5EF4-FFF2-40B4-BE49-F238E27FC236}">
+                <a16:creationId xmlns:a16="http://schemas.microsoft.com/office/drawing/2014/main" id="{408FE2A1-E146-4873-B428-191D3B09654D}"/>
+              </a:ext>
+            </a:extLst>
+          </p:cNvPr>
+          <p:cNvSpPr>
+            <a:spLocks noGrp="1"/>
+          </p:cNvSpPr>
+          <p:nvPr>
+            <p:ph type="title"/>
+          </p:nvPr>
+        </p:nvSpPr>
+        <p:spPr>
+          <a:xfrm>
+            <a:off x="1066800" y="499981"/>
+            <a:ext cx="10058400" cy="1371600"/>
+          </a:xfrm>
+        </p:spPr>
+        <p:txBody>
+          <a:bodyPr/>
+          <a:lstStyle/>
+          <a:p>
+            <a:r>
+              <a:rPr lang="en-US"/>
+              <a:t>Display Property </a:t>
+            </a:r>
+            <a:r>
+              <a:rPr lang="en-US">
+                <a:highlight>
+                  <a:srgbClr val="FCF7F1"/>
+                </a:highlight>
+              </a:rPr>
+              <a:t>with Breakpoints</a:t>
+            </a:r>
+          </a:p>
+        </p:txBody>
+      </p:sp>
+      <p:sp>
+        <p:nvSpPr>
+          <p:cNvPr id="3" name="Content Placeholder 2">
+            <a:extLst>
+              <a:ext uri="{FF2B5EF4-FFF2-40B4-BE49-F238E27FC236}">
+                <a16:creationId xmlns:a16="http://schemas.microsoft.com/office/drawing/2014/main" id="{51E5F178-99E4-44C3-BB4A-01DAC6A79FA1}"/>
+              </a:ext>
+            </a:extLst>
+          </p:cNvPr>
+          <p:cNvSpPr>
+            <a:spLocks noGrp="1"/>
+          </p:cNvSpPr>
+          <p:nvPr>
+            <p:ph idx="1"/>
+          </p:nvPr>
+        </p:nvSpPr>
+        <p:spPr>
+          <a:xfrm>
+            <a:off x="1066800" y="1692059"/>
+            <a:ext cx="10058400" cy="3849624"/>
+          </a:xfrm>
+        </p:spPr>
+        <p:txBody>
+          <a:bodyPr>
+            <a:normAutofit/>
+          </a:bodyPr>
+          <a:lstStyle/>
+          <a:p>
+            <a:pPr marL="0" indent="0">
               <a:lnSpc>
                 <a:spcPct val="100000"/>
               </a:lnSpc>
@@ -12345,6 +14135,59 @@
             <a:r>
               <a:rPr lang="en-US" sz="1600" b="1"/>
               <a:t> to change how the display property depending on the width of the viewport.</a:t>
+            </a:r>
+          </a:p>
+          <a:p>
+            <a:pPr marL="0" indent="0">
+              <a:lnSpc>
+                <a:spcPct val="100000"/>
+              </a:lnSpc>
+              <a:spcBef>
+                <a:spcPts val="0"/>
+              </a:spcBef>
+              <a:buNone/>
+            </a:pPr>
+            <a:endParaRPr lang="en-US" sz="1600"/>
+          </a:p>
+          <a:p>
+            <a:pPr marL="0" indent="0">
+              <a:lnSpc>
+                <a:spcPct val="100000"/>
+              </a:lnSpc>
+              <a:spcBef>
+                <a:spcPts val="0"/>
+              </a:spcBef>
+              <a:buNone/>
+            </a:pPr>
+            <a:r>
+              <a:rPr lang="en-US" sz="1600">
+                <a:latin typeface="Consolas" panose="020B0609020204030204" pitchFamily="49" charset="0"/>
+              </a:rPr>
+              <a:t>d-</a:t>
+            </a:r>
+            <a:r>
+              <a:rPr lang="en-US" sz="1600">
+                <a:highlight>
+                  <a:srgbClr val="FCF7F1"/>
+                </a:highlight>
+                <a:latin typeface="Consolas" panose="020B0609020204030204" pitchFamily="49" charset="0"/>
+              </a:rPr>
+              <a:t>{breakpoint}</a:t>
+            </a:r>
+            <a:r>
+              <a:rPr lang="en-US" sz="1600">
+                <a:latin typeface="Consolas" panose="020B0609020204030204" pitchFamily="49" charset="0"/>
+              </a:rPr>
+              <a:t>-</a:t>
+            </a:r>
+            <a:r>
+              <a:rPr lang="en-US" sz="1600">
+                <a:highlight>
+                  <a:srgbClr val="FCF7F1"/>
+                </a:highlight>
+                <a:latin typeface="Consolas" panose="020B0609020204030204" pitchFamily="49" charset="0"/>
+              </a:rPr>
+              <a:t>{display}</a:t>
             </a:r>
           </a:p>
           <a:p>
@@ -12943,7 +14786,7 @@
 </p:sld>
 </file>
 
-<file path=ppt/slides/slide26.xml><?xml version="1.0" encoding="utf-8"?>
+<file path=ppt/slides/slide33.xml><?xml version="1.0" encoding="utf-8"?>
 <p:sld xmlns:a="http://schemas.openxmlformats.org/drawingml/2006/main" xmlns:r="http://schemas.openxmlformats.org/officeDocument/2006/relationships" xmlns:p="http://schemas.openxmlformats.org/presentationml/2006/main">
   <p:cSld>
     <p:spTree>
@@ -13012,7 +14855,7 @@
         <p:spPr>
           <a:xfrm>
             <a:off x="1066800" y="1692059"/>
-            <a:ext cx="10058400" cy="3849624"/>
+            <a:ext cx="7637253" cy="3849624"/>
           </a:xfrm>
         </p:spPr>
         <p:txBody>
@@ -13079,6 +14922,330 @@
             <a:endParaRPr lang="en-US" sz="1800">
               <a:latin typeface="Consolas" panose="020B0609020204030204" pitchFamily="49" charset="0"/>
             </a:endParaRPr>
+          </a:p>
+          <a:p>
+            <a:pPr marL="274320" lvl="1" indent="0">
+              <a:buNone/>
+            </a:pPr>
+            <a:endParaRPr lang="en-US" sz="1800">
+              <a:latin typeface="Consolas" panose="020B0609020204030204" pitchFamily="49" charset="0"/>
+            </a:endParaRPr>
+          </a:p>
+        </p:txBody>
+      </p:sp>
+      <p:sp>
+        <p:nvSpPr>
+          <p:cNvPr id="4" name="Rectangle 3">
+            <a:extLst>
+              <a:ext uri="{FF2B5EF4-FFF2-40B4-BE49-F238E27FC236}">
+                <a16:creationId xmlns:a16="http://schemas.microsoft.com/office/drawing/2014/main" id="{E75B4369-FDCF-4679-B655-8685367E3326}"/>
+              </a:ext>
+            </a:extLst>
+          </p:cNvPr>
+          <p:cNvSpPr/>
+          <p:nvPr/>
+        </p:nvSpPr>
+        <p:spPr>
+          <a:xfrm>
+            <a:off x="1066800" y="5610225"/>
+            <a:ext cx="10058400" cy="861774"/>
+          </a:xfrm>
+          <a:prstGeom prst="rect">
+            <a:avLst/>
+          </a:prstGeom>
+        </p:spPr>
+        <p:txBody>
+          <a:bodyPr wrap="square">
+            <a:spAutoFit/>
+          </a:bodyPr>
+          <a:lstStyle/>
+          <a:p>
+            <a:r>
+              <a:rPr lang="en-US" sz="1600" b="1"/>
+              <a:t>Sources</a:t>
+            </a:r>
+          </a:p>
+          <a:p>
+            <a:r>
+              <a:rPr lang="en-US" sz="1600">
+                <a:hlinkClick r:id="rId2"/>
+              </a:rPr>
+              <a:t>https://getbootstrap.com/docs/4.5/utilities/flex/#direction</a:t>
+            </a:r>
+            <a:endParaRPr lang="en-US" sz="1600">
+              <a:solidFill>
+                <a:srgbClr val="00B0F0"/>
+              </a:solidFill>
+            </a:endParaRPr>
+          </a:p>
+          <a:p>
+            <a:r>
+              <a:rPr lang="en-US" sz="1600">
+                <a:hlinkClick r:id="rId3"/>
+              </a:rPr>
+              <a:t>https://css-tricks.com/snippets/css/a-guide-to-flexbox/</a:t>
+            </a:r>
+            <a:endParaRPr lang="en-US" sz="1600">
+              <a:solidFill>
+                <a:srgbClr val="00B0F0"/>
+              </a:solidFill>
+            </a:endParaRPr>
+          </a:p>
+        </p:txBody>
+      </p:sp>
+      <p:pic>
+        <p:nvPicPr>
+          <p:cNvPr id="7" name="Picture 6">
+            <a:extLst>
+              <a:ext uri="{FF2B5EF4-FFF2-40B4-BE49-F238E27FC236}">
+                <a16:creationId xmlns:a16="http://schemas.microsoft.com/office/drawing/2014/main" id="{73EB3C0A-DD02-467E-BEBD-F306DD6D5448}"/>
+              </a:ext>
+            </a:extLst>
+          </p:cNvPr>
+          <p:cNvPicPr>
+            <a:picLocks noChangeAspect="1"/>
+          </p:cNvPicPr>
+          <p:nvPr/>
+        </p:nvPicPr>
+        <p:blipFill>
+          <a:blip r:embed="rId4"/>
+          <a:stretch>
+            <a:fillRect/>
+          </a:stretch>
+        </p:blipFill>
+        <p:spPr>
+          <a:xfrm>
+            <a:off x="7931090" y="3429000"/>
+            <a:ext cx="3524250" cy="2181225"/>
+          </a:xfrm>
+          <a:prstGeom prst="rect">
+            <a:avLst/>
+          </a:prstGeom>
+        </p:spPr>
+      </p:pic>
+    </p:spTree>
+    <p:extLst>
+      <p:ext uri="{BB962C8B-B14F-4D97-AF65-F5344CB8AC3E}">
+        <p14:creationId xmlns:p14="http://schemas.microsoft.com/office/powerpoint/2010/main" val="1016427075"/>
+      </p:ext>
+    </p:extLst>
+  </p:cSld>
+  <p:clrMapOvr>
+    <a:masterClrMapping/>
+  </p:clrMapOvr>
+</p:sld>
+</file>
+
+<file path=ppt/slides/slide34.xml><?xml version="1.0" encoding="utf-8"?>
+<p:sld xmlns:a="http://schemas.openxmlformats.org/drawingml/2006/main" xmlns:r="http://schemas.openxmlformats.org/officeDocument/2006/relationships" xmlns:p="http://schemas.openxmlformats.org/presentationml/2006/main">
+  <p:cSld>
+    <p:spTree>
+      <p:nvGrpSpPr>
+        <p:cNvPr id="1" name=""/>
+        <p:cNvGrpSpPr/>
+        <p:nvPr/>
+      </p:nvGrpSpPr>
+      <p:grpSpPr>
+        <a:xfrm>
+          <a:off x="0" y="0"/>
+          <a:ext cx="0" cy="0"/>
+          <a:chOff x="0" y="0"/>
+          <a:chExt cx="0" cy="0"/>
+        </a:xfrm>
+      </p:grpSpPr>
+      <p:sp>
+        <p:nvSpPr>
+          <p:cNvPr id="2" name="Title 1">
+            <a:extLst>
+              <a:ext uri="{FF2B5EF4-FFF2-40B4-BE49-F238E27FC236}">
+                <a16:creationId xmlns:a16="http://schemas.microsoft.com/office/drawing/2014/main" id="{408FE2A1-E146-4873-B428-191D3B09654D}"/>
+              </a:ext>
+            </a:extLst>
+          </p:cNvPr>
+          <p:cNvSpPr>
+            <a:spLocks noGrp="1"/>
+          </p:cNvSpPr>
+          <p:nvPr>
+            <p:ph type="title"/>
+          </p:nvPr>
+        </p:nvSpPr>
+        <p:spPr>
+          <a:xfrm>
+            <a:off x="1066800" y="499981"/>
+            <a:ext cx="10058400" cy="1371600"/>
+          </a:xfrm>
+        </p:spPr>
+        <p:txBody>
+          <a:bodyPr/>
+          <a:lstStyle/>
+          <a:p>
+            <a:r>
+              <a:rPr lang="en-US"/>
+              <a:t>FlexBox: Direction </a:t>
+            </a:r>
+            <a:r>
+              <a:rPr lang="en-US">
+                <a:highlight>
+                  <a:srgbClr val="FCF7F1"/>
+                </a:highlight>
+              </a:rPr>
+              <a:t>with Breakpoints</a:t>
+            </a:r>
+          </a:p>
+        </p:txBody>
+      </p:sp>
+      <p:sp>
+        <p:nvSpPr>
+          <p:cNvPr id="3" name="Content Placeholder 2">
+            <a:extLst>
+              <a:ext uri="{FF2B5EF4-FFF2-40B4-BE49-F238E27FC236}">
+                <a16:creationId xmlns:a16="http://schemas.microsoft.com/office/drawing/2014/main" id="{51E5F178-99E4-44C3-BB4A-01DAC6A79FA1}"/>
+              </a:ext>
+            </a:extLst>
+          </p:cNvPr>
+          <p:cNvSpPr>
+            <a:spLocks noGrp="1"/>
+          </p:cNvSpPr>
+          <p:nvPr>
+            <p:ph idx="1"/>
+          </p:nvPr>
+        </p:nvSpPr>
+        <p:spPr>
+          <a:xfrm>
+            <a:off x="1066800" y="1692059"/>
+            <a:ext cx="7343955" cy="3849624"/>
+          </a:xfrm>
+        </p:spPr>
+        <p:txBody>
+          <a:bodyPr>
+            <a:normAutofit/>
+          </a:bodyPr>
+          <a:lstStyle/>
+          <a:p>
+            <a:pPr marL="0" indent="0">
+              <a:lnSpc>
+                <a:spcPct val="100000"/>
+              </a:lnSpc>
+              <a:spcBef>
+                <a:spcPts val="0"/>
+              </a:spcBef>
+              <a:buNone/>
+            </a:pPr>
+            <a:r>
+              <a:rPr lang="en-US" sz="1600">
+                <a:latin typeface="Consolas" panose="020B0609020204030204" pitchFamily="49" charset="0"/>
+              </a:rPr>
+              <a:t>flex-</a:t>
+            </a:r>
+            <a:r>
+              <a:rPr lang="en-US" sz="1600">
+                <a:highlight>
+                  <a:srgbClr val="FCF7F1"/>
+                </a:highlight>
+                <a:latin typeface="Consolas" panose="020B0609020204030204" pitchFamily="49" charset="0"/>
+              </a:rPr>
+              <a:t>{breakpoint}</a:t>
+            </a:r>
+            <a:r>
+              <a:rPr lang="en-US" sz="1600">
+                <a:latin typeface="Consolas" panose="020B0609020204030204" pitchFamily="49" charset="0"/>
+              </a:rPr>
+              <a:t>-</a:t>
+            </a:r>
+            <a:r>
+              <a:rPr lang="en-US" sz="1600">
+                <a:highlight>
+                  <a:srgbClr val="FCF7F1"/>
+                </a:highlight>
+                <a:latin typeface="Consolas" panose="020B0609020204030204" pitchFamily="49" charset="0"/>
+              </a:rPr>
+              <a:t>{direction}</a:t>
+            </a:r>
+          </a:p>
+          <a:p>
+            <a:pPr marL="0" indent="0">
+              <a:lnSpc>
+                <a:spcPct val="100000"/>
+              </a:lnSpc>
+              <a:spcBef>
+                <a:spcPts val="0"/>
+              </a:spcBef>
+              <a:buNone/>
+            </a:pPr>
+            <a:endParaRPr lang="en-US" sz="1600" b="1"/>
+          </a:p>
+          <a:p>
+            <a:pPr marL="0" indent="0">
+              <a:lnSpc>
+                <a:spcPct val="100000"/>
+              </a:lnSpc>
+              <a:spcBef>
+                <a:spcPts val="0"/>
+              </a:spcBef>
+              <a:buNone/>
+            </a:pPr>
+            <a:r>
+              <a:rPr lang="en-US" sz="1600" b="1"/>
+              <a:t>Example</a:t>
+            </a:r>
+          </a:p>
+          <a:p>
+            <a:pPr marL="0" indent="0">
+              <a:lnSpc>
+                <a:spcPct val="100000"/>
+              </a:lnSpc>
+              <a:spcBef>
+                <a:spcPts val="0"/>
+              </a:spcBef>
+              <a:buNone/>
+            </a:pPr>
+            <a:r>
+              <a:rPr lang="en-US" sz="1600">
+                <a:latin typeface="Consolas" panose="020B0609020204030204" pitchFamily="49" charset="0"/>
+              </a:rPr>
+              <a:t>class="d-flex flex-column flex-lg-row"</a:t>
+            </a:r>
+          </a:p>
+          <a:p>
+            <a:pPr marL="274320" lvl="2" indent="0">
+              <a:spcBef>
+                <a:spcPts val="0"/>
+              </a:spcBef>
+              <a:buNone/>
+            </a:pPr>
+            <a:r>
+              <a:rPr lang="en-US" sz="1600" b="1"/>
+              <a:t>Vertical FlexBox    </a:t>
+            </a:r>
+            <a:r>
+              <a:rPr lang="en-US" sz="1600"/>
+              <a:t>on Extra Small, Small, and Medium screens.</a:t>
+            </a:r>
+          </a:p>
+          <a:p>
+            <a:pPr marL="274320" lvl="2" indent="0">
+              <a:spcBef>
+                <a:spcPts val="0"/>
+              </a:spcBef>
+              <a:buNone/>
+            </a:pPr>
+            <a:r>
+              <a:rPr lang="en-US" sz="1600" b="1"/>
+              <a:t>Horizontal FlexBox </a:t>
+            </a:r>
+            <a:r>
+              <a:rPr lang="en-US" sz="1600"/>
+              <a:t>on Large and Extra Large screens.</a:t>
+            </a:r>
+          </a:p>
+          <a:p>
+            <a:pPr marL="0" lvl="1" indent="0">
+              <a:spcBef>
+                <a:spcPts val="0"/>
+              </a:spcBef>
+              <a:buNone/>
+            </a:pPr>
+            <a:endParaRPr lang="en-US" sz="1700"/>
           </a:p>
         </p:txBody>
       </p:sp>
@@ -13117,18 +15284,9 @@
           <a:p>
             <a:r>
               <a:rPr lang="en-US" sz="1600">
-                <a:solidFill>
-                  <a:srgbClr val="00B0F0"/>
-                </a:solidFill>
-                <a:hlinkClick r:id="rId2">
-                  <a:extLst>
-                    <a:ext uri="{A12FA001-AC4F-418D-AE19-62706E023703}">
-                      <ahyp:hlinkClr xmlns:ahyp="http://schemas.microsoft.com/office/drawing/2018/hyperlinkcolor" val="tx"/>
-                    </a:ext>
-                  </a:extLst>
-                </a:hlinkClick>
-              </a:rPr>
-              <a:t>https://getbootstrap.com/docs/4.5/utilities/flex/</a:t>
+                <a:hlinkClick r:id="rId2"/>
+              </a:rPr>
+              <a:t>https://getbootstrap.com/docs/4.5/utilities/flex/#direction</a:t>
             </a:r>
             <a:endParaRPr lang="en-US" sz="1600">
               <a:solidFill>
@@ -13138,12 +15296,385 @@
           </a:p>
         </p:txBody>
       </p:sp>
+      <p:graphicFrame>
+        <p:nvGraphicFramePr>
+          <p:cNvPr id="5" name="Table 6">
+            <a:extLst>
+              <a:ext uri="{FF2B5EF4-FFF2-40B4-BE49-F238E27FC236}">
+                <a16:creationId xmlns:a16="http://schemas.microsoft.com/office/drawing/2014/main" id="{58B261FD-B681-40C2-877D-8A44637DDBF4}"/>
+              </a:ext>
+            </a:extLst>
+          </p:cNvPr>
+          <p:cNvGraphicFramePr>
+            <a:graphicFrameLocks/>
+          </p:cNvGraphicFramePr>
+          <p:nvPr>
+            <p:extLst>
+              <p:ext uri="{D42A27DB-BD31-4B8C-83A1-F6EECF244321}">
+                <p14:modId xmlns:p14="http://schemas.microsoft.com/office/powerpoint/2010/main" val="1860404110"/>
+              </p:ext>
+            </p:extLst>
+          </p:nvPr>
+        </p:nvGraphicFramePr>
+        <p:xfrm>
+          <a:off x="7717871" y="3660082"/>
+          <a:ext cx="3952611" cy="2372360"/>
+        </p:xfrm>
+        <a:graphic>
+          <a:graphicData uri="http://schemas.openxmlformats.org/drawingml/2006/table">
+            <a:tbl>
+              <a:tblPr firstRow="1" bandRow="1">
+                <a:tableStyleId>{F5AB1C69-6EDB-4FF4-983F-18BD219EF322}</a:tableStyleId>
+              </a:tblPr>
+              <a:tblGrid>
+                <a:gridCol w="1317537">
+                  <a:extLst>
+                    <a:ext uri="{9D8B030D-6E8A-4147-A177-3AD203B41FA5}">
+                      <a16:colId xmlns:a16="http://schemas.microsoft.com/office/drawing/2014/main" val="4230224526"/>
+                    </a:ext>
+                  </a:extLst>
+                </a:gridCol>
+                <a:gridCol w="1317537">
+                  <a:extLst>
+                    <a:ext uri="{9D8B030D-6E8A-4147-A177-3AD203B41FA5}">
+                      <a16:colId xmlns:a16="http://schemas.microsoft.com/office/drawing/2014/main" val="377875065"/>
+                    </a:ext>
+                  </a:extLst>
+                </a:gridCol>
+                <a:gridCol w="1317537">
+                  <a:extLst>
+                    <a:ext uri="{9D8B030D-6E8A-4147-A177-3AD203B41FA5}">
+                      <a16:colId xmlns:a16="http://schemas.microsoft.com/office/drawing/2014/main" val="1767203969"/>
+                    </a:ext>
+                  </a:extLst>
+                </a:gridCol>
+              </a:tblGrid>
+              <a:tr h="0">
+                <a:tc>
+                  <a:txBody>
+                    <a:bodyPr/>
+                    <a:lstStyle/>
+                    <a:p>
+                      <a:r>
+                        <a:rPr lang="en-US" sz="1400"/>
+                        <a:t>Name</a:t>
+                      </a:r>
+                    </a:p>
+                  </a:txBody>
+                  <a:tcPr/>
+                </a:tc>
+                <a:tc>
+                  <a:txBody>
+                    <a:bodyPr/>
+                    <a:lstStyle/>
+                    <a:p>
+                      <a:r>
+                        <a:rPr lang="en-US" sz="1400"/>
+                        <a:t>Abbreviation</a:t>
+                      </a:r>
+                    </a:p>
+                  </a:txBody>
+                  <a:tcPr/>
+                </a:tc>
+                <a:tc>
+                  <a:txBody>
+                    <a:bodyPr/>
+                    <a:lstStyle/>
+                    <a:p>
+                      <a:r>
+                        <a:rPr lang="en-US" sz="1400"/>
+                        <a:t>Viewport Width</a:t>
+                      </a:r>
+                    </a:p>
+                  </a:txBody>
+                  <a:tcPr/>
+                </a:tc>
+                <a:extLst>
+                  <a:ext uri="{0D108BD9-81ED-4DB2-BD59-A6C34878D82A}">
+                    <a16:rowId xmlns:a16="http://schemas.microsoft.com/office/drawing/2014/main" val="2910087028"/>
+                  </a:ext>
+                </a:extLst>
+              </a:tr>
+              <a:tr h="370840">
+                <a:tc>
+                  <a:txBody>
+                    <a:bodyPr/>
+                    <a:lstStyle/>
+                    <a:p>
+                      <a:r>
+                        <a:rPr lang="en-US" sz="1400"/>
+                        <a:t>Extra Small</a:t>
+                      </a:r>
+                    </a:p>
+                  </a:txBody>
+                  <a:tcPr/>
+                </a:tc>
+                <a:tc>
+                  <a:txBody>
+                    <a:bodyPr/>
+                    <a:lstStyle/>
+                    <a:p>
+                      <a:r>
+                        <a:rPr lang="en-US" sz="1400">
+                          <a:latin typeface="Consolas" panose="020B0609020204030204" pitchFamily="49" charset="0"/>
+                        </a:rPr>
+                        <a:t>xs</a:t>
+                      </a:r>
+                    </a:p>
+                  </a:txBody>
+                  <a:tcPr/>
+                </a:tc>
+                <a:tc>
+                  <a:txBody>
+                    <a:bodyPr/>
+                    <a:lstStyle/>
+                    <a:p>
+                      <a:r>
+                        <a:rPr lang="en-US" sz="1400" b="0" kern="1200">
+                          <a:solidFill>
+                            <a:schemeClr val="dk1"/>
+                          </a:solidFill>
+                          <a:effectLst/>
+                        </a:rPr>
+                        <a:t> ≥ 0px</a:t>
+                      </a:r>
+                      <a:endParaRPr lang="en-US" sz="1400"/>
+                    </a:p>
+                  </a:txBody>
+                  <a:tcPr/>
+                </a:tc>
+                <a:extLst>
+                  <a:ext uri="{0D108BD9-81ED-4DB2-BD59-A6C34878D82A}">
+                    <a16:rowId xmlns:a16="http://schemas.microsoft.com/office/drawing/2014/main" val="3938394200"/>
+                  </a:ext>
+                </a:extLst>
+              </a:tr>
+              <a:tr h="370840">
+                <a:tc>
+                  <a:txBody>
+                    <a:bodyPr/>
+                    <a:lstStyle/>
+                    <a:p>
+                      <a:r>
+                        <a:rPr lang="en-US" sz="1400"/>
+                        <a:t>Small</a:t>
+                      </a:r>
+                    </a:p>
+                  </a:txBody>
+                  <a:tcPr/>
+                </a:tc>
+                <a:tc>
+                  <a:txBody>
+                    <a:bodyPr/>
+                    <a:lstStyle/>
+                    <a:p>
+                      <a:r>
+                        <a:rPr lang="en-US" sz="1400">
+                          <a:latin typeface="Consolas" panose="020B0609020204030204" pitchFamily="49" charset="0"/>
+                        </a:rPr>
+                        <a:t>sm</a:t>
+                      </a:r>
+                    </a:p>
+                  </a:txBody>
+                  <a:tcPr/>
+                </a:tc>
+                <a:tc>
+                  <a:txBody>
+                    <a:bodyPr/>
+                    <a:lstStyle/>
+                    <a:p>
+                      <a:r>
+                        <a:rPr lang="en-US" sz="1400" b="0" kern="1200">
+                          <a:solidFill>
+                            <a:schemeClr val="dk1"/>
+                          </a:solidFill>
+                          <a:effectLst/>
+                        </a:rPr>
+                        <a:t> ≥ 576px</a:t>
+                      </a:r>
+                      <a:endParaRPr lang="en-US" sz="1400"/>
+                    </a:p>
+                  </a:txBody>
+                  <a:tcPr/>
+                </a:tc>
+                <a:extLst>
+                  <a:ext uri="{0D108BD9-81ED-4DB2-BD59-A6C34878D82A}">
+                    <a16:rowId xmlns:a16="http://schemas.microsoft.com/office/drawing/2014/main" val="2816042806"/>
+                  </a:ext>
+                </a:extLst>
+              </a:tr>
+              <a:tr h="370840">
+                <a:tc>
+                  <a:txBody>
+                    <a:bodyPr/>
+                    <a:lstStyle/>
+                    <a:p>
+                      <a:r>
+                        <a:rPr lang="en-US" sz="1400"/>
+                        <a:t>Medium</a:t>
+                      </a:r>
+                    </a:p>
+                  </a:txBody>
+                  <a:tcPr/>
+                </a:tc>
+                <a:tc>
+                  <a:txBody>
+                    <a:bodyPr/>
+                    <a:lstStyle/>
+                    <a:p>
+                      <a:r>
+                        <a:rPr lang="en-US" sz="1400">
+                          <a:latin typeface="Consolas" panose="020B0609020204030204" pitchFamily="49" charset="0"/>
+                        </a:rPr>
+                        <a:t>md</a:t>
+                      </a:r>
+                    </a:p>
+                  </a:txBody>
+                  <a:tcPr/>
+                </a:tc>
+                <a:tc>
+                  <a:txBody>
+                    <a:bodyPr/>
+                    <a:lstStyle/>
+                    <a:p>
+                      <a:r>
+                        <a:rPr lang="en-US" sz="1400" b="0" kern="1200">
+                          <a:solidFill>
+                            <a:schemeClr val="dk1"/>
+                          </a:solidFill>
+                          <a:effectLst/>
+                        </a:rPr>
+                        <a:t> ≥ 768px</a:t>
+                      </a:r>
+                      <a:endParaRPr lang="en-US" sz="1400"/>
+                    </a:p>
+                  </a:txBody>
+                  <a:tcPr/>
+                </a:tc>
+                <a:extLst>
+                  <a:ext uri="{0D108BD9-81ED-4DB2-BD59-A6C34878D82A}">
+                    <a16:rowId xmlns:a16="http://schemas.microsoft.com/office/drawing/2014/main" val="2534085868"/>
+                  </a:ext>
+                </a:extLst>
+              </a:tr>
+              <a:tr h="370840">
+                <a:tc>
+                  <a:txBody>
+                    <a:bodyPr/>
+                    <a:lstStyle/>
+                    <a:p>
+                      <a:r>
+                        <a:rPr lang="en-US" sz="1400"/>
+                        <a:t>Large</a:t>
+                      </a:r>
+                    </a:p>
+                  </a:txBody>
+                  <a:tcPr/>
+                </a:tc>
+                <a:tc>
+                  <a:txBody>
+                    <a:bodyPr/>
+                    <a:lstStyle/>
+                    <a:p>
+                      <a:r>
+                        <a:rPr lang="en-US" sz="1400">
+                          <a:latin typeface="Consolas" panose="020B0609020204030204" pitchFamily="49" charset="0"/>
+                        </a:rPr>
+                        <a:t>lg</a:t>
+                      </a:r>
+                    </a:p>
+                  </a:txBody>
+                  <a:tcPr/>
+                </a:tc>
+                <a:tc>
+                  <a:txBody>
+                    <a:bodyPr/>
+                    <a:lstStyle/>
+                    <a:p>
+                      <a:r>
+                        <a:rPr lang="en-US" sz="1400" b="0" kern="1200">
+                          <a:solidFill>
+                            <a:schemeClr val="dk1"/>
+                          </a:solidFill>
+                          <a:effectLst/>
+                        </a:rPr>
+                        <a:t> ≥ 992px</a:t>
+                      </a:r>
+                      <a:endParaRPr lang="en-US" sz="1400"/>
+                    </a:p>
+                  </a:txBody>
+                  <a:tcPr/>
+                </a:tc>
+                <a:extLst>
+                  <a:ext uri="{0D108BD9-81ED-4DB2-BD59-A6C34878D82A}">
+                    <a16:rowId xmlns:a16="http://schemas.microsoft.com/office/drawing/2014/main" val="2670288360"/>
+                  </a:ext>
+                </a:extLst>
+              </a:tr>
+              <a:tr h="370840">
+                <a:tc>
+                  <a:txBody>
+                    <a:bodyPr/>
+                    <a:lstStyle/>
+                    <a:p>
+                      <a:r>
+                        <a:rPr lang="en-US" sz="1400"/>
+                        <a:t>Extra Large</a:t>
+                      </a:r>
+                    </a:p>
+                  </a:txBody>
+                  <a:tcPr/>
+                </a:tc>
+                <a:tc>
+                  <a:txBody>
+                    <a:bodyPr/>
+                    <a:lstStyle/>
+                    <a:p>
+                      <a:r>
+                        <a:rPr lang="en-US" sz="1400">
+                          <a:latin typeface="Consolas" panose="020B0609020204030204" pitchFamily="49" charset="0"/>
+                        </a:rPr>
+                        <a:t>xl</a:t>
+                      </a:r>
+                    </a:p>
+                  </a:txBody>
+                  <a:tcPr/>
+                </a:tc>
+                <a:tc>
+                  <a:txBody>
+                    <a:bodyPr/>
+                    <a:lstStyle/>
+                    <a:p>
+                      <a:r>
+                        <a:rPr lang="en-US" sz="1400" b="0" kern="1200">
+                          <a:solidFill>
+                            <a:schemeClr val="dk1"/>
+                          </a:solidFill>
+                          <a:effectLst/>
+                        </a:rPr>
+                        <a:t> ≥ 1200px</a:t>
+                      </a:r>
+                      <a:endParaRPr lang="en-US" sz="1400"/>
+                    </a:p>
+                  </a:txBody>
+                  <a:tcPr/>
+                </a:tc>
+                <a:extLst>
+                  <a:ext uri="{0D108BD9-81ED-4DB2-BD59-A6C34878D82A}">
+                    <a16:rowId xmlns:a16="http://schemas.microsoft.com/office/drawing/2014/main" val="2598749859"/>
+                  </a:ext>
+                </a:extLst>
+              </a:tr>
+            </a:tbl>
+          </a:graphicData>
+        </a:graphic>
+      </p:graphicFrame>
       <p:pic>
         <p:nvPicPr>
-          <p:cNvPr id="5" name="Picture 4">
+          <p:cNvPr id="6" name="Picture 5">
             <a:extLst>
               <a:ext uri="{FF2B5EF4-FFF2-40B4-BE49-F238E27FC236}">
-                <a16:creationId xmlns:a16="http://schemas.microsoft.com/office/drawing/2014/main" id="{E39B74A6-AA17-4A79-A8AD-63B11B5425EF}"/>
+                <a16:creationId xmlns:a16="http://schemas.microsoft.com/office/drawing/2014/main" id="{CD534EC6-5B6F-45C7-8FE0-BCFCD81F6932}"/>
               </a:ext>
             </a:extLst>
           </p:cNvPr>
@@ -13160,38 +15691,8 @@
         </p:blipFill>
         <p:spPr>
           <a:xfrm>
-            <a:off x="4472416" y="4728153"/>
-            <a:ext cx="3247168" cy="813530"/>
-          </a:xfrm>
-          <a:prstGeom prst="rect">
-            <a:avLst/>
-          </a:prstGeom>
-        </p:spPr>
-      </p:pic>
-      <p:pic>
-        <p:nvPicPr>
-          <p:cNvPr id="6" name="Picture 5">
-            <a:extLst>
-              <a:ext uri="{FF2B5EF4-FFF2-40B4-BE49-F238E27FC236}">
-                <a16:creationId xmlns:a16="http://schemas.microsoft.com/office/drawing/2014/main" id="{3242CC7E-5AA5-49B4-9922-66C67588FA39}"/>
-              </a:ext>
-            </a:extLst>
-          </p:cNvPr>
-          <p:cNvPicPr>
-            <a:picLocks noChangeAspect="1"/>
-          </p:cNvPicPr>
-          <p:nvPr/>
-        </p:nvPicPr>
-        <p:blipFill>
-          <a:blip r:embed="rId4"/>
-          <a:stretch>
-            <a:fillRect/>
-          </a:stretch>
-        </p:blipFill>
-        <p:spPr>
-          <a:xfrm>
-            <a:off x="8353322" y="3558956"/>
-            <a:ext cx="3290631" cy="1982727"/>
+            <a:off x="8666143" y="1648238"/>
+            <a:ext cx="3004339" cy="1859442"/>
           </a:xfrm>
           <a:prstGeom prst="rect">
             <a:avLst/>
@@ -13201,7 +15702,7 @@
     </p:spTree>
     <p:extLst>
       <p:ext uri="{BB962C8B-B14F-4D97-AF65-F5344CB8AC3E}">
-        <p14:creationId xmlns:p14="http://schemas.microsoft.com/office/powerpoint/2010/main" val="1016427075"/>
+        <p14:creationId xmlns:p14="http://schemas.microsoft.com/office/powerpoint/2010/main" val="4008586167"/>
       </p:ext>
     </p:extLst>
   </p:cSld>
@@ -13211,7 +15712,7 @@
 </p:sld>
 </file>
 
-<file path=ppt/slides/slide3.xml><?xml version="1.0" encoding="utf-8"?>
+<file path=ppt/slides/slide35.xml><?xml version="1.0" encoding="utf-8"?>
 <p:sld xmlns:a="http://schemas.openxmlformats.org/drawingml/2006/main" xmlns:r="http://schemas.openxmlformats.org/officeDocument/2006/relationships" xmlns:p="http://schemas.openxmlformats.org/presentationml/2006/main">
   <p:cSld>
     <p:spTree>
@@ -13233,7 +15734,7 @@
           <p:cNvPr id="2" name="Title 1">
             <a:extLst>
               <a:ext uri="{FF2B5EF4-FFF2-40B4-BE49-F238E27FC236}">
-                <a16:creationId xmlns:a16="http://schemas.microsoft.com/office/drawing/2014/main" id="{BDFAC13C-59B1-436E-B58F-C304E1C705CF}"/>
+                <a16:creationId xmlns:a16="http://schemas.microsoft.com/office/drawing/2014/main" id="{408FE2A1-E146-4873-B428-191D3B09654D}"/>
               </a:ext>
             </a:extLst>
           </p:cNvPr>
@@ -13246,19 +15747,17 @@
         </p:nvSpPr>
         <p:spPr>
           <a:xfrm>
-            <a:off x="664234" y="733579"/>
-            <a:ext cx="5077520" cy="1371600"/>
+            <a:off x="1066800" y="499981"/>
+            <a:ext cx="10058400" cy="1371600"/>
           </a:xfrm>
         </p:spPr>
         <p:txBody>
-          <a:bodyPr>
-            <a:normAutofit/>
-          </a:bodyPr>
+          <a:bodyPr/>
           <a:lstStyle/>
           <a:p>
             <a:r>
-              <a:rPr lang="en-US" u="sng"/>
-              <a:t>History of Bootstrap</a:t>
+              <a:rPr lang="en-US"/>
+              <a:t>FlexBox: Justify Content</a:t>
             </a:r>
           </a:p>
         </p:txBody>
@@ -13268,7 +15767,7 @@
           <p:cNvPr id="3" name="Content Placeholder 2">
             <a:extLst>
               <a:ext uri="{FF2B5EF4-FFF2-40B4-BE49-F238E27FC236}">
-                <a16:creationId xmlns:a16="http://schemas.microsoft.com/office/drawing/2014/main" id="{844A3DC5-46BF-4BFF-8008-98FD467C4904}"/>
+                <a16:creationId xmlns:a16="http://schemas.microsoft.com/office/drawing/2014/main" id="{51E5F178-99E4-44C3-BB4A-01DAC6A79FA1}"/>
               </a:ext>
             </a:extLst>
           </p:cNvPr>
@@ -13281,8 +15780,8 @@
         </p:nvSpPr>
         <p:spPr>
           <a:xfrm>
-            <a:off x="1066800" y="2733472"/>
-            <a:ext cx="10058400" cy="1919267"/>
+            <a:off x="1066800" y="1692059"/>
+            <a:ext cx="7326702" cy="3849624"/>
           </a:xfrm>
         </p:spPr>
         <p:txBody>
@@ -13291,126 +15790,124 @@
           </a:bodyPr>
           <a:lstStyle/>
           <a:p>
-            <a:r>
-              <a:rPr lang="en-US" sz="1800"/>
-              <a:t>Bootstrap was created at </a:t>
-            </a:r>
-            <a:r>
-              <a:rPr lang="en-US" sz="1800" b="1"/>
-              <a:t>Twitter</a:t>
-            </a:r>
-            <a:r>
-              <a:rPr lang="en-US" sz="1800"/>
-              <a:t> in </a:t>
-            </a:r>
-            <a:r>
-              <a:rPr lang="en-US" sz="1800" b="1"/>
-              <a:t>2010</a:t>
-            </a:r>
-            <a:r>
-              <a:rPr lang="en-US" sz="1800"/>
-              <a:t> by </a:t>
-            </a:r>
-            <a:r>
-              <a:rPr lang="en-US" sz="1800" b="1">
-                <a:solidFill>
-                  <a:srgbClr val="00B0F0"/>
-                </a:solidFill>
-                <a:hlinkClick r:id="rId2">
-                  <a:extLst>
-                    <a:ext uri="{A12FA001-AC4F-418D-AE19-62706E023703}">
-                      <ahyp:hlinkClr xmlns:ahyp="http://schemas.microsoft.com/office/drawing/2018/hyperlinkcolor" val="tx"/>
-                    </a:ext>
-                  </a:extLst>
-                </a:hlinkClick>
-              </a:rPr>
-              <a:t>@mdo</a:t>
-            </a:r>
-            <a:r>
-              <a:rPr lang="en-US" sz="1800"/>
-              <a:t> (designer) and </a:t>
-            </a:r>
-            <a:r>
-              <a:rPr lang="en-US" sz="1800" b="1">
-                <a:solidFill>
-                  <a:srgbClr val="00B0F0"/>
-                </a:solidFill>
-                <a:hlinkClick r:id="rId3">
-                  <a:extLst>
-                    <a:ext uri="{A12FA001-AC4F-418D-AE19-62706E023703}">
-                      <ahyp:hlinkClr xmlns:ahyp="http://schemas.microsoft.com/office/drawing/2018/hyperlinkcolor" val="tx"/>
-                    </a:ext>
-                  </a:extLst>
-                </a:hlinkClick>
-              </a:rPr>
-              <a:t>@fat</a:t>
-            </a:r>
+            <a:pPr marL="274320" lvl="1" indent="0">
+              <a:buNone/>
+            </a:pPr>
             <a:r>
               <a:rPr lang="en-US" sz="1800">
-                <a:solidFill>
-                  <a:schemeClr val="accent3"/>
-                </a:solidFill>
-              </a:rPr>
-              <a:t> </a:t>
-            </a:r>
-            <a:r>
-              <a:rPr lang="en-US" sz="1800"/>
-              <a:t>(developer).</a:t>
-            </a:r>
-          </a:p>
-          <a:p>
-            <a:r>
-              <a:rPr lang="en-US" sz="1800"/>
-              <a:t>Bootstrap has become one of the </a:t>
-            </a:r>
-            <a:r>
-              <a:rPr lang="en-US" sz="1800" b="1"/>
-              <a:t>most popular front-end frameworks </a:t>
-            </a:r>
-            <a:r>
-              <a:rPr lang="en-US" sz="1800"/>
-              <a:t>in the world.</a:t>
-            </a:r>
-          </a:p>
-          <a:p>
-            <a:r>
-              <a:rPr lang="en-US" sz="1800"/>
-              <a:t>Bootstrap has had over 20 releases, include major rewrites for </a:t>
-            </a:r>
-            <a:r>
-              <a:rPr lang="en-US" sz="1800" b="1"/>
-              <a:t>v2,</a:t>
-            </a:r>
-            <a:r>
-              <a:rPr lang="en-US" sz="1800"/>
-              <a:t> </a:t>
-            </a:r>
-            <a:r>
-              <a:rPr lang="en-US" sz="1800" b="1"/>
-              <a:t>v3,</a:t>
-            </a:r>
-            <a:r>
-              <a:rPr lang="en-US" sz="1800"/>
-              <a:t> and </a:t>
-            </a:r>
-            <a:r>
-              <a:rPr lang="en-US" sz="1800" b="1"/>
-              <a:t>v4.</a:t>
-            </a:r>
-          </a:p>
-          <a:p>
-            <a:r>
-              <a:rPr lang="en-US" sz="1800"/>
-              <a:t>Bootstrap has made it much easier to build </a:t>
-            </a:r>
-            <a:r>
-              <a:rPr lang="en-US" sz="1800" b="1"/>
-              <a:t>responsive</a:t>
-            </a:r>
-            <a:r>
-              <a:rPr lang="en-US" sz="1800"/>
-              <a:t> websites.</a:t>
-            </a:r>
+                <a:latin typeface="Consolas" panose="020B0609020204030204" pitchFamily="49" charset="0"/>
+              </a:rPr>
+              <a:t>justify-content-start</a:t>
+            </a:r>
+          </a:p>
+          <a:p>
+            <a:pPr marL="274320" lvl="1" indent="0">
+              <a:buNone/>
+            </a:pPr>
+            <a:r>
+              <a:rPr lang="en-US" sz="1800">
+                <a:latin typeface="Consolas" panose="020B0609020204030204" pitchFamily="49" charset="0"/>
+              </a:rPr>
+              <a:t>justify-content-end</a:t>
+            </a:r>
+          </a:p>
+          <a:p>
+            <a:pPr marL="274320" lvl="1" indent="0">
+              <a:buNone/>
+            </a:pPr>
+            <a:r>
+              <a:rPr lang="en-US" sz="1800">
+                <a:latin typeface="Consolas" panose="020B0609020204030204" pitchFamily="49" charset="0"/>
+              </a:rPr>
+              <a:t>justify-content-center</a:t>
+            </a:r>
+          </a:p>
+          <a:p>
+            <a:pPr marL="274320" lvl="1" indent="0">
+              <a:buNone/>
+            </a:pPr>
+            <a:r>
+              <a:rPr lang="en-US" sz="1800">
+                <a:latin typeface="Consolas" panose="020B0609020204030204" pitchFamily="49" charset="0"/>
+              </a:rPr>
+              <a:t>justify-content-between</a:t>
+            </a:r>
+          </a:p>
+          <a:p>
+            <a:pPr marL="274320" lvl="1" indent="0">
+              <a:buNone/>
+            </a:pPr>
+            <a:r>
+              <a:rPr lang="en-US" sz="1800">
+                <a:latin typeface="Consolas" panose="020B0609020204030204" pitchFamily="49" charset="0"/>
+              </a:rPr>
+              <a:t>justify-content-around</a:t>
+            </a:r>
+          </a:p>
+          <a:p>
+            <a:pPr marL="274320" lvl="1" indent="0">
+              <a:buNone/>
+            </a:pPr>
+            <a:r>
+              <a:rPr lang="en-US" sz="1800" i="1" strike="sngStrike">
+                <a:latin typeface="Consolas" panose="020B0609020204030204" pitchFamily="49" charset="0"/>
+              </a:rPr>
+              <a:t>justify-content-evenly</a:t>
+            </a:r>
+          </a:p>
+          <a:p>
+            <a:pPr marL="274320" lvl="1" indent="0">
+              <a:buNone/>
+            </a:pPr>
+            <a:r>
+              <a:rPr lang="en-US" sz="1800">
+                <a:latin typeface="Consolas" panose="020B0609020204030204" pitchFamily="49" charset="0"/>
+              </a:rPr>
+              <a:t>justify-content-</a:t>
+            </a:r>
+            <a:r>
+              <a:rPr lang="en-US" sz="1800">
+                <a:highlight>
+                  <a:srgbClr val="FCF7F1"/>
+                </a:highlight>
+                <a:latin typeface="Consolas" panose="020B0609020204030204" pitchFamily="49" charset="0"/>
+              </a:rPr>
+              <a:t>{breakpoint}</a:t>
+            </a:r>
+            <a:r>
+              <a:rPr lang="en-US" sz="1800">
+                <a:latin typeface="Consolas" panose="020B0609020204030204" pitchFamily="49" charset="0"/>
+              </a:rPr>
+              <a:t>-</a:t>
+            </a:r>
+            <a:r>
+              <a:rPr lang="en-US" sz="1800">
+                <a:highlight>
+                  <a:srgbClr val="FCF7F1"/>
+                </a:highlight>
+                <a:latin typeface="Consolas" panose="020B0609020204030204" pitchFamily="49" charset="0"/>
+              </a:rPr>
+              <a:t>{justify}</a:t>
+            </a:r>
+            <a:endParaRPr lang="en-US" sz="1800" i="1" strike="sngStrike">
+              <a:latin typeface="Consolas" panose="020B0609020204030204" pitchFamily="49" charset="0"/>
+            </a:endParaRPr>
+          </a:p>
+          <a:p>
+            <a:pPr marL="274320" lvl="1" indent="0">
+              <a:buNone/>
+            </a:pPr>
+            <a:endParaRPr lang="en-US" sz="1800">
+              <a:latin typeface="Consolas" panose="020B0609020204030204" pitchFamily="49" charset="0"/>
+            </a:endParaRPr>
+          </a:p>
+          <a:p>
+            <a:pPr marL="274320" lvl="1" indent="0">
+              <a:buNone/>
+            </a:pPr>
+            <a:endParaRPr lang="en-US" sz="1800">
+              <a:latin typeface="Consolas" panose="020B0609020204030204" pitchFamily="49" charset="0"/>
+            </a:endParaRPr>
           </a:p>
         </p:txBody>
       </p:sp>
@@ -13419,7 +15916,7 @@
           <p:cNvPr id="4" name="Rectangle 3">
             <a:extLst>
               <a:ext uri="{FF2B5EF4-FFF2-40B4-BE49-F238E27FC236}">
-                <a16:creationId xmlns:a16="http://schemas.microsoft.com/office/drawing/2014/main" id="{0C71533A-4A29-47E2-A4D4-85E44356516A}"/>
+                <a16:creationId xmlns:a16="http://schemas.microsoft.com/office/drawing/2014/main" id="{E75B4369-FDCF-4679-B655-8685367E3326}"/>
               </a:ext>
             </a:extLst>
           </p:cNvPr>
@@ -13428,8 +15925,8 @@
         </p:nvSpPr>
         <p:spPr>
           <a:xfrm>
-            <a:off x="1066800" y="5818971"/>
-            <a:ext cx="10058400" cy="584775"/>
+            <a:off x="1066800" y="5345999"/>
+            <a:ext cx="10058400" cy="1107996"/>
           </a:xfrm>
           <a:prstGeom prst="rect">
             <a:avLst/>
@@ -13443,39 +15940,15 @@
           <a:p>
             <a:r>
               <a:rPr lang="en-US" sz="1600" b="1"/>
-              <a:t>Source</a:t>
+              <a:t>Sources</a:t>
             </a:r>
           </a:p>
           <a:p>
             <a:r>
               <a:rPr lang="en-US" sz="1600">
-                <a:solidFill>
-                  <a:srgbClr val="00B0F0"/>
-                </a:solidFill>
-                <a:hlinkClick r:id="rId4">
-                  <a:extLst>
-                    <a:ext uri="{A12FA001-AC4F-418D-AE19-62706E023703}">
-                      <ahyp:hlinkClr xmlns:ahyp="http://schemas.microsoft.com/office/drawing/2018/hyperlinkcolor" val="tx"/>
-                    </a:ext>
-                  </a:extLst>
-                </a:hlinkClick>
-              </a:rPr>
-              <a:t>https://getbootstrap.com/docs/4.5/about/overview</a:t>
-            </a:r>
-            <a:r>
-              <a:rPr lang="en-US" sz="1600">
-                <a:solidFill>
-                  <a:srgbClr val="00B0F0"/>
-                </a:solidFill>
-                <a:hlinkClick r:id="rId4">
-                  <a:extLst>
-                    <a:ext uri="{A12FA001-AC4F-418D-AE19-62706E023703}">
-                      <ahyp:hlinkClr xmlns:ahyp="http://schemas.microsoft.com/office/drawing/2018/hyperlinkcolor" val="tx"/>
-                    </a:ext>
-                  </a:extLst>
-                </a:hlinkClick>
-              </a:rPr>
-              <a:t>/#history</a:t>
+                <a:hlinkClick r:id="rId2"/>
+              </a:rPr>
+              <a:t>https://getbootstrap.com/docs/4.5/utilities/flex/#justify-content</a:t>
             </a:r>
             <a:endParaRPr lang="en-US" sz="1600">
               <a:solidFill>
@@ -13483,14 +15956,40 @@
               </a:solidFill>
             </a:endParaRPr>
           </a:p>
+          <a:p>
+            <a:r>
+              <a:rPr lang="en-US" sz="1600">
+                <a:hlinkClick r:id="rId3"/>
+              </a:rPr>
+              <a:t>https://css-tricks.com/snippets/css/a-guide-to-flexbox/</a:t>
+            </a:r>
+            <a:endParaRPr lang="en-US" sz="1600">
+              <a:solidFill>
+                <a:srgbClr val="00B0F0"/>
+              </a:solidFill>
+            </a:endParaRPr>
+          </a:p>
+          <a:p>
+            <a:r>
+              <a:rPr lang="en-US" sz="1600">
+                <a:hlinkClick r:id="rId4"/>
+              </a:rPr>
+              <a:t>https://github.com/twbs/bootstrap/issues/24862</a:t>
+            </a:r>
+            <a:endParaRPr lang="en-US" sz="1600">
+              <a:solidFill>
+                <a:srgbClr val="00B0F0"/>
+              </a:solidFill>
+            </a:endParaRPr>
+          </a:p>
         </p:txBody>
       </p:sp>
       <p:pic>
         <p:nvPicPr>
-          <p:cNvPr id="6" name="Picture 5" descr="A person looking at the camera&#10;&#10;Description automatically generated">
+          <p:cNvPr id="7" name="Picture 6">
             <a:extLst>
               <a:ext uri="{FF2B5EF4-FFF2-40B4-BE49-F238E27FC236}">
-                <a16:creationId xmlns:a16="http://schemas.microsoft.com/office/drawing/2014/main" id="{AE46038C-B695-4142-8D22-9E2882BBFE04}"/>
+                <a16:creationId xmlns:a16="http://schemas.microsoft.com/office/drawing/2014/main" id="{41CADA27-0A8B-444B-B22B-3B7AA5A06945}"/>
               </a:ext>
             </a:extLst>
           </p:cNvPr>
@@ -13507,38 +16006,277 @@
         </p:blipFill>
         <p:spPr>
           <a:xfrm>
-            <a:off x="7837989" y="4652740"/>
-            <a:ext cx="1371601" cy="1371601"/>
+            <a:off x="8794429" y="1423358"/>
+            <a:ext cx="2854555" cy="4834952"/>
           </a:xfrm>
-          <a:prstGeom prst="ellipse">
+          <a:prstGeom prst="rect">
             <a:avLst/>
           </a:prstGeom>
-          <a:ln w="63500" cap="rnd">
-            <a:solidFill>
-              <a:srgbClr val="333333"/>
-            </a:solidFill>
-          </a:ln>
-          <a:effectLst/>
-          <a:scene3d>
-            <a:camera prst="orthographicFront"/>
-            <a:lightRig rig="contrasting" dir="t">
-              <a:rot lat="0" lon="0" rev="3000000"/>
-            </a:lightRig>
-          </a:scene3d>
-          <a:sp3d contourW="7620">
-            <a:bevelT w="95250" h="31750"/>
-            <a:contourClr>
-              <a:srgbClr val="333333"/>
-            </a:contourClr>
-          </a:sp3d>
         </p:spPr>
       </p:pic>
+    </p:spTree>
+    <p:extLst>
+      <p:ext uri="{BB962C8B-B14F-4D97-AF65-F5344CB8AC3E}">
+        <p14:creationId xmlns:p14="http://schemas.microsoft.com/office/powerpoint/2010/main" val="4102327439"/>
+      </p:ext>
+    </p:extLst>
+  </p:cSld>
+  <p:clrMapOvr>
+    <a:masterClrMapping/>
+  </p:clrMapOvr>
+</p:sld>
+</file>
+
+<file path=ppt/slides/slide36.xml><?xml version="1.0" encoding="utf-8"?>
+<p:sld xmlns:a="http://schemas.openxmlformats.org/drawingml/2006/main" xmlns:r="http://schemas.openxmlformats.org/officeDocument/2006/relationships" xmlns:p="http://schemas.openxmlformats.org/presentationml/2006/main">
+  <p:cSld>
+    <p:spTree>
+      <p:nvGrpSpPr>
+        <p:cNvPr id="1" name=""/>
+        <p:cNvGrpSpPr/>
+        <p:nvPr/>
+      </p:nvGrpSpPr>
+      <p:grpSpPr>
+        <a:xfrm>
+          <a:off x="0" y="0"/>
+          <a:ext cx="0" cy="0"/>
+          <a:chOff x="0" y="0"/>
+          <a:chExt cx="0" cy="0"/>
+        </a:xfrm>
+      </p:grpSpPr>
+      <p:sp>
+        <p:nvSpPr>
+          <p:cNvPr id="2" name="Title 1">
+            <a:extLst>
+              <a:ext uri="{FF2B5EF4-FFF2-40B4-BE49-F238E27FC236}">
+                <a16:creationId xmlns:a16="http://schemas.microsoft.com/office/drawing/2014/main" id="{408FE2A1-E146-4873-B428-191D3B09654D}"/>
+              </a:ext>
+            </a:extLst>
+          </p:cNvPr>
+          <p:cNvSpPr>
+            <a:spLocks noGrp="1"/>
+          </p:cNvSpPr>
+          <p:nvPr>
+            <p:ph type="title"/>
+          </p:nvPr>
+        </p:nvSpPr>
+        <p:spPr>
+          <a:xfrm>
+            <a:off x="1066800" y="499981"/>
+            <a:ext cx="10058400" cy="1371600"/>
+          </a:xfrm>
+        </p:spPr>
+        <p:txBody>
+          <a:bodyPr/>
+          <a:lstStyle/>
+          <a:p>
+            <a:r>
+              <a:rPr lang="en-US"/>
+              <a:t>FlexBox: Align Items</a:t>
+            </a:r>
+          </a:p>
+        </p:txBody>
+      </p:sp>
+      <p:sp>
+        <p:nvSpPr>
+          <p:cNvPr id="3" name="Content Placeholder 2">
+            <a:extLst>
+              <a:ext uri="{FF2B5EF4-FFF2-40B4-BE49-F238E27FC236}">
+                <a16:creationId xmlns:a16="http://schemas.microsoft.com/office/drawing/2014/main" id="{51E5F178-99E4-44C3-BB4A-01DAC6A79FA1}"/>
+              </a:ext>
+            </a:extLst>
+          </p:cNvPr>
+          <p:cNvSpPr>
+            <a:spLocks noGrp="1"/>
+          </p:cNvSpPr>
+          <p:nvPr>
+            <p:ph idx="1"/>
+          </p:nvPr>
+        </p:nvSpPr>
+        <p:spPr>
+          <a:xfrm>
+            <a:off x="1066800" y="1692059"/>
+            <a:ext cx="6709039" cy="3849624"/>
+          </a:xfrm>
+        </p:spPr>
+        <p:txBody>
+          <a:bodyPr>
+            <a:normAutofit/>
+          </a:bodyPr>
+          <a:lstStyle/>
+          <a:p>
+            <a:pPr marL="274320" lvl="1" indent="0">
+              <a:buNone/>
+            </a:pPr>
+            <a:r>
+              <a:rPr lang="en-US" sz="1800">
+                <a:latin typeface="Consolas" panose="020B0609020204030204" pitchFamily="49" charset="0"/>
+              </a:rPr>
+              <a:t>align-items-start</a:t>
+            </a:r>
+          </a:p>
+          <a:p>
+            <a:pPr marL="274320" lvl="1" indent="0">
+              <a:buNone/>
+            </a:pPr>
+            <a:r>
+              <a:rPr lang="en-US" sz="1800">
+                <a:latin typeface="Consolas" panose="020B0609020204030204" pitchFamily="49" charset="0"/>
+              </a:rPr>
+              <a:t>align-items-end</a:t>
+            </a:r>
+          </a:p>
+          <a:p>
+            <a:pPr marL="274320" lvl="1" indent="0">
+              <a:buNone/>
+            </a:pPr>
+            <a:r>
+              <a:rPr lang="en-US" sz="1800">
+                <a:latin typeface="Consolas" panose="020B0609020204030204" pitchFamily="49" charset="0"/>
+              </a:rPr>
+              <a:t>align-items-center</a:t>
+            </a:r>
+          </a:p>
+          <a:p>
+            <a:pPr marL="274320" lvl="1" indent="0">
+              <a:buNone/>
+            </a:pPr>
+            <a:r>
+              <a:rPr lang="en-US" sz="1800">
+                <a:latin typeface="Consolas" panose="020B0609020204030204" pitchFamily="49" charset="0"/>
+              </a:rPr>
+              <a:t>align-items-stretch</a:t>
+            </a:r>
+          </a:p>
+          <a:p>
+            <a:pPr marL="274320" lvl="1" indent="0">
+              <a:buNone/>
+            </a:pPr>
+            <a:r>
+              <a:rPr lang="en-US" sz="1800">
+                <a:latin typeface="Consolas" panose="020B0609020204030204" pitchFamily="49" charset="0"/>
+              </a:rPr>
+              <a:t>align-items-baseline</a:t>
+            </a:r>
+          </a:p>
+          <a:p>
+            <a:pPr marL="274320" lvl="1" indent="0">
+              <a:buNone/>
+            </a:pPr>
+            <a:r>
+              <a:rPr lang="en-US" sz="1800">
+                <a:latin typeface="Consolas" panose="020B0609020204030204" pitchFamily="49" charset="0"/>
+              </a:rPr>
+              <a:t>align-items-</a:t>
+            </a:r>
+            <a:r>
+              <a:rPr lang="en-US" sz="1800">
+                <a:highlight>
+                  <a:srgbClr val="FCF7F1"/>
+                </a:highlight>
+                <a:latin typeface="Consolas" panose="020B0609020204030204" pitchFamily="49" charset="0"/>
+              </a:rPr>
+              <a:t>{breakpoint}</a:t>
+            </a:r>
+            <a:r>
+              <a:rPr lang="en-US" sz="1800">
+                <a:latin typeface="Consolas" panose="020B0609020204030204" pitchFamily="49" charset="0"/>
+              </a:rPr>
+              <a:t>-</a:t>
+            </a:r>
+            <a:r>
+              <a:rPr lang="en-US" sz="1800">
+                <a:highlight>
+                  <a:srgbClr val="FCF7F1"/>
+                </a:highlight>
+                <a:latin typeface="Consolas" panose="020B0609020204030204" pitchFamily="49" charset="0"/>
+              </a:rPr>
+              <a:t>{align}</a:t>
+            </a:r>
+            <a:endParaRPr lang="en-US" sz="1800">
+              <a:latin typeface="Consolas" panose="020B0609020204030204" pitchFamily="49" charset="0"/>
+            </a:endParaRPr>
+          </a:p>
+          <a:p>
+            <a:pPr marL="274320" lvl="1" indent="0">
+              <a:buNone/>
+            </a:pPr>
+            <a:endParaRPr lang="en-US" sz="1800">
+              <a:latin typeface="Consolas" panose="020B0609020204030204" pitchFamily="49" charset="0"/>
+            </a:endParaRPr>
+          </a:p>
+          <a:p>
+            <a:pPr marL="274320" lvl="1" indent="0">
+              <a:buNone/>
+            </a:pPr>
+            <a:endParaRPr lang="en-US" sz="1800">
+              <a:latin typeface="Consolas" panose="020B0609020204030204" pitchFamily="49" charset="0"/>
+            </a:endParaRPr>
+          </a:p>
+        </p:txBody>
+      </p:sp>
+      <p:sp>
+        <p:nvSpPr>
+          <p:cNvPr id="4" name="Rectangle 3">
+            <a:extLst>
+              <a:ext uri="{FF2B5EF4-FFF2-40B4-BE49-F238E27FC236}">
+                <a16:creationId xmlns:a16="http://schemas.microsoft.com/office/drawing/2014/main" id="{E75B4369-FDCF-4679-B655-8685367E3326}"/>
+              </a:ext>
+            </a:extLst>
+          </p:cNvPr>
+          <p:cNvSpPr/>
+          <p:nvPr/>
+        </p:nvSpPr>
+        <p:spPr>
+          <a:xfrm>
+            <a:off x="1066800" y="5578296"/>
+            <a:ext cx="10058400" cy="861774"/>
+          </a:xfrm>
+          <a:prstGeom prst="rect">
+            <a:avLst/>
+          </a:prstGeom>
+        </p:spPr>
+        <p:txBody>
+          <a:bodyPr wrap="square">
+            <a:spAutoFit/>
+          </a:bodyPr>
+          <a:lstStyle/>
+          <a:p>
+            <a:r>
+              <a:rPr lang="en-US" sz="1600" b="1"/>
+              <a:t>Sources</a:t>
+            </a:r>
+          </a:p>
+          <a:p>
+            <a:r>
+              <a:rPr lang="en-US" sz="1600">
+                <a:hlinkClick r:id="rId2"/>
+              </a:rPr>
+              <a:t>https://getbootstrap.com/docs/4.5/utilities/flex/#align-items</a:t>
+            </a:r>
+            <a:endParaRPr lang="en-US" sz="1600"/>
+          </a:p>
+          <a:p>
+            <a:r>
+              <a:rPr lang="en-US" sz="1600">
+                <a:hlinkClick r:id="rId3"/>
+              </a:rPr>
+              <a:t>https://css-tricks.com/snippets/css/a-guide-to-flexbox/</a:t>
+            </a:r>
+            <a:endParaRPr lang="en-US" sz="1600">
+              <a:solidFill>
+                <a:srgbClr val="00B0F0"/>
+              </a:solidFill>
+            </a:endParaRPr>
+          </a:p>
+        </p:txBody>
+      </p:sp>
       <p:pic>
         <p:nvPicPr>
-          <p:cNvPr id="8" name="Picture 7" descr="A picture containing person, man, indoor, holding&#10;&#10;Description automatically generated">
+          <p:cNvPr id="5" name="Picture 4">
             <a:extLst>
               <a:ext uri="{FF2B5EF4-FFF2-40B4-BE49-F238E27FC236}">
-                <a16:creationId xmlns:a16="http://schemas.microsoft.com/office/drawing/2014/main" id="{277906E1-D9AC-4E84-A053-57E8A5B00001}"/>
+                <a16:creationId xmlns:a16="http://schemas.microsoft.com/office/drawing/2014/main" id="{3A40FC2C-F9EF-4212-942F-F10165134F66}"/>
               </a:ext>
             </a:extLst>
           </p:cNvPr>
@@ -13548,45 +16286,268 @@
           <p:nvPr/>
         </p:nvPicPr>
         <p:blipFill>
-          <a:blip r:embed="rId6"/>
+          <a:blip r:embed="rId4"/>
           <a:stretch>
             <a:fillRect/>
           </a:stretch>
         </p:blipFill>
         <p:spPr>
           <a:xfrm>
-            <a:off x="9481594" y="4652739"/>
-            <a:ext cx="1371602" cy="1371602"/>
+            <a:off x="8214617" y="1597168"/>
+            <a:ext cx="3349361" cy="4522922"/>
           </a:xfrm>
-          <a:prstGeom prst="ellipse">
+          <a:prstGeom prst="rect">
             <a:avLst/>
           </a:prstGeom>
-          <a:ln w="63500" cap="rnd">
-            <a:solidFill>
-              <a:srgbClr val="333333"/>
-            </a:solidFill>
-          </a:ln>
-          <a:effectLst/>
-          <a:scene3d>
-            <a:camera prst="orthographicFront"/>
-            <a:lightRig rig="contrasting" dir="t">
-              <a:rot lat="0" lon="0" rev="3000000"/>
-            </a:lightRig>
-          </a:scene3d>
-          <a:sp3d contourW="7620">
-            <a:bevelT w="95250" h="31750"/>
-            <a:contourClr>
-              <a:srgbClr val="333333"/>
-            </a:contourClr>
-          </a:sp3d>
         </p:spPr>
       </p:pic>
+    </p:spTree>
+    <p:extLst>
+      <p:ext uri="{BB962C8B-B14F-4D97-AF65-F5344CB8AC3E}">
+        <p14:creationId xmlns:p14="http://schemas.microsoft.com/office/powerpoint/2010/main" val="243371125"/>
+      </p:ext>
+    </p:extLst>
+  </p:cSld>
+  <p:clrMapOvr>
+    <a:masterClrMapping/>
+  </p:clrMapOvr>
+</p:sld>
+</file>
+
+<file path=ppt/slides/slide37.xml><?xml version="1.0" encoding="utf-8"?>
+<p:sld xmlns:a="http://schemas.openxmlformats.org/drawingml/2006/main" xmlns:r="http://schemas.openxmlformats.org/officeDocument/2006/relationships" xmlns:p="http://schemas.openxmlformats.org/presentationml/2006/main">
+  <p:cSld>
+    <p:spTree>
+      <p:nvGrpSpPr>
+        <p:cNvPr id="1" name=""/>
+        <p:cNvGrpSpPr/>
+        <p:nvPr/>
+      </p:nvGrpSpPr>
+      <p:grpSpPr>
+        <a:xfrm>
+          <a:off x="0" y="0"/>
+          <a:ext cx="0" cy="0"/>
+          <a:chOff x="0" y="0"/>
+          <a:chExt cx="0" cy="0"/>
+        </a:xfrm>
+      </p:grpSpPr>
+      <p:sp>
+        <p:nvSpPr>
+          <p:cNvPr id="2" name="Title 1">
+            <a:extLst>
+              <a:ext uri="{FF2B5EF4-FFF2-40B4-BE49-F238E27FC236}">
+                <a16:creationId xmlns:a16="http://schemas.microsoft.com/office/drawing/2014/main" id="{408FE2A1-E146-4873-B428-191D3B09654D}"/>
+              </a:ext>
+            </a:extLst>
+          </p:cNvPr>
+          <p:cNvSpPr>
+            <a:spLocks noGrp="1"/>
+          </p:cNvSpPr>
+          <p:nvPr>
+            <p:ph type="title"/>
+          </p:nvPr>
+        </p:nvSpPr>
+        <p:spPr>
+          <a:xfrm>
+            <a:off x="1066800" y="499981"/>
+            <a:ext cx="10058400" cy="1371600"/>
+          </a:xfrm>
+        </p:spPr>
+        <p:txBody>
+          <a:bodyPr/>
+          <a:lstStyle/>
+          <a:p>
+            <a:r>
+              <a:rPr lang="en-US"/>
+              <a:t>FlexBox: Align Self</a:t>
+            </a:r>
+          </a:p>
+        </p:txBody>
+      </p:sp>
+      <p:sp>
+        <p:nvSpPr>
+          <p:cNvPr id="3" name="Content Placeholder 2">
+            <a:extLst>
+              <a:ext uri="{FF2B5EF4-FFF2-40B4-BE49-F238E27FC236}">
+                <a16:creationId xmlns:a16="http://schemas.microsoft.com/office/drawing/2014/main" id="{51E5F178-99E4-44C3-BB4A-01DAC6A79FA1}"/>
+              </a:ext>
+            </a:extLst>
+          </p:cNvPr>
+          <p:cNvSpPr>
+            <a:spLocks noGrp="1"/>
+          </p:cNvSpPr>
+          <p:nvPr>
+            <p:ph idx="1"/>
+          </p:nvPr>
+        </p:nvSpPr>
+        <p:spPr>
+          <a:xfrm>
+            <a:off x="1066800" y="1692059"/>
+            <a:ext cx="6420928" cy="3849624"/>
+          </a:xfrm>
+        </p:spPr>
+        <p:txBody>
+          <a:bodyPr>
+            <a:normAutofit/>
+          </a:bodyPr>
+          <a:lstStyle/>
+          <a:p>
+            <a:pPr marL="274320" lvl="1" indent="0">
+              <a:buNone/>
+            </a:pPr>
+            <a:r>
+              <a:rPr lang="en-US" sz="1800">
+                <a:latin typeface="Consolas" panose="020B0609020204030204" pitchFamily="49" charset="0"/>
+              </a:rPr>
+              <a:t>align-self-start</a:t>
+            </a:r>
+          </a:p>
+          <a:p>
+            <a:pPr marL="274320" lvl="1" indent="0">
+              <a:buNone/>
+            </a:pPr>
+            <a:r>
+              <a:rPr lang="en-US" sz="1800">
+                <a:latin typeface="Consolas" panose="020B0609020204030204" pitchFamily="49" charset="0"/>
+              </a:rPr>
+              <a:t>align-self-end</a:t>
+            </a:r>
+          </a:p>
+          <a:p>
+            <a:pPr marL="274320" lvl="1" indent="0">
+              <a:buNone/>
+            </a:pPr>
+            <a:r>
+              <a:rPr lang="en-US" sz="1800">
+                <a:latin typeface="Consolas" panose="020B0609020204030204" pitchFamily="49" charset="0"/>
+              </a:rPr>
+              <a:t>align-self-center</a:t>
+            </a:r>
+          </a:p>
+          <a:p>
+            <a:pPr marL="274320" lvl="1" indent="0">
+              <a:buNone/>
+            </a:pPr>
+            <a:r>
+              <a:rPr lang="en-US" sz="1800">
+                <a:latin typeface="Consolas" panose="020B0609020204030204" pitchFamily="49" charset="0"/>
+              </a:rPr>
+              <a:t>align-self-stretch</a:t>
+            </a:r>
+          </a:p>
+          <a:p>
+            <a:pPr marL="274320" lvl="1" indent="0">
+              <a:buNone/>
+            </a:pPr>
+            <a:r>
+              <a:rPr lang="en-US" sz="1800">
+                <a:latin typeface="Consolas" panose="020B0609020204030204" pitchFamily="49" charset="0"/>
+              </a:rPr>
+              <a:t>align-self-baseline</a:t>
+            </a:r>
+          </a:p>
+          <a:p>
+            <a:pPr marL="274320" lvl="1" indent="0">
+              <a:buNone/>
+            </a:pPr>
+            <a:r>
+              <a:rPr lang="en-US" sz="1800">
+                <a:latin typeface="Consolas" panose="020B0609020204030204" pitchFamily="49" charset="0"/>
+              </a:rPr>
+              <a:t>align-self-</a:t>
+            </a:r>
+            <a:r>
+              <a:rPr lang="en-US" sz="1800">
+                <a:highlight>
+                  <a:srgbClr val="FCF7F1"/>
+                </a:highlight>
+                <a:latin typeface="Consolas" panose="020B0609020204030204" pitchFamily="49" charset="0"/>
+              </a:rPr>
+              <a:t>{breakpoint}</a:t>
+            </a:r>
+            <a:r>
+              <a:rPr lang="en-US" sz="1800">
+                <a:latin typeface="Consolas" panose="020B0609020204030204" pitchFamily="49" charset="0"/>
+              </a:rPr>
+              <a:t>-</a:t>
+            </a:r>
+            <a:r>
+              <a:rPr lang="en-US" sz="1800">
+                <a:highlight>
+                  <a:srgbClr val="FCF7F1"/>
+                </a:highlight>
+                <a:latin typeface="Consolas" panose="020B0609020204030204" pitchFamily="49" charset="0"/>
+              </a:rPr>
+              <a:t>{align}</a:t>
+            </a:r>
+            <a:endParaRPr lang="en-US" sz="1800">
+              <a:latin typeface="Consolas" panose="020B0609020204030204" pitchFamily="49" charset="0"/>
+            </a:endParaRPr>
+          </a:p>
+        </p:txBody>
+      </p:sp>
+      <p:sp>
+        <p:nvSpPr>
+          <p:cNvPr id="4" name="Rectangle 3">
+            <a:extLst>
+              <a:ext uri="{FF2B5EF4-FFF2-40B4-BE49-F238E27FC236}">
+                <a16:creationId xmlns:a16="http://schemas.microsoft.com/office/drawing/2014/main" id="{E75B4369-FDCF-4679-B655-8685367E3326}"/>
+              </a:ext>
+            </a:extLst>
+          </p:cNvPr>
+          <p:cNvSpPr/>
+          <p:nvPr/>
+        </p:nvSpPr>
+        <p:spPr>
+          <a:xfrm>
+            <a:off x="1066800" y="5578296"/>
+            <a:ext cx="10058400" cy="861774"/>
+          </a:xfrm>
+          <a:prstGeom prst="rect">
+            <a:avLst/>
+          </a:prstGeom>
+        </p:spPr>
+        <p:txBody>
+          <a:bodyPr wrap="square">
+            <a:spAutoFit/>
+          </a:bodyPr>
+          <a:lstStyle/>
+          <a:p>
+            <a:r>
+              <a:rPr lang="en-US" sz="1600" b="1"/>
+              <a:t>Sources</a:t>
+            </a:r>
+          </a:p>
+          <a:p>
+            <a:r>
+              <a:rPr lang="en-US" sz="1600">
+                <a:hlinkClick r:id="rId2"/>
+              </a:rPr>
+              <a:t>https://getbootstrap.com/docs/4.5/utilities/flex/#align-self</a:t>
+            </a:r>
+            <a:endParaRPr lang="en-US" sz="1600"/>
+          </a:p>
+          <a:p>
+            <a:r>
+              <a:rPr lang="en-US" sz="1600">
+                <a:hlinkClick r:id="rId3"/>
+              </a:rPr>
+              <a:t>https://css-tricks.com/snippets/css/a-guide-to-flexbox/</a:t>
+            </a:r>
+            <a:endParaRPr lang="en-US" sz="1600">
+              <a:solidFill>
+                <a:srgbClr val="00B0F0"/>
+              </a:solidFill>
+            </a:endParaRPr>
+          </a:p>
+        </p:txBody>
+      </p:sp>
       <p:pic>
         <p:nvPicPr>
-          <p:cNvPr id="16" name="Picture 15" descr="A picture containing tree&#10;&#10;Description automatically generated">
+          <p:cNvPr id="6" name="Picture 5">
             <a:extLst>
               <a:ext uri="{FF2B5EF4-FFF2-40B4-BE49-F238E27FC236}">
-                <a16:creationId xmlns:a16="http://schemas.microsoft.com/office/drawing/2014/main" id="{5C5D6381-79C3-4E3C-B4BA-0E50C1B4CECA}"/>
+                <a16:creationId xmlns:a16="http://schemas.microsoft.com/office/drawing/2014/main" id="{B870C891-5AC5-4098-A6BA-A903D30E2D3C}"/>
               </a:ext>
             </a:extLst>
           </p:cNvPr>
@@ -13596,27 +16557,304 @@
           <p:nvPr/>
         </p:nvPicPr>
         <p:blipFill>
-          <a:blip r:embed="rId7"/>
+          <a:blip r:embed="rId4"/>
           <a:stretch>
             <a:fillRect/>
           </a:stretch>
         </p:blipFill>
         <p:spPr>
           <a:xfrm>
-            <a:off x="7278552" y="749144"/>
-            <a:ext cx="1670181" cy="1670181"/>
+            <a:off x="7731154" y="3795795"/>
+            <a:ext cx="3648075" cy="2381250"/>
           </a:xfrm>
           <a:prstGeom prst="rect">
             <a:avLst/>
           </a:prstGeom>
         </p:spPr>
       </p:pic>
+    </p:spTree>
+    <p:extLst>
+      <p:ext uri="{BB962C8B-B14F-4D97-AF65-F5344CB8AC3E}">
+        <p14:creationId xmlns:p14="http://schemas.microsoft.com/office/powerpoint/2010/main" val="614243447"/>
+      </p:ext>
+    </p:extLst>
+  </p:cSld>
+  <p:clrMapOvr>
+    <a:masterClrMapping/>
+  </p:clrMapOvr>
+</p:sld>
+</file>
+
+<file path=ppt/slides/slide38.xml><?xml version="1.0" encoding="utf-8"?>
+<p:sld xmlns:a="http://schemas.openxmlformats.org/drawingml/2006/main" xmlns:r="http://schemas.openxmlformats.org/officeDocument/2006/relationships" xmlns:p="http://schemas.openxmlformats.org/presentationml/2006/main">
+  <p:cSld>
+    <p:spTree>
+      <p:nvGrpSpPr>
+        <p:cNvPr id="1" name=""/>
+        <p:cNvGrpSpPr/>
+        <p:nvPr/>
+      </p:nvGrpSpPr>
+      <p:grpSpPr>
+        <a:xfrm>
+          <a:off x="0" y="0"/>
+          <a:ext cx="0" cy="0"/>
+          <a:chOff x="0" y="0"/>
+          <a:chExt cx="0" cy="0"/>
+        </a:xfrm>
+      </p:grpSpPr>
+      <p:sp>
+        <p:nvSpPr>
+          <p:cNvPr id="2" name="Title 1">
+            <a:extLst>
+              <a:ext uri="{FF2B5EF4-FFF2-40B4-BE49-F238E27FC236}">
+                <a16:creationId xmlns:a16="http://schemas.microsoft.com/office/drawing/2014/main" id="{408FE2A1-E146-4873-B428-191D3B09654D}"/>
+              </a:ext>
+            </a:extLst>
+          </p:cNvPr>
+          <p:cNvSpPr>
+            <a:spLocks noGrp="1"/>
+          </p:cNvSpPr>
+          <p:nvPr>
+            <p:ph type="title"/>
+          </p:nvPr>
+        </p:nvSpPr>
+        <p:spPr>
+          <a:xfrm>
+            <a:off x="1066800" y="499981"/>
+            <a:ext cx="10058400" cy="1371600"/>
+          </a:xfrm>
+        </p:spPr>
+        <p:txBody>
+          <a:bodyPr/>
+          <a:lstStyle/>
+          <a:p>
+            <a:r>
+              <a:rPr lang="en-US"/>
+              <a:t>FlexBox: Grow &amp; Shrink</a:t>
+            </a:r>
+          </a:p>
+        </p:txBody>
+      </p:sp>
+      <p:sp>
+        <p:nvSpPr>
+          <p:cNvPr id="3" name="Content Placeholder 2">
+            <a:extLst>
+              <a:ext uri="{FF2B5EF4-FFF2-40B4-BE49-F238E27FC236}">
+                <a16:creationId xmlns:a16="http://schemas.microsoft.com/office/drawing/2014/main" id="{51E5F178-99E4-44C3-BB4A-01DAC6A79FA1}"/>
+              </a:ext>
+            </a:extLst>
+          </p:cNvPr>
+          <p:cNvSpPr>
+            <a:spLocks noGrp="1"/>
+          </p:cNvSpPr>
+          <p:nvPr>
+            <p:ph idx="1"/>
+          </p:nvPr>
+        </p:nvSpPr>
+        <p:spPr>
+          <a:xfrm>
+            <a:off x="1066800" y="1692059"/>
+            <a:ext cx="6541698" cy="3849624"/>
+          </a:xfrm>
+        </p:spPr>
+        <p:txBody>
+          <a:bodyPr>
+            <a:normAutofit/>
+          </a:bodyPr>
+          <a:lstStyle/>
+          <a:p>
+            <a:pPr marL="274320" lvl="1" indent="0">
+              <a:buNone/>
+            </a:pPr>
+            <a:r>
+              <a:rPr lang="en-US" sz="1800">
+                <a:latin typeface="Consolas" panose="020B0609020204030204" pitchFamily="49" charset="0"/>
+              </a:rPr>
+              <a:t>flex-grow-0</a:t>
+            </a:r>
+          </a:p>
+          <a:p>
+            <a:pPr marL="274320" lvl="1" indent="0">
+              <a:buNone/>
+            </a:pPr>
+            <a:r>
+              <a:rPr lang="en-US" sz="1800">
+                <a:latin typeface="Consolas" panose="020B0609020204030204" pitchFamily="49" charset="0"/>
+              </a:rPr>
+              <a:t>flex-grow-1</a:t>
+            </a:r>
+          </a:p>
+          <a:p>
+            <a:pPr marL="274320" lvl="1" indent="0">
+              <a:buNone/>
+            </a:pPr>
+            <a:r>
+              <a:rPr lang="en-US" sz="1800">
+                <a:latin typeface="Consolas" panose="020B0609020204030204" pitchFamily="49" charset="0"/>
+              </a:rPr>
+              <a:t>flex-shrink-0</a:t>
+            </a:r>
+          </a:p>
+          <a:p>
+            <a:pPr marL="274320" lvl="1" indent="0">
+              <a:buNone/>
+            </a:pPr>
+            <a:r>
+              <a:rPr lang="en-US" sz="1800">
+                <a:latin typeface="Consolas" panose="020B0609020204030204" pitchFamily="49" charset="0"/>
+              </a:rPr>
+              <a:t>flex-shrink-1</a:t>
+            </a:r>
+          </a:p>
+          <a:p>
+            <a:pPr marL="274320" lvl="1" indent="0">
+              <a:buNone/>
+            </a:pPr>
+            <a:r>
+              <a:rPr lang="en-US" sz="1800">
+                <a:latin typeface="Consolas" panose="020B0609020204030204" pitchFamily="49" charset="0"/>
+              </a:rPr>
+              <a:t>flex-</a:t>
+            </a:r>
+            <a:r>
+              <a:rPr lang="en-US" sz="1800">
+                <a:highlight>
+                  <a:srgbClr val="FCF7F1"/>
+                </a:highlight>
+                <a:latin typeface="Consolas" panose="020B0609020204030204" pitchFamily="49" charset="0"/>
+              </a:rPr>
+              <a:t>{breakpoint}</a:t>
+            </a:r>
+            <a:r>
+              <a:rPr lang="en-US" sz="1800">
+                <a:latin typeface="Consolas" panose="020B0609020204030204" pitchFamily="49" charset="0"/>
+              </a:rPr>
+              <a:t>-</a:t>
+            </a:r>
+            <a:r>
+              <a:rPr lang="en-US" sz="1800">
+                <a:highlight>
+                  <a:srgbClr val="FCF7F1"/>
+                </a:highlight>
+                <a:latin typeface="Consolas" panose="020B0609020204030204" pitchFamily="49" charset="0"/>
+              </a:rPr>
+              <a:t>{grow|shrink}</a:t>
+            </a:r>
+            <a:r>
+              <a:rPr lang="en-US" sz="1800">
+                <a:latin typeface="Consolas" panose="020B0609020204030204" pitchFamily="49" charset="0"/>
+              </a:rPr>
+              <a:t>-</a:t>
+            </a:r>
+            <a:r>
+              <a:rPr lang="en-US" sz="1800">
+                <a:highlight>
+                  <a:srgbClr val="FCF7F1"/>
+                </a:highlight>
+                <a:latin typeface="Consolas" panose="020B0609020204030204" pitchFamily="49" charset="0"/>
+              </a:rPr>
+              <a:t>{0|1}</a:t>
+            </a:r>
+            <a:endParaRPr lang="en-US" sz="1800">
+              <a:latin typeface="Consolas" panose="020B0609020204030204" pitchFamily="49" charset="0"/>
+            </a:endParaRPr>
+          </a:p>
+          <a:p>
+            <a:pPr marL="274320" lvl="1" indent="0">
+              <a:buNone/>
+            </a:pPr>
+            <a:endParaRPr lang="en-US" sz="1800">
+              <a:latin typeface="Consolas" panose="020B0609020204030204" pitchFamily="49" charset="0"/>
+            </a:endParaRPr>
+          </a:p>
+          <a:p>
+            <a:pPr marL="274320" lvl="1" indent="0">
+              <a:buNone/>
+            </a:pPr>
+            <a:endParaRPr lang="en-US" sz="1800">
+              <a:latin typeface="Consolas" panose="020B0609020204030204" pitchFamily="49" charset="0"/>
+            </a:endParaRPr>
+          </a:p>
+          <a:p>
+            <a:pPr marL="274320" lvl="1" indent="0">
+              <a:buNone/>
+            </a:pPr>
+            <a:endParaRPr lang="en-US" sz="1800">
+              <a:latin typeface="Consolas" panose="020B0609020204030204" pitchFamily="49" charset="0"/>
+            </a:endParaRPr>
+          </a:p>
+          <a:p>
+            <a:pPr marL="274320" lvl="1" indent="0">
+              <a:buNone/>
+            </a:pPr>
+            <a:endParaRPr lang="en-US" sz="1800">
+              <a:latin typeface="Consolas" panose="020B0609020204030204" pitchFamily="49" charset="0"/>
+            </a:endParaRPr>
+          </a:p>
+        </p:txBody>
+      </p:sp>
+      <p:sp>
+        <p:nvSpPr>
+          <p:cNvPr id="4" name="Rectangle 3">
+            <a:extLst>
+              <a:ext uri="{FF2B5EF4-FFF2-40B4-BE49-F238E27FC236}">
+                <a16:creationId xmlns:a16="http://schemas.microsoft.com/office/drawing/2014/main" id="{E75B4369-FDCF-4679-B655-8685367E3326}"/>
+              </a:ext>
+            </a:extLst>
+          </p:cNvPr>
+          <p:cNvSpPr/>
+          <p:nvPr/>
+        </p:nvSpPr>
+        <p:spPr>
+          <a:xfrm>
+            <a:off x="1066800" y="5578296"/>
+            <a:ext cx="10058400" cy="861774"/>
+          </a:xfrm>
+          <a:prstGeom prst="rect">
+            <a:avLst/>
+          </a:prstGeom>
+        </p:spPr>
+        <p:txBody>
+          <a:bodyPr wrap="square">
+            <a:spAutoFit/>
+          </a:bodyPr>
+          <a:lstStyle/>
+          <a:p>
+            <a:r>
+              <a:rPr lang="en-US" sz="1600" b="1"/>
+              <a:t>Sources</a:t>
+            </a:r>
+          </a:p>
+          <a:p>
+            <a:r>
+              <a:rPr lang="en-US" sz="1600">
+                <a:hlinkClick r:id="rId2"/>
+              </a:rPr>
+              <a:t>https://getbootstrap.com/docs/4.5/utilities/flex/#grow-and-shrink</a:t>
+            </a:r>
+            <a:endParaRPr lang="en-US" sz="1600"/>
+          </a:p>
+          <a:p>
+            <a:r>
+              <a:rPr lang="en-US" sz="1600">
+                <a:hlinkClick r:id="rId3"/>
+              </a:rPr>
+              <a:t>https://css-tricks.com/snippets/css/a-guide-to-flexbox/</a:t>
+            </a:r>
+            <a:endParaRPr lang="en-US" sz="1600">
+              <a:solidFill>
+                <a:srgbClr val="00B0F0"/>
+              </a:solidFill>
+            </a:endParaRPr>
+          </a:p>
+        </p:txBody>
+      </p:sp>
       <p:pic>
         <p:nvPicPr>
-          <p:cNvPr id="22" name="Picture 21" descr="A close up of a sign&#10;&#10;Description automatically generated">
+          <p:cNvPr id="5" name="Picture 4">
             <a:extLst>
               <a:ext uri="{FF2B5EF4-FFF2-40B4-BE49-F238E27FC236}">
-                <a16:creationId xmlns:a16="http://schemas.microsoft.com/office/drawing/2014/main" id="{9A71BED0-55EE-404E-9615-D1747441A6BA}"/>
+                <a16:creationId xmlns:a16="http://schemas.microsoft.com/office/drawing/2014/main" id="{935B039E-F606-45EE-8802-57E44D36C82F}"/>
               </a:ext>
             </a:extLst>
           </p:cNvPr>
@@ -13626,15 +16864,15 @@
           <p:nvPr/>
         </p:nvPicPr>
         <p:blipFill>
-          <a:blip r:embed="rId8"/>
+          <a:blip r:embed="rId4"/>
           <a:stretch>
             <a:fillRect/>
           </a:stretch>
         </p:blipFill>
         <p:spPr>
           <a:xfrm>
-            <a:off x="9060877" y="479523"/>
-            <a:ext cx="2213035" cy="2213035"/>
+            <a:off x="7796033" y="3616871"/>
+            <a:ext cx="3552825" cy="2047875"/>
           </a:xfrm>
           <a:prstGeom prst="rect">
             <a:avLst/>
@@ -13644,7 +16882,341 @@
     </p:spTree>
     <p:extLst>
       <p:ext uri="{BB962C8B-B14F-4D97-AF65-F5344CB8AC3E}">
-        <p14:creationId xmlns:p14="http://schemas.microsoft.com/office/powerpoint/2010/main" val="3773845170"/>
+        <p14:creationId xmlns:p14="http://schemas.microsoft.com/office/powerpoint/2010/main" val="2587665455"/>
+      </p:ext>
+    </p:extLst>
+  </p:cSld>
+  <p:clrMapOvr>
+    <a:masterClrMapping/>
+  </p:clrMapOvr>
+</p:sld>
+</file>
+
+<file path=ppt/slides/slide39.xml><?xml version="1.0" encoding="utf-8"?>
+<p:sld xmlns:a="http://schemas.openxmlformats.org/drawingml/2006/main" xmlns:r="http://schemas.openxmlformats.org/officeDocument/2006/relationships" xmlns:p="http://schemas.openxmlformats.org/presentationml/2006/main">
+  <p:cSld>
+    <p:spTree>
+      <p:nvGrpSpPr>
+        <p:cNvPr id="1" name=""/>
+        <p:cNvGrpSpPr/>
+        <p:nvPr/>
+      </p:nvGrpSpPr>
+      <p:grpSpPr>
+        <a:xfrm>
+          <a:off x="0" y="0"/>
+          <a:ext cx="0" cy="0"/>
+          <a:chOff x="0" y="0"/>
+          <a:chExt cx="0" cy="0"/>
+        </a:xfrm>
+      </p:grpSpPr>
+      <p:sp>
+        <p:nvSpPr>
+          <p:cNvPr id="2" name="Title 1">
+            <a:extLst>
+              <a:ext uri="{FF2B5EF4-FFF2-40B4-BE49-F238E27FC236}">
+                <a16:creationId xmlns:a16="http://schemas.microsoft.com/office/drawing/2014/main" id="{408FE2A1-E146-4873-B428-191D3B09654D}"/>
+              </a:ext>
+            </a:extLst>
+          </p:cNvPr>
+          <p:cNvSpPr>
+            <a:spLocks noGrp="1"/>
+          </p:cNvSpPr>
+          <p:nvPr>
+            <p:ph type="title"/>
+          </p:nvPr>
+        </p:nvSpPr>
+        <p:spPr>
+          <a:xfrm>
+            <a:off x="1066800" y="499981"/>
+            <a:ext cx="10058400" cy="1371600"/>
+          </a:xfrm>
+        </p:spPr>
+        <p:txBody>
+          <a:bodyPr/>
+          <a:lstStyle/>
+          <a:p>
+            <a:r>
+              <a:rPr lang="en-US"/>
+              <a:t>FlexBox: Order</a:t>
+            </a:r>
+          </a:p>
+        </p:txBody>
+      </p:sp>
+      <p:sp>
+        <p:nvSpPr>
+          <p:cNvPr id="3" name="Content Placeholder 2">
+            <a:extLst>
+              <a:ext uri="{FF2B5EF4-FFF2-40B4-BE49-F238E27FC236}">
+                <a16:creationId xmlns:a16="http://schemas.microsoft.com/office/drawing/2014/main" id="{51E5F178-99E4-44C3-BB4A-01DAC6A79FA1}"/>
+              </a:ext>
+            </a:extLst>
+          </p:cNvPr>
+          <p:cNvSpPr>
+            <a:spLocks noGrp="1"/>
+          </p:cNvSpPr>
+          <p:nvPr>
+            <p:ph idx="1"/>
+          </p:nvPr>
+        </p:nvSpPr>
+        <p:spPr>
+          <a:xfrm>
+            <a:off x="1066800" y="1613140"/>
+            <a:ext cx="6671094" cy="3896144"/>
+          </a:xfrm>
+        </p:spPr>
+        <p:txBody>
+          <a:bodyPr>
+            <a:noAutofit/>
+          </a:bodyPr>
+          <a:lstStyle/>
+          <a:p>
+            <a:pPr marL="274320" lvl="1" indent="0">
+              <a:buNone/>
+            </a:pPr>
+            <a:r>
+              <a:rPr lang="en-US" sz="1600">
+                <a:latin typeface="Consolas" panose="020B0609020204030204" pitchFamily="49" charset="0"/>
+              </a:rPr>
+              <a:t>order-0</a:t>
+            </a:r>
+          </a:p>
+          <a:p>
+            <a:pPr marL="274320" lvl="1" indent="0">
+              <a:buNone/>
+            </a:pPr>
+            <a:r>
+              <a:rPr lang="en-US" sz="1600">
+                <a:latin typeface="Consolas" panose="020B0609020204030204" pitchFamily="49" charset="0"/>
+              </a:rPr>
+              <a:t>order-1</a:t>
+            </a:r>
+          </a:p>
+          <a:p>
+            <a:pPr marL="274320" lvl="1" indent="0">
+              <a:buNone/>
+            </a:pPr>
+            <a:r>
+              <a:rPr lang="en-US" sz="1600">
+                <a:latin typeface="Consolas" panose="020B0609020204030204" pitchFamily="49" charset="0"/>
+              </a:rPr>
+              <a:t>order-2</a:t>
+            </a:r>
+          </a:p>
+          <a:p>
+            <a:pPr marL="274320" lvl="1" indent="0">
+              <a:buNone/>
+            </a:pPr>
+            <a:r>
+              <a:rPr lang="en-US" sz="1600">
+                <a:latin typeface="Consolas" panose="020B0609020204030204" pitchFamily="49" charset="0"/>
+              </a:rPr>
+              <a:t>order-3</a:t>
+            </a:r>
+          </a:p>
+          <a:p>
+            <a:pPr marL="274320" lvl="1" indent="0">
+              <a:buNone/>
+            </a:pPr>
+            <a:r>
+              <a:rPr lang="en-US" sz="1600">
+                <a:latin typeface="Consolas" panose="020B0609020204030204" pitchFamily="49" charset="0"/>
+              </a:rPr>
+              <a:t>order-4</a:t>
+            </a:r>
+          </a:p>
+          <a:p>
+            <a:pPr marL="274320" lvl="1" indent="0">
+              <a:buNone/>
+            </a:pPr>
+            <a:r>
+              <a:rPr lang="en-US" sz="1600">
+                <a:latin typeface="Consolas" panose="020B0609020204030204" pitchFamily="49" charset="0"/>
+              </a:rPr>
+              <a:t>order-5</a:t>
+            </a:r>
+          </a:p>
+          <a:p>
+            <a:pPr marL="274320" lvl="1" indent="0">
+              <a:buNone/>
+            </a:pPr>
+            <a:r>
+              <a:rPr lang="en-US" sz="1600">
+                <a:latin typeface="Consolas" panose="020B0609020204030204" pitchFamily="49" charset="0"/>
+              </a:rPr>
+              <a:t>order-6</a:t>
+            </a:r>
+          </a:p>
+          <a:p>
+            <a:pPr marL="274320" lvl="1" indent="0">
+              <a:buNone/>
+            </a:pPr>
+            <a:r>
+              <a:rPr lang="en-US" sz="1600">
+                <a:latin typeface="Consolas" panose="020B0609020204030204" pitchFamily="49" charset="0"/>
+              </a:rPr>
+              <a:t>order-7</a:t>
+            </a:r>
+          </a:p>
+          <a:p>
+            <a:pPr marL="274320" lvl="1" indent="0">
+              <a:buNone/>
+            </a:pPr>
+            <a:r>
+              <a:rPr lang="en-US" sz="1600">
+                <a:latin typeface="Consolas" panose="020B0609020204030204" pitchFamily="49" charset="0"/>
+              </a:rPr>
+              <a:t>order-10</a:t>
+            </a:r>
+          </a:p>
+          <a:p>
+            <a:pPr marL="274320" lvl="1" indent="0">
+              <a:buNone/>
+            </a:pPr>
+            <a:r>
+              <a:rPr lang="en-US" sz="1600">
+                <a:latin typeface="Consolas" panose="020B0609020204030204" pitchFamily="49" charset="0"/>
+              </a:rPr>
+              <a:t>order-11</a:t>
+            </a:r>
+          </a:p>
+          <a:p>
+            <a:pPr marL="274320" lvl="1" indent="0">
+              <a:buNone/>
+            </a:pPr>
+            <a:r>
+              <a:rPr lang="en-US" sz="1600">
+                <a:latin typeface="Consolas" panose="020B0609020204030204" pitchFamily="49" charset="0"/>
+              </a:rPr>
+              <a:t>order-12</a:t>
+            </a:r>
+          </a:p>
+          <a:p>
+            <a:pPr marL="274320" lvl="1" indent="0">
+              <a:buNone/>
+            </a:pPr>
+            <a:r>
+              <a:rPr lang="en-US" sz="1600">
+                <a:latin typeface="Consolas" panose="020B0609020204030204" pitchFamily="49" charset="0"/>
+              </a:rPr>
+              <a:t>order-</a:t>
+            </a:r>
+            <a:r>
+              <a:rPr lang="en-US" sz="1600">
+                <a:highlight>
+                  <a:srgbClr val="FCF7F1"/>
+                </a:highlight>
+                <a:latin typeface="Consolas" panose="020B0609020204030204" pitchFamily="49" charset="0"/>
+              </a:rPr>
+              <a:t>{breakpoint}</a:t>
+            </a:r>
+            <a:r>
+              <a:rPr lang="en-US" sz="1600">
+                <a:latin typeface="Consolas" panose="020B0609020204030204" pitchFamily="49" charset="0"/>
+              </a:rPr>
+              <a:t>-</a:t>
+            </a:r>
+            <a:r>
+              <a:rPr lang="en-US" sz="1600">
+                <a:highlight>
+                  <a:srgbClr val="FCF7F1"/>
+                </a:highlight>
+                <a:latin typeface="Consolas" panose="020B0609020204030204" pitchFamily="49" charset="0"/>
+              </a:rPr>
+              <a:t>{order}</a:t>
+            </a:r>
+          </a:p>
+        </p:txBody>
+      </p:sp>
+      <p:sp>
+        <p:nvSpPr>
+          <p:cNvPr id="4" name="Rectangle 3">
+            <a:extLst>
+              <a:ext uri="{FF2B5EF4-FFF2-40B4-BE49-F238E27FC236}">
+                <a16:creationId xmlns:a16="http://schemas.microsoft.com/office/drawing/2014/main" id="{E75B4369-FDCF-4679-B655-8685367E3326}"/>
+              </a:ext>
+            </a:extLst>
+          </p:cNvPr>
+          <p:cNvSpPr/>
+          <p:nvPr/>
+        </p:nvSpPr>
+        <p:spPr>
+          <a:xfrm>
+            <a:off x="1066800" y="5578296"/>
+            <a:ext cx="10058400" cy="861774"/>
+          </a:xfrm>
+          <a:prstGeom prst="rect">
+            <a:avLst/>
+          </a:prstGeom>
+        </p:spPr>
+        <p:txBody>
+          <a:bodyPr wrap="square">
+            <a:spAutoFit/>
+          </a:bodyPr>
+          <a:lstStyle/>
+          <a:p>
+            <a:r>
+              <a:rPr lang="en-US" sz="1600" b="1"/>
+              <a:t>Sources</a:t>
+            </a:r>
+          </a:p>
+          <a:p>
+            <a:r>
+              <a:rPr lang="en-US" sz="1600">
+                <a:hlinkClick r:id="rId2"/>
+              </a:rPr>
+              <a:t>https://getbootstrap.com/docs/4.5/utilities/flex/#order</a:t>
+            </a:r>
+            <a:endParaRPr lang="en-US" sz="1600"/>
+          </a:p>
+          <a:p>
+            <a:r>
+              <a:rPr lang="en-US" sz="1600">
+                <a:hlinkClick r:id="rId3"/>
+              </a:rPr>
+              <a:t>https://css-tricks.com/snippets/css/a-guide-to-flexbox/</a:t>
+            </a:r>
+            <a:endParaRPr lang="en-US" sz="1600">
+              <a:solidFill>
+                <a:srgbClr val="00B0F0"/>
+              </a:solidFill>
+            </a:endParaRPr>
+          </a:p>
+        </p:txBody>
+      </p:sp>
+      <p:pic>
+        <p:nvPicPr>
+          <p:cNvPr id="6" name="Picture 5">
+            <a:extLst>
+              <a:ext uri="{FF2B5EF4-FFF2-40B4-BE49-F238E27FC236}">
+                <a16:creationId xmlns:a16="http://schemas.microsoft.com/office/drawing/2014/main" id="{1B61EE1D-4CAA-414D-9447-8B74EDB2D7F1}"/>
+              </a:ext>
+            </a:extLst>
+          </p:cNvPr>
+          <p:cNvPicPr>
+            <a:picLocks noChangeAspect="1"/>
+          </p:cNvPicPr>
+          <p:nvPr/>
+        </p:nvPicPr>
+        <p:blipFill>
+          <a:blip r:embed="rId4"/>
+          <a:stretch>
+            <a:fillRect/>
+          </a:stretch>
+        </p:blipFill>
+        <p:spPr>
+          <a:xfrm>
+            <a:off x="7864415" y="2686858"/>
+            <a:ext cx="3657600" cy="3571875"/>
+          </a:xfrm>
+          <a:prstGeom prst="rect">
+            <a:avLst/>
+          </a:prstGeom>
+        </p:spPr>
+      </p:pic>
+    </p:spTree>
+    <p:extLst>
+      <p:ext uri="{BB962C8B-B14F-4D97-AF65-F5344CB8AC3E}">
+        <p14:creationId xmlns:p14="http://schemas.microsoft.com/office/powerpoint/2010/main" val="1227804387"/>
       </p:ext>
     </p:extLst>
   </p:cSld>
@@ -13751,6 +17323,857 @@
     <p:extLst>
       <p:ext uri="{BB962C8B-B14F-4D97-AF65-F5344CB8AC3E}">
         <p14:creationId xmlns:p14="http://schemas.microsoft.com/office/powerpoint/2010/main" val="183243182"/>
+      </p:ext>
+    </p:extLst>
+  </p:cSld>
+  <p:clrMapOvr>
+    <a:masterClrMapping/>
+  </p:clrMapOvr>
+</p:sld>
+</file>
+
+<file path=ppt/slides/slide40.xml><?xml version="1.0" encoding="utf-8"?>
+<p:sld xmlns:a="http://schemas.openxmlformats.org/drawingml/2006/main" xmlns:r="http://schemas.openxmlformats.org/officeDocument/2006/relationships" xmlns:p="http://schemas.openxmlformats.org/presentationml/2006/main">
+  <p:cSld>
+    <p:spTree>
+      <p:nvGrpSpPr>
+        <p:cNvPr id="1" name=""/>
+        <p:cNvGrpSpPr/>
+        <p:nvPr/>
+      </p:nvGrpSpPr>
+      <p:grpSpPr>
+        <a:xfrm>
+          <a:off x="0" y="0"/>
+          <a:ext cx="0" cy="0"/>
+          <a:chOff x="0" y="0"/>
+          <a:chExt cx="0" cy="0"/>
+        </a:xfrm>
+      </p:grpSpPr>
+      <p:sp>
+        <p:nvSpPr>
+          <p:cNvPr id="2" name="Title 1">
+            <a:extLst>
+              <a:ext uri="{FF2B5EF4-FFF2-40B4-BE49-F238E27FC236}">
+                <a16:creationId xmlns:a16="http://schemas.microsoft.com/office/drawing/2014/main" id="{408FE2A1-E146-4873-B428-191D3B09654D}"/>
+              </a:ext>
+            </a:extLst>
+          </p:cNvPr>
+          <p:cNvSpPr>
+            <a:spLocks noGrp="1"/>
+          </p:cNvSpPr>
+          <p:nvPr>
+            <p:ph type="title"/>
+          </p:nvPr>
+        </p:nvSpPr>
+        <p:spPr>
+          <a:xfrm>
+            <a:off x="1066800" y="499981"/>
+            <a:ext cx="10058400" cy="1371600"/>
+          </a:xfrm>
+        </p:spPr>
+        <p:txBody>
+          <a:bodyPr/>
+          <a:lstStyle/>
+          <a:p>
+            <a:r>
+              <a:rPr lang="en-US"/>
+              <a:t>FlexBox: Wrap</a:t>
+            </a:r>
+          </a:p>
+        </p:txBody>
+      </p:sp>
+      <p:sp>
+        <p:nvSpPr>
+          <p:cNvPr id="3" name="Content Placeholder 2">
+            <a:extLst>
+              <a:ext uri="{FF2B5EF4-FFF2-40B4-BE49-F238E27FC236}">
+                <a16:creationId xmlns:a16="http://schemas.microsoft.com/office/drawing/2014/main" id="{51E5F178-99E4-44C3-BB4A-01DAC6A79FA1}"/>
+              </a:ext>
+            </a:extLst>
+          </p:cNvPr>
+          <p:cNvSpPr>
+            <a:spLocks noGrp="1"/>
+          </p:cNvSpPr>
+          <p:nvPr>
+            <p:ph idx="1"/>
+          </p:nvPr>
+        </p:nvSpPr>
+        <p:spPr>
+          <a:xfrm>
+            <a:off x="1066800" y="1692059"/>
+            <a:ext cx="10058400" cy="3849624"/>
+          </a:xfrm>
+        </p:spPr>
+        <p:txBody>
+          <a:bodyPr>
+            <a:normAutofit/>
+          </a:bodyPr>
+          <a:lstStyle/>
+          <a:p>
+            <a:pPr marL="274320" lvl="1" indent="0">
+              <a:buNone/>
+            </a:pPr>
+            <a:r>
+              <a:rPr lang="en-US" sz="1800">
+                <a:latin typeface="Consolas" panose="020B0609020204030204" pitchFamily="49" charset="0"/>
+              </a:rPr>
+              <a:t>flex-nowrap</a:t>
+            </a:r>
+          </a:p>
+          <a:p>
+            <a:pPr marL="274320" lvl="1" indent="0">
+              <a:buNone/>
+            </a:pPr>
+            <a:r>
+              <a:rPr lang="en-US" sz="1800">
+                <a:latin typeface="Consolas" panose="020B0609020204030204" pitchFamily="49" charset="0"/>
+              </a:rPr>
+              <a:t>flex-wrap</a:t>
+            </a:r>
+          </a:p>
+          <a:p>
+            <a:pPr marL="274320" lvl="1" indent="0">
+              <a:buNone/>
+            </a:pPr>
+            <a:r>
+              <a:rPr lang="en-US" sz="1800">
+                <a:latin typeface="Consolas" panose="020B0609020204030204" pitchFamily="49" charset="0"/>
+              </a:rPr>
+              <a:t>flex-wrap-reverse</a:t>
+            </a:r>
+          </a:p>
+          <a:p>
+            <a:pPr marL="274320" lvl="1" indent="0">
+              <a:buNone/>
+            </a:pPr>
+            <a:r>
+              <a:rPr lang="en-US" sz="1800">
+                <a:latin typeface="Consolas" panose="020B0609020204030204" pitchFamily="49" charset="0"/>
+              </a:rPr>
+              <a:t>flex-</a:t>
+            </a:r>
+            <a:r>
+              <a:rPr lang="en-US" sz="1800">
+                <a:highlight>
+                  <a:srgbClr val="FCF7F1"/>
+                </a:highlight>
+                <a:latin typeface="Consolas" panose="020B0609020204030204" pitchFamily="49" charset="0"/>
+              </a:rPr>
+              <a:t>{breakpoint}</a:t>
+            </a:r>
+            <a:r>
+              <a:rPr lang="en-US" sz="1800">
+                <a:latin typeface="Consolas" panose="020B0609020204030204" pitchFamily="49" charset="0"/>
+              </a:rPr>
+              <a:t>-</a:t>
+            </a:r>
+            <a:r>
+              <a:rPr lang="en-US" sz="1800">
+                <a:highlight>
+                  <a:srgbClr val="FCF7F1"/>
+                </a:highlight>
+                <a:latin typeface="Consolas" panose="020B0609020204030204" pitchFamily="49" charset="0"/>
+              </a:rPr>
+              <a:t>{wrap}</a:t>
+            </a:r>
+          </a:p>
+          <a:p>
+            <a:pPr marL="274320" lvl="1" indent="0">
+              <a:buNone/>
+            </a:pPr>
+            <a:endParaRPr lang="en-US" sz="1800">
+              <a:latin typeface="Consolas" panose="020B0609020204030204" pitchFamily="49" charset="0"/>
+            </a:endParaRPr>
+          </a:p>
+          <a:p>
+            <a:pPr marL="274320" lvl="1" indent="0">
+              <a:buNone/>
+            </a:pPr>
+            <a:endParaRPr lang="en-US" sz="1800">
+              <a:latin typeface="Consolas" panose="020B0609020204030204" pitchFamily="49" charset="0"/>
+            </a:endParaRPr>
+          </a:p>
+          <a:p>
+            <a:pPr marL="274320" lvl="1" indent="0">
+              <a:buNone/>
+            </a:pPr>
+            <a:endParaRPr lang="en-US" sz="1800">
+              <a:latin typeface="Consolas" panose="020B0609020204030204" pitchFamily="49" charset="0"/>
+            </a:endParaRPr>
+          </a:p>
+          <a:p>
+            <a:pPr marL="274320" lvl="1" indent="0">
+              <a:buNone/>
+            </a:pPr>
+            <a:endParaRPr lang="en-US" sz="1800">
+              <a:latin typeface="Consolas" panose="020B0609020204030204" pitchFamily="49" charset="0"/>
+            </a:endParaRPr>
+          </a:p>
+        </p:txBody>
+      </p:sp>
+      <p:sp>
+        <p:nvSpPr>
+          <p:cNvPr id="4" name="Rectangle 3">
+            <a:extLst>
+              <a:ext uri="{FF2B5EF4-FFF2-40B4-BE49-F238E27FC236}">
+                <a16:creationId xmlns:a16="http://schemas.microsoft.com/office/drawing/2014/main" id="{E75B4369-FDCF-4679-B655-8685367E3326}"/>
+              </a:ext>
+            </a:extLst>
+          </p:cNvPr>
+          <p:cNvSpPr/>
+          <p:nvPr/>
+        </p:nvSpPr>
+        <p:spPr>
+          <a:xfrm>
+            <a:off x="1066800" y="5578296"/>
+            <a:ext cx="10058400" cy="861774"/>
+          </a:xfrm>
+          <a:prstGeom prst="rect">
+            <a:avLst/>
+          </a:prstGeom>
+        </p:spPr>
+        <p:txBody>
+          <a:bodyPr wrap="square">
+            <a:spAutoFit/>
+          </a:bodyPr>
+          <a:lstStyle/>
+          <a:p>
+            <a:r>
+              <a:rPr lang="en-US" sz="1600" b="1"/>
+              <a:t>Sources</a:t>
+            </a:r>
+          </a:p>
+          <a:p>
+            <a:r>
+              <a:rPr lang="en-US" sz="1600">
+                <a:hlinkClick r:id="rId2"/>
+              </a:rPr>
+              <a:t>https://getbootstrap.com/docs/4.5/utilities/flex/#wrap</a:t>
+            </a:r>
+            <a:endParaRPr lang="en-US" sz="1600"/>
+          </a:p>
+          <a:p>
+            <a:r>
+              <a:rPr lang="en-US" sz="1600">
+                <a:hlinkClick r:id="rId3"/>
+              </a:rPr>
+              <a:t>https://css-tricks.com/snippets/css/a-guide-to-flexbox/</a:t>
+            </a:r>
+            <a:endParaRPr lang="en-US" sz="1600">
+              <a:solidFill>
+                <a:srgbClr val="00B0F0"/>
+              </a:solidFill>
+            </a:endParaRPr>
+          </a:p>
+        </p:txBody>
+      </p:sp>
+      <p:pic>
+        <p:nvPicPr>
+          <p:cNvPr id="6" name="Picture 5">
+            <a:extLst>
+              <a:ext uri="{FF2B5EF4-FFF2-40B4-BE49-F238E27FC236}">
+                <a16:creationId xmlns:a16="http://schemas.microsoft.com/office/drawing/2014/main" id="{8BCE1F37-7B34-43AD-ABC7-549460303D91}"/>
+              </a:ext>
+            </a:extLst>
+          </p:cNvPr>
+          <p:cNvPicPr>
+            <a:picLocks noChangeAspect="1"/>
+          </p:cNvPicPr>
+          <p:nvPr/>
+        </p:nvPicPr>
+        <p:blipFill>
+          <a:blip r:embed="rId4"/>
+          <a:stretch>
+            <a:fillRect/>
+          </a:stretch>
+        </p:blipFill>
+        <p:spPr>
+          <a:xfrm>
+            <a:off x="7391400" y="3120846"/>
+            <a:ext cx="3733800" cy="2457450"/>
+          </a:xfrm>
+          <a:prstGeom prst="rect">
+            <a:avLst/>
+          </a:prstGeom>
+        </p:spPr>
+      </p:pic>
+    </p:spTree>
+    <p:extLst>
+      <p:ext uri="{BB962C8B-B14F-4D97-AF65-F5344CB8AC3E}">
+        <p14:creationId xmlns:p14="http://schemas.microsoft.com/office/powerpoint/2010/main" val="2932050439"/>
+      </p:ext>
+    </p:extLst>
+  </p:cSld>
+  <p:clrMapOvr>
+    <a:masterClrMapping/>
+  </p:clrMapOvr>
+</p:sld>
+</file>
+
+<file path=ppt/slides/slide41.xml><?xml version="1.0" encoding="utf-8"?>
+<p:sld xmlns:a="http://schemas.openxmlformats.org/drawingml/2006/main" xmlns:r="http://schemas.openxmlformats.org/officeDocument/2006/relationships" xmlns:p="http://schemas.openxmlformats.org/presentationml/2006/main">
+  <p:cSld>
+    <p:spTree>
+      <p:nvGrpSpPr>
+        <p:cNvPr id="1" name=""/>
+        <p:cNvGrpSpPr/>
+        <p:nvPr/>
+      </p:nvGrpSpPr>
+      <p:grpSpPr>
+        <a:xfrm>
+          <a:off x="0" y="0"/>
+          <a:ext cx="0" cy="0"/>
+          <a:chOff x="0" y="0"/>
+          <a:chExt cx="0" cy="0"/>
+        </a:xfrm>
+      </p:grpSpPr>
+      <p:sp>
+        <p:nvSpPr>
+          <p:cNvPr id="2" name="Title 1">
+            <a:extLst>
+              <a:ext uri="{FF2B5EF4-FFF2-40B4-BE49-F238E27FC236}">
+                <a16:creationId xmlns:a16="http://schemas.microsoft.com/office/drawing/2014/main" id="{408FE2A1-E146-4873-B428-191D3B09654D}"/>
+              </a:ext>
+            </a:extLst>
+          </p:cNvPr>
+          <p:cNvSpPr>
+            <a:spLocks noGrp="1"/>
+          </p:cNvSpPr>
+          <p:nvPr>
+            <p:ph type="title"/>
+          </p:nvPr>
+        </p:nvSpPr>
+        <p:spPr>
+          <a:xfrm>
+            <a:off x="1066800" y="499981"/>
+            <a:ext cx="7568242" cy="1371600"/>
+          </a:xfrm>
+        </p:spPr>
+        <p:txBody>
+          <a:bodyPr/>
+          <a:lstStyle/>
+          <a:p>
+            <a:r>
+              <a:rPr lang="en-US"/>
+              <a:t>FlexBox: Align Content</a:t>
+            </a:r>
+          </a:p>
+        </p:txBody>
+      </p:sp>
+      <p:sp>
+        <p:nvSpPr>
+          <p:cNvPr id="3" name="Content Placeholder 2">
+            <a:extLst>
+              <a:ext uri="{FF2B5EF4-FFF2-40B4-BE49-F238E27FC236}">
+                <a16:creationId xmlns:a16="http://schemas.microsoft.com/office/drawing/2014/main" id="{51E5F178-99E4-44C3-BB4A-01DAC6A79FA1}"/>
+              </a:ext>
+            </a:extLst>
+          </p:cNvPr>
+          <p:cNvSpPr>
+            <a:spLocks noGrp="1"/>
+          </p:cNvSpPr>
+          <p:nvPr>
+            <p:ph idx="1"/>
+          </p:nvPr>
+        </p:nvSpPr>
+        <p:spPr>
+          <a:xfrm>
+            <a:off x="1066801" y="1692059"/>
+            <a:ext cx="7568242" cy="3849624"/>
+          </a:xfrm>
+        </p:spPr>
+        <p:txBody>
+          <a:bodyPr>
+            <a:normAutofit/>
+          </a:bodyPr>
+          <a:lstStyle/>
+          <a:p>
+            <a:pPr marL="0" indent="0">
+              <a:buNone/>
+            </a:pPr>
+            <a:r>
+              <a:rPr lang="en-US" sz="1800" b="1">
+                <a:highlight>
+                  <a:srgbClr val="F8D22F"/>
+                </a:highlight>
+              </a:rPr>
+              <a:t>Heads Up!</a:t>
+            </a:r>
+            <a:r>
+              <a:rPr lang="en-US" sz="1800">
+                <a:highlight>
+                  <a:srgbClr val="F8D22F"/>
+                </a:highlight>
+              </a:rPr>
+              <a:t> This property has no effect on single rows of flex items.</a:t>
+            </a:r>
+          </a:p>
+          <a:p>
+            <a:pPr marL="0" indent="0">
+              <a:buNone/>
+            </a:pPr>
+            <a:endParaRPr lang="en-US" sz="1800"/>
+          </a:p>
+          <a:p>
+            <a:pPr marL="274320" lvl="1" indent="0">
+              <a:buNone/>
+            </a:pPr>
+            <a:r>
+              <a:rPr lang="en-US" sz="1800">
+                <a:latin typeface="Consolas" panose="020B0609020204030204" pitchFamily="49" charset="0"/>
+              </a:rPr>
+              <a:t>align-content-start</a:t>
+            </a:r>
+          </a:p>
+          <a:p>
+            <a:pPr marL="274320" lvl="1" indent="0">
+              <a:buNone/>
+            </a:pPr>
+            <a:r>
+              <a:rPr lang="en-US" sz="1800">
+                <a:latin typeface="Consolas" panose="020B0609020204030204" pitchFamily="49" charset="0"/>
+              </a:rPr>
+              <a:t>align-content-end</a:t>
+            </a:r>
+          </a:p>
+          <a:p>
+            <a:pPr marL="274320" lvl="1" indent="0">
+              <a:buNone/>
+            </a:pPr>
+            <a:r>
+              <a:rPr lang="en-US" sz="1800">
+                <a:latin typeface="Consolas" panose="020B0609020204030204" pitchFamily="49" charset="0"/>
+              </a:rPr>
+              <a:t>align-content-center</a:t>
+            </a:r>
+          </a:p>
+          <a:p>
+            <a:pPr marL="274320" lvl="1" indent="0">
+              <a:buNone/>
+            </a:pPr>
+            <a:r>
+              <a:rPr lang="en-US" sz="1800">
+                <a:latin typeface="Consolas" panose="020B0609020204030204" pitchFamily="49" charset="0"/>
+              </a:rPr>
+              <a:t>align-content-stretch</a:t>
+            </a:r>
+          </a:p>
+          <a:p>
+            <a:pPr marL="274320" lvl="1" indent="0">
+              <a:buNone/>
+            </a:pPr>
+            <a:r>
+              <a:rPr lang="en-US" sz="1800">
+                <a:latin typeface="Consolas" panose="020B0609020204030204" pitchFamily="49" charset="0"/>
+              </a:rPr>
+              <a:t>align-content-between</a:t>
+            </a:r>
+          </a:p>
+          <a:p>
+            <a:pPr marL="274320" lvl="1" indent="0">
+              <a:buNone/>
+            </a:pPr>
+            <a:r>
+              <a:rPr lang="en-US" sz="1800">
+                <a:latin typeface="Consolas" panose="020B0609020204030204" pitchFamily="49" charset="0"/>
+              </a:rPr>
+              <a:t>align-content-around</a:t>
+            </a:r>
+          </a:p>
+          <a:p>
+            <a:pPr marL="274320" lvl="1" indent="0">
+              <a:buNone/>
+            </a:pPr>
+            <a:r>
+              <a:rPr lang="en-US" sz="1800">
+                <a:latin typeface="Consolas" panose="020B0609020204030204" pitchFamily="49" charset="0"/>
+              </a:rPr>
+              <a:t>align-content-</a:t>
+            </a:r>
+            <a:r>
+              <a:rPr lang="en-US" sz="1800">
+                <a:highlight>
+                  <a:srgbClr val="FCF7F1"/>
+                </a:highlight>
+                <a:latin typeface="Consolas" panose="020B0609020204030204" pitchFamily="49" charset="0"/>
+              </a:rPr>
+              <a:t>{breakpoint}</a:t>
+            </a:r>
+            <a:r>
+              <a:rPr lang="en-US" sz="1800">
+                <a:latin typeface="Consolas" panose="020B0609020204030204" pitchFamily="49" charset="0"/>
+              </a:rPr>
+              <a:t>-</a:t>
+            </a:r>
+            <a:r>
+              <a:rPr lang="en-US" sz="1800">
+                <a:highlight>
+                  <a:srgbClr val="FCF7F1"/>
+                </a:highlight>
+                <a:latin typeface="Consolas" panose="020B0609020204030204" pitchFamily="49" charset="0"/>
+              </a:rPr>
+              <a:t>{align}</a:t>
+            </a:r>
+          </a:p>
+          <a:p>
+            <a:pPr marL="274320" lvl="1" indent="0">
+              <a:buNone/>
+            </a:pPr>
+            <a:endParaRPr lang="en-US" sz="1800">
+              <a:latin typeface="Consolas" panose="020B0609020204030204" pitchFamily="49" charset="0"/>
+            </a:endParaRPr>
+          </a:p>
+          <a:p>
+            <a:pPr marL="274320" lvl="1" indent="0">
+              <a:buNone/>
+            </a:pPr>
+            <a:endParaRPr lang="en-US" sz="1800">
+              <a:latin typeface="Consolas" panose="020B0609020204030204" pitchFamily="49" charset="0"/>
+            </a:endParaRPr>
+          </a:p>
+          <a:p>
+            <a:pPr marL="274320" lvl="1" indent="0">
+              <a:buNone/>
+            </a:pPr>
+            <a:endParaRPr lang="en-US" sz="1800">
+              <a:latin typeface="Consolas" panose="020B0609020204030204" pitchFamily="49" charset="0"/>
+            </a:endParaRPr>
+          </a:p>
+          <a:p>
+            <a:pPr marL="274320" lvl="1" indent="0">
+              <a:buNone/>
+            </a:pPr>
+            <a:endParaRPr lang="en-US" sz="1800">
+              <a:latin typeface="Consolas" panose="020B0609020204030204" pitchFamily="49" charset="0"/>
+            </a:endParaRPr>
+          </a:p>
+        </p:txBody>
+      </p:sp>
+      <p:sp>
+        <p:nvSpPr>
+          <p:cNvPr id="4" name="Rectangle 3">
+            <a:extLst>
+              <a:ext uri="{FF2B5EF4-FFF2-40B4-BE49-F238E27FC236}">
+                <a16:creationId xmlns:a16="http://schemas.microsoft.com/office/drawing/2014/main" id="{E75B4369-FDCF-4679-B655-8685367E3326}"/>
+              </a:ext>
+            </a:extLst>
+          </p:cNvPr>
+          <p:cNvSpPr/>
+          <p:nvPr/>
+        </p:nvSpPr>
+        <p:spPr>
+          <a:xfrm>
+            <a:off x="1066800" y="5578296"/>
+            <a:ext cx="10058400" cy="861774"/>
+          </a:xfrm>
+          <a:prstGeom prst="rect">
+            <a:avLst/>
+          </a:prstGeom>
+        </p:spPr>
+        <p:txBody>
+          <a:bodyPr wrap="square">
+            <a:spAutoFit/>
+          </a:bodyPr>
+          <a:lstStyle/>
+          <a:p>
+            <a:r>
+              <a:rPr lang="en-US" sz="1600" b="1"/>
+              <a:t>Sources</a:t>
+            </a:r>
+          </a:p>
+          <a:p>
+            <a:r>
+              <a:rPr lang="en-US" sz="1600">
+                <a:hlinkClick r:id="rId2"/>
+              </a:rPr>
+              <a:t>https://getbootstrap.com/docs/4.5/utilities/flex/#align-content</a:t>
+            </a:r>
+            <a:endParaRPr lang="en-US" sz="1600"/>
+          </a:p>
+          <a:p>
+            <a:r>
+              <a:rPr lang="en-US" sz="1600">
+                <a:hlinkClick r:id="rId3"/>
+              </a:rPr>
+              <a:t>https://css-tricks.com/snippets/css/a-guide-to-flexbox/</a:t>
+            </a:r>
+            <a:endParaRPr lang="en-US" sz="1600">
+              <a:solidFill>
+                <a:srgbClr val="00B0F0"/>
+              </a:solidFill>
+            </a:endParaRPr>
+          </a:p>
+        </p:txBody>
+      </p:sp>
+      <p:pic>
+        <p:nvPicPr>
+          <p:cNvPr id="6" name="Picture 5">
+            <a:extLst>
+              <a:ext uri="{FF2B5EF4-FFF2-40B4-BE49-F238E27FC236}">
+                <a16:creationId xmlns:a16="http://schemas.microsoft.com/office/drawing/2014/main" id="{8BCE1F37-7B34-43AD-ABC7-549460303D91}"/>
+              </a:ext>
+            </a:extLst>
+          </p:cNvPr>
+          <p:cNvPicPr>
+            <a:picLocks noChangeAspect="1"/>
+          </p:cNvPicPr>
+          <p:nvPr/>
+        </p:nvPicPr>
+        <p:blipFill>
+          <a:blip r:embed="rId4"/>
+          <a:stretch>
+            <a:fillRect/>
+          </a:stretch>
+        </p:blipFill>
+        <p:spPr>
+          <a:xfrm>
+            <a:off x="8761123" y="577969"/>
+            <a:ext cx="2719302" cy="1789745"/>
+          </a:xfrm>
+          <a:prstGeom prst="rect">
+            <a:avLst/>
+          </a:prstGeom>
+        </p:spPr>
+      </p:pic>
+      <p:pic>
+        <p:nvPicPr>
+          <p:cNvPr id="5" name="Picture 4">
+            <a:extLst>
+              <a:ext uri="{FF2B5EF4-FFF2-40B4-BE49-F238E27FC236}">
+                <a16:creationId xmlns:a16="http://schemas.microsoft.com/office/drawing/2014/main" id="{E2C63654-4886-40ED-821F-F14ABEA2DFF1}"/>
+              </a:ext>
+            </a:extLst>
+          </p:cNvPr>
+          <p:cNvPicPr>
+            <a:picLocks noChangeAspect="1"/>
+          </p:cNvPicPr>
+          <p:nvPr/>
+        </p:nvPicPr>
+        <p:blipFill>
+          <a:blip r:embed="rId5"/>
+          <a:stretch>
+            <a:fillRect/>
+          </a:stretch>
+        </p:blipFill>
+        <p:spPr>
+          <a:xfrm>
+            <a:off x="8783592" y="2508395"/>
+            <a:ext cx="2696833" cy="3849624"/>
+          </a:xfrm>
+          <a:prstGeom prst="rect">
+            <a:avLst/>
+          </a:prstGeom>
+        </p:spPr>
+      </p:pic>
+    </p:spTree>
+    <p:extLst>
+      <p:ext uri="{BB962C8B-B14F-4D97-AF65-F5344CB8AC3E}">
+        <p14:creationId xmlns:p14="http://schemas.microsoft.com/office/powerpoint/2010/main" val="3584013251"/>
+      </p:ext>
+    </p:extLst>
+  </p:cSld>
+  <p:clrMapOvr>
+    <a:masterClrMapping/>
+  </p:clrMapOvr>
+</p:sld>
+</file>
+
+<file path=ppt/slides/slide42.xml><?xml version="1.0" encoding="utf-8"?>
+<p:sld xmlns:a="http://schemas.openxmlformats.org/drawingml/2006/main" xmlns:r="http://schemas.openxmlformats.org/officeDocument/2006/relationships" xmlns:p="http://schemas.openxmlformats.org/presentationml/2006/main">
+  <p:cSld>
+    <p:spTree>
+      <p:nvGrpSpPr>
+        <p:cNvPr id="1" name=""/>
+        <p:cNvGrpSpPr/>
+        <p:nvPr/>
+      </p:nvGrpSpPr>
+      <p:grpSpPr>
+        <a:xfrm>
+          <a:off x="0" y="0"/>
+          <a:ext cx="0" cy="0"/>
+          <a:chOff x="0" y="0"/>
+          <a:chExt cx="0" cy="0"/>
+        </a:xfrm>
+      </p:grpSpPr>
+      <p:sp>
+        <p:nvSpPr>
+          <p:cNvPr id="4" name="Title 3">
+            <a:extLst>
+              <a:ext uri="{FF2B5EF4-FFF2-40B4-BE49-F238E27FC236}">
+                <a16:creationId xmlns:a16="http://schemas.microsoft.com/office/drawing/2014/main" id="{D913CA2B-54FC-4251-929C-30D12DF981FA}"/>
+              </a:ext>
+            </a:extLst>
+          </p:cNvPr>
+          <p:cNvSpPr>
+            <a:spLocks noGrp="1"/>
+          </p:cNvSpPr>
+          <p:nvPr>
+            <p:ph type="title"/>
+          </p:nvPr>
+        </p:nvSpPr>
+        <p:spPr/>
+        <p:txBody>
+          <a:bodyPr/>
+          <a:lstStyle/>
+          <a:p>
+            <a:r>
+              <a:rPr lang="en-US"/>
+              <a:t>Summary</a:t>
+            </a:r>
+          </a:p>
+        </p:txBody>
+      </p:sp>
+    </p:spTree>
+    <p:extLst>
+      <p:ext uri="{BB962C8B-B14F-4D97-AF65-F5344CB8AC3E}">
+        <p14:creationId xmlns:p14="http://schemas.microsoft.com/office/powerpoint/2010/main" val="3893503608"/>
+      </p:ext>
+    </p:extLst>
+  </p:cSld>
+  <p:clrMapOvr>
+    <a:masterClrMapping/>
+  </p:clrMapOvr>
+</p:sld>
+</file>
+
+<file path=ppt/slides/slide43.xml><?xml version="1.0" encoding="utf-8"?>
+<p:sld xmlns:a="http://schemas.openxmlformats.org/drawingml/2006/main" xmlns:r="http://schemas.openxmlformats.org/officeDocument/2006/relationships" xmlns:p="http://schemas.openxmlformats.org/presentationml/2006/main">
+  <p:cSld>
+    <p:spTree>
+      <p:nvGrpSpPr>
+        <p:cNvPr id="1" name=""/>
+        <p:cNvGrpSpPr/>
+        <p:nvPr/>
+      </p:nvGrpSpPr>
+      <p:grpSpPr>
+        <a:xfrm>
+          <a:off x="0" y="0"/>
+          <a:ext cx="0" cy="0"/>
+          <a:chOff x="0" y="0"/>
+          <a:chExt cx="0" cy="0"/>
+        </a:xfrm>
+      </p:grpSpPr>
+      <p:sp>
+        <p:nvSpPr>
+          <p:cNvPr id="2" name="Title 1">
+            <a:extLst>
+              <a:ext uri="{FF2B5EF4-FFF2-40B4-BE49-F238E27FC236}">
+                <a16:creationId xmlns:a16="http://schemas.microsoft.com/office/drawing/2014/main" id="{9D492353-0A11-44B5-A9A7-82709D35C89A}"/>
+              </a:ext>
+            </a:extLst>
+          </p:cNvPr>
+          <p:cNvSpPr>
+            <a:spLocks noGrp="1"/>
+          </p:cNvSpPr>
+          <p:nvPr>
+            <p:ph type="title"/>
+          </p:nvPr>
+        </p:nvSpPr>
+        <p:spPr/>
+        <p:txBody>
+          <a:bodyPr/>
+          <a:lstStyle/>
+          <a:p>
+            <a:r>
+              <a:rPr lang="en-US"/>
+              <a:t>Topics Covered</a:t>
+            </a:r>
+          </a:p>
+        </p:txBody>
+      </p:sp>
+      <p:sp>
+        <p:nvSpPr>
+          <p:cNvPr id="3" name="Content Placeholder 2">
+            <a:extLst>
+              <a:ext uri="{FF2B5EF4-FFF2-40B4-BE49-F238E27FC236}">
+                <a16:creationId xmlns:a16="http://schemas.microsoft.com/office/drawing/2014/main" id="{508B3A5B-725A-4628-89F5-0E9ED5F9C03C}"/>
+              </a:ext>
+            </a:extLst>
+          </p:cNvPr>
+          <p:cNvSpPr>
+            <a:spLocks noGrp="1"/>
+          </p:cNvSpPr>
+          <p:nvPr>
+            <p:ph idx="1"/>
+          </p:nvPr>
+        </p:nvSpPr>
+        <p:spPr>
+          <a:xfrm>
+            <a:off x="1066800" y="1783080"/>
+            <a:ext cx="10058400" cy="3849624"/>
+          </a:xfrm>
+        </p:spPr>
+        <p:txBody>
+          <a:bodyPr>
+            <a:normAutofit/>
+          </a:bodyPr>
+          <a:lstStyle/>
+          <a:p>
+            <a:r>
+              <a:rPr lang="en-US" sz="1800"/>
+              <a:t>History of Bootstrap</a:t>
+            </a:r>
+          </a:p>
+          <a:p>
+            <a:r>
+              <a:rPr lang="en-US" sz="1800"/>
+              <a:t>Key Benefits of Bootstrap</a:t>
+            </a:r>
+          </a:p>
+          <a:p>
+            <a:r>
+              <a:rPr lang="en-US" sz="1800"/>
+              <a:t>How to download/install Bootstrap</a:t>
+            </a:r>
+          </a:p>
+          <a:p>
+            <a:r>
+              <a:rPr lang="en-US" sz="1800"/>
+              <a:t>Breakpoints</a:t>
+            </a:r>
+          </a:p>
+          <a:p>
+            <a:r>
+              <a:rPr lang="en-US" sz="1800"/>
+              <a:t>Spacing</a:t>
+            </a:r>
+          </a:p>
+          <a:p>
+            <a:r>
+              <a:rPr lang="en-US" sz="1800"/>
+              <a:t>Sizing</a:t>
+            </a:r>
+          </a:p>
+          <a:p>
+            <a:r>
+              <a:rPr lang="en-US" sz="1800"/>
+              <a:t>Colors</a:t>
+            </a:r>
+          </a:p>
+          <a:p>
+            <a:r>
+              <a:rPr lang="en-US" sz="1800"/>
+              <a:t>Text Formatting</a:t>
+            </a:r>
+          </a:p>
+          <a:p>
+            <a:r>
+              <a:rPr lang="en-US" sz="1800"/>
+              <a:t>FlexBox</a:t>
+            </a:r>
+          </a:p>
+          <a:p>
+            <a:endParaRPr lang="en-US" sz="1800"/>
+          </a:p>
+          <a:p>
+            <a:endParaRPr lang="en-US" sz="1800"/>
+          </a:p>
+        </p:txBody>
+      </p:sp>
+    </p:spTree>
+    <p:extLst>
+      <p:ext uri="{BB962C8B-B14F-4D97-AF65-F5344CB8AC3E}">
+        <p14:creationId xmlns:p14="http://schemas.microsoft.com/office/powerpoint/2010/main" val="2070308408"/>
       </p:ext>
     </p:extLst>
   </p:cSld>
